--- a/2.初试/0.数据结构与算法/期末考试/第1次习题课chapter1,2.pptx
+++ b/2.初试/0.数据结构与算法/期末考试/第1次习题课chapter1,2.pptx
@@ -131,6 +131,22 @@
       </a:defRPr>
     </a:lvl9pPr>
   </p:defaultTextStyle>
+  <p:extLst>
+    <p:ext uri="{EFAFB233-063F-42B5-8137-9DF3F51BA10A}">
+      <p15:sldGuideLst xmlns:p15="http://schemas.microsoft.com/office/powerpoint/2012/main">
+        <p15:guide id="1" orient="horz" pos="2160">
+          <p15:clr>
+            <a:srgbClr val="A4A3A4"/>
+          </p15:clr>
+        </p15:guide>
+        <p15:guide id="2" pos="2880">
+          <p15:clr>
+            <a:srgbClr val="A4A3A4"/>
+          </p15:clr>
+        </p15:guide>
+      </p15:sldGuideLst>
+    </p:ext>
+  </p:extLst>
 </p:presentation>
 </file>
 
@@ -181,7 +197,7 @@
           </a:lstStyle>
           <a:p>
             <a:r>
-              <a:rPr kumimoji="0" lang="zh-CN" altLang="en-US" smtClean="0"/>
+              <a:rPr kumimoji="0" lang="zh-CN" altLang="en-US"/>
               <a:t>单击此处编辑母版标题样式</a:t>
             </a:r>
             <a:endParaRPr kumimoji="0" lang="en-US"/>
@@ -300,7 +316,7 @@
           </a:lstStyle>
           <a:p>
             <a:r>
-              <a:rPr kumimoji="0" lang="zh-CN" altLang="en-US" smtClean="0"/>
+              <a:rPr kumimoji="0" lang="zh-CN" altLang="en-US"/>
               <a:t>单击此处编辑母版副标题样式</a:t>
             </a:r>
             <a:endParaRPr kumimoji="0" lang="en-US"/>
@@ -426,7 +442,7 @@
           <a:lstStyle/>
           <a:p>
             <a:r>
-              <a:rPr kumimoji="0" lang="zh-CN" altLang="en-US" smtClean="0"/>
+              <a:rPr kumimoji="0" lang="zh-CN" altLang="en-US"/>
               <a:t>单击此处编辑母版标题样式</a:t>
             </a:r>
             <a:endParaRPr kumimoji="0" lang="en-US"/>
@@ -450,35 +466,35 @@
           <a:p>
             <a:pPr lvl="0" eaLnBrk="1" latinLnBrk="0" hangingPunct="1"/>
             <a:r>
-              <a:rPr lang="zh-CN" altLang="en-US" smtClean="0"/>
+              <a:rPr lang="zh-CN" altLang="en-US"/>
               <a:t>单击此处编辑母版文本样式</a:t>
             </a:r>
           </a:p>
           <a:p>
             <a:pPr lvl="1" eaLnBrk="1" latinLnBrk="0" hangingPunct="1"/>
             <a:r>
-              <a:rPr lang="zh-CN" altLang="en-US" smtClean="0"/>
+              <a:rPr lang="zh-CN" altLang="en-US"/>
               <a:t>第二级</a:t>
             </a:r>
           </a:p>
           <a:p>
             <a:pPr lvl="2" eaLnBrk="1" latinLnBrk="0" hangingPunct="1"/>
             <a:r>
-              <a:rPr lang="zh-CN" altLang="en-US" smtClean="0"/>
+              <a:rPr lang="zh-CN" altLang="en-US"/>
               <a:t>第三级</a:t>
             </a:r>
           </a:p>
           <a:p>
             <a:pPr lvl="3" eaLnBrk="1" latinLnBrk="0" hangingPunct="1"/>
             <a:r>
-              <a:rPr lang="zh-CN" altLang="en-US" smtClean="0"/>
+              <a:rPr lang="zh-CN" altLang="en-US"/>
               <a:t>第四级</a:t>
             </a:r>
           </a:p>
           <a:p>
             <a:pPr lvl="4" eaLnBrk="1" latinLnBrk="0" hangingPunct="1"/>
             <a:r>
-              <a:rPr lang="zh-CN" altLang="en-US" smtClean="0"/>
+              <a:rPr lang="zh-CN" altLang="en-US"/>
               <a:t>第五级</a:t>
             </a:r>
             <a:endParaRPr kumimoji="0" lang="en-US"/>
@@ -609,7 +625,7 @@
           <a:lstStyle/>
           <a:p>
             <a:r>
-              <a:rPr kumimoji="0" lang="zh-CN" altLang="en-US" smtClean="0"/>
+              <a:rPr kumimoji="0" lang="zh-CN" altLang="en-US"/>
               <a:t>单击此处编辑母版标题样式</a:t>
             </a:r>
             <a:endParaRPr kumimoji="0" lang="en-US"/>
@@ -638,35 +654,35 @@
           <a:p>
             <a:pPr lvl="0" eaLnBrk="1" latinLnBrk="0" hangingPunct="1"/>
             <a:r>
-              <a:rPr lang="zh-CN" altLang="en-US" smtClean="0"/>
+              <a:rPr lang="zh-CN" altLang="en-US"/>
               <a:t>单击此处编辑母版文本样式</a:t>
             </a:r>
           </a:p>
           <a:p>
             <a:pPr lvl="1" eaLnBrk="1" latinLnBrk="0" hangingPunct="1"/>
             <a:r>
-              <a:rPr lang="zh-CN" altLang="en-US" smtClean="0"/>
+              <a:rPr lang="zh-CN" altLang="en-US"/>
               <a:t>第二级</a:t>
             </a:r>
           </a:p>
           <a:p>
             <a:pPr lvl="2" eaLnBrk="1" latinLnBrk="0" hangingPunct="1"/>
             <a:r>
-              <a:rPr lang="zh-CN" altLang="en-US" smtClean="0"/>
+              <a:rPr lang="zh-CN" altLang="en-US"/>
               <a:t>第三级</a:t>
             </a:r>
           </a:p>
           <a:p>
             <a:pPr lvl="3" eaLnBrk="1" latinLnBrk="0" hangingPunct="1"/>
             <a:r>
-              <a:rPr lang="zh-CN" altLang="en-US" smtClean="0"/>
+              <a:rPr lang="zh-CN" altLang="en-US"/>
               <a:t>第四级</a:t>
             </a:r>
           </a:p>
           <a:p>
             <a:pPr lvl="4" eaLnBrk="1" latinLnBrk="0" hangingPunct="1"/>
             <a:r>
-              <a:rPr lang="zh-CN" altLang="en-US" smtClean="0"/>
+              <a:rPr lang="zh-CN" altLang="en-US"/>
               <a:t>第五级</a:t>
             </a:r>
             <a:endParaRPr kumimoji="0" lang="en-US"/>
@@ -792,7 +808,7 @@
           <a:lstStyle/>
           <a:p>
             <a:r>
-              <a:rPr kumimoji="0" lang="zh-CN" altLang="en-US" smtClean="0"/>
+              <a:rPr kumimoji="0" lang="zh-CN" altLang="en-US"/>
               <a:t>单击此处编辑母版标题样式</a:t>
             </a:r>
             <a:endParaRPr kumimoji="0" lang="en-US"/>
@@ -816,35 +832,35 @@
           <a:p>
             <a:pPr lvl="0" eaLnBrk="1" latinLnBrk="0" hangingPunct="1"/>
             <a:r>
-              <a:rPr lang="zh-CN" altLang="en-US" smtClean="0"/>
+              <a:rPr lang="zh-CN" altLang="en-US"/>
               <a:t>单击此处编辑母版文本样式</a:t>
             </a:r>
           </a:p>
           <a:p>
             <a:pPr lvl="1" eaLnBrk="1" latinLnBrk="0" hangingPunct="1"/>
             <a:r>
-              <a:rPr lang="zh-CN" altLang="en-US" smtClean="0"/>
+              <a:rPr lang="zh-CN" altLang="en-US"/>
               <a:t>第二级</a:t>
             </a:r>
           </a:p>
           <a:p>
             <a:pPr lvl="2" eaLnBrk="1" latinLnBrk="0" hangingPunct="1"/>
             <a:r>
-              <a:rPr lang="zh-CN" altLang="en-US" smtClean="0"/>
+              <a:rPr lang="zh-CN" altLang="en-US"/>
               <a:t>第三级</a:t>
             </a:r>
           </a:p>
           <a:p>
             <a:pPr lvl="3" eaLnBrk="1" latinLnBrk="0" hangingPunct="1"/>
             <a:r>
-              <a:rPr lang="zh-CN" altLang="en-US" smtClean="0"/>
+              <a:rPr lang="zh-CN" altLang="en-US"/>
               <a:t>第四级</a:t>
             </a:r>
           </a:p>
           <a:p>
             <a:pPr lvl="4" eaLnBrk="1" latinLnBrk="0" hangingPunct="1"/>
             <a:r>
-              <a:rPr lang="zh-CN" altLang="en-US" smtClean="0"/>
+              <a:rPr lang="zh-CN" altLang="en-US"/>
               <a:t>第五级</a:t>
             </a:r>
             <a:endParaRPr kumimoji="0" lang="en-US"/>
@@ -984,7 +1000,7 @@
           </a:lstStyle>
           <a:p>
             <a:r>
-              <a:rPr kumimoji="0" lang="zh-CN" altLang="en-US" smtClean="0"/>
+              <a:rPr kumimoji="0" lang="zh-CN" altLang="en-US"/>
               <a:t>单击此处编辑母版标题样式</a:t>
             </a:r>
             <a:endParaRPr kumimoji="0" lang="en-US"/>
@@ -1104,35 +1120,35 @@
           <a:p>
             <a:pPr lvl="0" eaLnBrk="1" latinLnBrk="0" hangingPunct="1"/>
             <a:r>
-              <a:rPr lang="zh-CN" altLang="en-US" smtClean="0"/>
+              <a:rPr lang="zh-CN" altLang="en-US"/>
               <a:t>单击此处编辑母版文本样式</a:t>
             </a:r>
           </a:p>
           <a:p>
             <a:pPr lvl="1" eaLnBrk="1" latinLnBrk="0" hangingPunct="1"/>
             <a:r>
-              <a:rPr lang="zh-CN" altLang="en-US" smtClean="0"/>
+              <a:rPr lang="zh-CN" altLang="en-US"/>
               <a:t>第二级</a:t>
             </a:r>
           </a:p>
           <a:p>
             <a:pPr lvl="2" eaLnBrk="1" latinLnBrk="0" hangingPunct="1"/>
             <a:r>
-              <a:rPr lang="zh-CN" altLang="en-US" smtClean="0"/>
+              <a:rPr lang="zh-CN" altLang="en-US"/>
               <a:t>第三级</a:t>
             </a:r>
           </a:p>
           <a:p>
             <a:pPr lvl="3" eaLnBrk="1" latinLnBrk="0" hangingPunct="1"/>
             <a:r>
-              <a:rPr lang="zh-CN" altLang="en-US" smtClean="0"/>
+              <a:rPr lang="zh-CN" altLang="en-US"/>
               <a:t>第四级</a:t>
             </a:r>
           </a:p>
           <a:p>
             <a:pPr lvl="4" eaLnBrk="1" latinLnBrk="0" hangingPunct="1"/>
             <a:r>
-              <a:rPr lang="zh-CN" altLang="en-US" smtClean="0"/>
+              <a:rPr lang="zh-CN" altLang="en-US"/>
               <a:t>第五级</a:t>
             </a:r>
             <a:endParaRPr kumimoji="0" lang="en-US"/>
@@ -1258,7 +1274,7 @@
           <a:lstStyle/>
           <a:p>
             <a:r>
-              <a:rPr kumimoji="0" lang="zh-CN" altLang="en-US" smtClean="0"/>
+              <a:rPr kumimoji="0" lang="zh-CN" altLang="en-US"/>
               <a:t>单击此处编辑母版标题样式</a:t>
             </a:r>
             <a:endParaRPr kumimoji="0" lang="en-US"/>
@@ -1315,35 +1331,35 @@
           <a:p>
             <a:pPr lvl="0" eaLnBrk="1" latinLnBrk="0" hangingPunct="1"/>
             <a:r>
-              <a:rPr lang="zh-CN" altLang="en-US" smtClean="0"/>
+              <a:rPr lang="zh-CN" altLang="en-US"/>
               <a:t>单击此处编辑母版文本样式</a:t>
             </a:r>
           </a:p>
           <a:p>
             <a:pPr lvl="1" eaLnBrk="1" latinLnBrk="0" hangingPunct="1"/>
             <a:r>
-              <a:rPr lang="zh-CN" altLang="en-US" smtClean="0"/>
+              <a:rPr lang="zh-CN" altLang="en-US"/>
               <a:t>第二级</a:t>
             </a:r>
           </a:p>
           <a:p>
             <a:pPr lvl="2" eaLnBrk="1" latinLnBrk="0" hangingPunct="1"/>
             <a:r>
-              <a:rPr lang="zh-CN" altLang="en-US" smtClean="0"/>
+              <a:rPr lang="zh-CN" altLang="en-US"/>
               <a:t>第三级</a:t>
             </a:r>
           </a:p>
           <a:p>
             <a:pPr lvl="3" eaLnBrk="1" latinLnBrk="0" hangingPunct="1"/>
             <a:r>
-              <a:rPr lang="zh-CN" altLang="en-US" smtClean="0"/>
+              <a:rPr lang="zh-CN" altLang="en-US"/>
               <a:t>第四级</a:t>
             </a:r>
           </a:p>
           <a:p>
             <a:pPr lvl="4" eaLnBrk="1" latinLnBrk="0" hangingPunct="1"/>
             <a:r>
-              <a:rPr lang="zh-CN" altLang="en-US" smtClean="0"/>
+              <a:rPr lang="zh-CN" altLang="en-US"/>
               <a:t>第五级</a:t>
             </a:r>
             <a:endParaRPr kumimoji="0" lang="en-US"/>
@@ -1400,35 +1416,35 @@
           <a:p>
             <a:pPr lvl="0" eaLnBrk="1" latinLnBrk="0" hangingPunct="1"/>
             <a:r>
-              <a:rPr lang="zh-CN" altLang="en-US" smtClean="0"/>
+              <a:rPr lang="zh-CN" altLang="en-US"/>
               <a:t>单击此处编辑母版文本样式</a:t>
             </a:r>
           </a:p>
           <a:p>
             <a:pPr lvl="1" eaLnBrk="1" latinLnBrk="0" hangingPunct="1"/>
             <a:r>
-              <a:rPr lang="zh-CN" altLang="en-US" smtClean="0"/>
+              <a:rPr lang="zh-CN" altLang="en-US"/>
               <a:t>第二级</a:t>
             </a:r>
           </a:p>
           <a:p>
             <a:pPr lvl="2" eaLnBrk="1" latinLnBrk="0" hangingPunct="1"/>
             <a:r>
-              <a:rPr lang="zh-CN" altLang="en-US" smtClean="0"/>
+              <a:rPr lang="zh-CN" altLang="en-US"/>
               <a:t>第三级</a:t>
             </a:r>
           </a:p>
           <a:p>
             <a:pPr lvl="3" eaLnBrk="1" latinLnBrk="0" hangingPunct="1"/>
             <a:r>
-              <a:rPr lang="zh-CN" altLang="en-US" smtClean="0"/>
+              <a:rPr lang="zh-CN" altLang="en-US"/>
               <a:t>第四级</a:t>
             </a:r>
           </a:p>
           <a:p>
             <a:pPr lvl="4" eaLnBrk="1" latinLnBrk="0" hangingPunct="1"/>
             <a:r>
-              <a:rPr lang="zh-CN" altLang="en-US" smtClean="0"/>
+              <a:rPr lang="zh-CN" altLang="en-US"/>
               <a:t>第五级</a:t>
             </a:r>
             <a:endParaRPr kumimoji="0" lang="en-US"/>
@@ -1558,7 +1574,7 @@
           </a:lstStyle>
           <a:p>
             <a:r>
-              <a:rPr kumimoji="0" lang="zh-CN" altLang="en-US" smtClean="0"/>
+              <a:rPr kumimoji="0" lang="zh-CN" altLang="en-US"/>
               <a:t>单击此处编辑母版标题样式</a:t>
             </a:r>
             <a:endParaRPr kumimoji="0" lang="en-US"/>
@@ -1624,7 +1640,7 @@
           <a:p>
             <a:pPr lvl="0" eaLnBrk="1" latinLnBrk="0" hangingPunct="1"/>
             <a:r>
-              <a:rPr kumimoji="0" lang="zh-CN" altLang="en-US" smtClean="0"/>
+              <a:rPr kumimoji="0" lang="zh-CN" altLang="en-US"/>
               <a:t>单击此处编辑母版文本样式</a:t>
             </a:r>
           </a:p>
@@ -1680,35 +1696,35 @@
           <a:p>
             <a:pPr lvl="0" eaLnBrk="1" latinLnBrk="0" hangingPunct="1"/>
             <a:r>
-              <a:rPr lang="zh-CN" altLang="en-US" smtClean="0"/>
+              <a:rPr lang="zh-CN" altLang="en-US"/>
               <a:t>单击此处编辑母版文本样式</a:t>
             </a:r>
           </a:p>
           <a:p>
             <a:pPr lvl="1" eaLnBrk="1" latinLnBrk="0" hangingPunct="1"/>
             <a:r>
-              <a:rPr lang="zh-CN" altLang="en-US" smtClean="0"/>
+              <a:rPr lang="zh-CN" altLang="en-US"/>
               <a:t>第二级</a:t>
             </a:r>
           </a:p>
           <a:p>
             <a:pPr lvl="2" eaLnBrk="1" latinLnBrk="0" hangingPunct="1"/>
             <a:r>
-              <a:rPr lang="zh-CN" altLang="en-US" smtClean="0"/>
+              <a:rPr lang="zh-CN" altLang="en-US"/>
               <a:t>第三级</a:t>
             </a:r>
           </a:p>
           <a:p>
             <a:pPr lvl="3" eaLnBrk="1" latinLnBrk="0" hangingPunct="1"/>
             <a:r>
-              <a:rPr lang="zh-CN" altLang="en-US" smtClean="0"/>
+              <a:rPr lang="zh-CN" altLang="en-US"/>
               <a:t>第四级</a:t>
             </a:r>
           </a:p>
           <a:p>
             <a:pPr lvl="4" eaLnBrk="1" latinLnBrk="0" hangingPunct="1"/>
             <a:r>
-              <a:rPr lang="zh-CN" altLang="en-US" smtClean="0"/>
+              <a:rPr lang="zh-CN" altLang="en-US"/>
               <a:t>第五级</a:t>
             </a:r>
             <a:endParaRPr kumimoji="0" lang="en-US"/>
@@ -1774,7 +1790,7 @@
           <a:p>
             <a:pPr lvl="0" eaLnBrk="1" latinLnBrk="0" hangingPunct="1"/>
             <a:r>
-              <a:rPr kumimoji="0" lang="zh-CN" altLang="en-US" smtClean="0"/>
+              <a:rPr kumimoji="0" lang="zh-CN" altLang="en-US"/>
               <a:t>单击此处编辑母版文本样式</a:t>
             </a:r>
           </a:p>
@@ -1830,35 +1846,35 @@
           <a:p>
             <a:pPr lvl="0" eaLnBrk="1" latinLnBrk="0" hangingPunct="1"/>
             <a:r>
-              <a:rPr lang="zh-CN" altLang="en-US" smtClean="0"/>
+              <a:rPr lang="zh-CN" altLang="en-US"/>
               <a:t>单击此处编辑母版文本样式</a:t>
             </a:r>
           </a:p>
           <a:p>
             <a:pPr lvl="1" eaLnBrk="1" latinLnBrk="0" hangingPunct="1"/>
             <a:r>
-              <a:rPr lang="zh-CN" altLang="en-US" smtClean="0"/>
+              <a:rPr lang="zh-CN" altLang="en-US"/>
               <a:t>第二级</a:t>
             </a:r>
           </a:p>
           <a:p>
             <a:pPr lvl="2" eaLnBrk="1" latinLnBrk="0" hangingPunct="1"/>
             <a:r>
-              <a:rPr lang="zh-CN" altLang="en-US" smtClean="0"/>
+              <a:rPr lang="zh-CN" altLang="en-US"/>
               <a:t>第三级</a:t>
             </a:r>
           </a:p>
           <a:p>
             <a:pPr lvl="3" eaLnBrk="1" latinLnBrk="0" hangingPunct="1"/>
             <a:r>
-              <a:rPr lang="zh-CN" altLang="en-US" smtClean="0"/>
+              <a:rPr lang="zh-CN" altLang="en-US"/>
               <a:t>第四级</a:t>
             </a:r>
           </a:p>
           <a:p>
             <a:pPr lvl="4" eaLnBrk="1" latinLnBrk="0" hangingPunct="1"/>
             <a:r>
-              <a:rPr lang="zh-CN" altLang="en-US" smtClean="0"/>
+              <a:rPr lang="zh-CN" altLang="en-US"/>
               <a:t>第五级</a:t>
             </a:r>
             <a:endParaRPr kumimoji="0" lang="en-US"/>
@@ -1984,7 +2000,7 @@
           <a:lstStyle/>
           <a:p>
             <a:r>
-              <a:rPr kumimoji="0" lang="zh-CN" altLang="en-US" smtClean="0"/>
+              <a:rPr kumimoji="0" lang="zh-CN" altLang="en-US"/>
               <a:t>单击此处编辑母版标题样式</a:t>
             </a:r>
             <a:endParaRPr kumimoji="0" lang="en-US"/>
@@ -2247,35 +2263,35 @@
           <a:p>
             <a:pPr lvl="0" eaLnBrk="1" latinLnBrk="0" hangingPunct="1"/>
             <a:r>
-              <a:rPr lang="zh-CN" altLang="en-US" smtClean="0"/>
+              <a:rPr lang="zh-CN" altLang="en-US"/>
               <a:t>单击此处编辑母版文本样式</a:t>
             </a:r>
           </a:p>
           <a:p>
             <a:pPr lvl="1" eaLnBrk="1" latinLnBrk="0" hangingPunct="1"/>
             <a:r>
-              <a:rPr lang="zh-CN" altLang="en-US" smtClean="0"/>
+              <a:rPr lang="zh-CN" altLang="en-US"/>
               <a:t>第二级</a:t>
             </a:r>
           </a:p>
           <a:p>
             <a:pPr lvl="2" eaLnBrk="1" latinLnBrk="0" hangingPunct="1"/>
             <a:r>
-              <a:rPr lang="zh-CN" altLang="en-US" smtClean="0"/>
+              <a:rPr lang="zh-CN" altLang="en-US"/>
               <a:t>第三级</a:t>
             </a:r>
           </a:p>
           <a:p>
             <a:pPr lvl="3" eaLnBrk="1" latinLnBrk="0" hangingPunct="1"/>
             <a:r>
-              <a:rPr lang="zh-CN" altLang="en-US" smtClean="0"/>
+              <a:rPr lang="zh-CN" altLang="en-US"/>
               <a:t>第四级</a:t>
             </a:r>
           </a:p>
           <a:p>
             <a:pPr lvl="4" eaLnBrk="1" latinLnBrk="0" hangingPunct="1"/>
             <a:r>
-              <a:rPr lang="zh-CN" altLang="en-US" smtClean="0"/>
+              <a:rPr lang="zh-CN" altLang="en-US"/>
               <a:t>第五级</a:t>
             </a:r>
             <a:endParaRPr kumimoji="0" lang="en-US"/>
@@ -2341,35 +2357,35 @@
           <a:p>
             <a:pPr lvl="0" eaLnBrk="1" latinLnBrk="0" hangingPunct="1"/>
             <a:r>
-              <a:rPr lang="zh-CN" altLang="en-US" smtClean="0"/>
+              <a:rPr lang="zh-CN" altLang="en-US"/>
               <a:t>单击此处编辑母版文本样式</a:t>
             </a:r>
           </a:p>
           <a:p>
             <a:pPr lvl="1" eaLnBrk="1" latinLnBrk="0" hangingPunct="1"/>
             <a:r>
-              <a:rPr lang="zh-CN" altLang="en-US" smtClean="0"/>
+              <a:rPr lang="zh-CN" altLang="en-US"/>
               <a:t>第二级</a:t>
             </a:r>
           </a:p>
           <a:p>
             <a:pPr lvl="2" eaLnBrk="1" latinLnBrk="0" hangingPunct="1"/>
             <a:r>
-              <a:rPr lang="zh-CN" altLang="en-US" smtClean="0"/>
+              <a:rPr lang="zh-CN" altLang="en-US"/>
               <a:t>第三级</a:t>
             </a:r>
           </a:p>
           <a:p>
             <a:pPr lvl="3" eaLnBrk="1" latinLnBrk="0" hangingPunct="1"/>
             <a:r>
-              <a:rPr lang="zh-CN" altLang="en-US" smtClean="0"/>
+              <a:rPr lang="zh-CN" altLang="en-US"/>
               <a:t>第四级</a:t>
             </a:r>
           </a:p>
           <a:p>
             <a:pPr lvl="4" eaLnBrk="1" latinLnBrk="0" hangingPunct="1"/>
             <a:r>
-              <a:rPr lang="zh-CN" altLang="en-US" smtClean="0"/>
+              <a:rPr lang="zh-CN" altLang="en-US"/>
               <a:t>第五级</a:t>
             </a:r>
             <a:endParaRPr kumimoji="0" lang="en-US"/>
@@ -2479,7 +2495,7 @@
           </a:lstStyle>
           <a:p>
             <a:r>
-              <a:rPr kumimoji="0" lang="zh-CN" altLang="en-US" smtClean="0"/>
+              <a:rPr kumimoji="0" lang="zh-CN" altLang="en-US"/>
               <a:t>单击此处编辑母版标题样式</a:t>
             </a:r>
             <a:endParaRPr kumimoji="0" lang="en-US"/>
@@ -2536,7 +2552,7 @@
           </a:lstStyle>
           <a:p>
             <a:r>
-              <a:rPr kumimoji="0" lang="zh-CN" altLang="en-US" smtClean="0"/>
+              <a:rPr kumimoji="0" lang="zh-CN" altLang="en-US"/>
               <a:t>单击此处编辑母版标题样式</a:t>
             </a:r>
             <a:endParaRPr kumimoji="0" lang="en-US"/>
@@ -2636,7 +2652,7 @@
           </a:lstStyle>
           <a:p>
             <a:r>
-              <a:rPr kumimoji="0" lang="zh-CN" altLang="en-US" smtClean="0"/>
+              <a:rPr kumimoji="0" lang="zh-CN" altLang="en-US"/>
               <a:t>单击图标添加图片</a:t>
             </a:r>
             <a:endParaRPr kumimoji="0" lang="en-US"/>
@@ -2702,35 +2718,35 @@
           <a:p>
             <a:pPr lvl="0" eaLnBrk="1" latinLnBrk="0" hangingPunct="1"/>
             <a:r>
-              <a:rPr lang="zh-CN" altLang="en-US" smtClean="0"/>
+              <a:rPr lang="zh-CN" altLang="en-US"/>
               <a:t>单击此处编辑母版文本样式</a:t>
             </a:r>
           </a:p>
           <a:p>
             <a:pPr lvl="1" eaLnBrk="1" latinLnBrk="0" hangingPunct="1"/>
             <a:r>
-              <a:rPr lang="zh-CN" altLang="en-US" smtClean="0"/>
+              <a:rPr lang="zh-CN" altLang="en-US"/>
               <a:t>第二级</a:t>
             </a:r>
           </a:p>
           <a:p>
             <a:pPr lvl="2" eaLnBrk="1" latinLnBrk="0" hangingPunct="1"/>
             <a:r>
-              <a:rPr lang="zh-CN" altLang="en-US" smtClean="0"/>
+              <a:rPr lang="zh-CN" altLang="en-US"/>
               <a:t>第三级</a:t>
             </a:r>
           </a:p>
           <a:p>
             <a:pPr lvl="3" eaLnBrk="1" latinLnBrk="0" hangingPunct="1"/>
             <a:r>
-              <a:rPr lang="zh-CN" altLang="en-US" smtClean="0"/>
+              <a:rPr lang="zh-CN" altLang="en-US"/>
               <a:t>第四级</a:t>
             </a:r>
           </a:p>
           <a:p>
             <a:pPr lvl="4" eaLnBrk="1" latinLnBrk="0" hangingPunct="1"/>
             <a:r>
-              <a:rPr lang="zh-CN" altLang="en-US" smtClean="0"/>
+              <a:rPr lang="zh-CN" altLang="en-US"/>
               <a:t>第五级</a:t>
             </a:r>
             <a:endParaRPr kumimoji="0" lang="en-US"/>
@@ -3100,7 +3116,7 @@
           <a:lstStyle/>
           <a:p>
             <a:r>
-              <a:rPr kumimoji="0" lang="zh-CN" altLang="en-US" smtClean="0"/>
+              <a:rPr kumimoji="0" lang="zh-CN" altLang="en-US"/>
               <a:t>单击此处编辑母版标题样式</a:t>
             </a:r>
             <a:endParaRPr kumimoji="0" lang="en-US"/>
@@ -3134,35 +3150,35 @@
           <a:p>
             <a:pPr lvl="0" eaLnBrk="1" latinLnBrk="0" hangingPunct="1"/>
             <a:r>
-              <a:rPr kumimoji="0" lang="zh-CN" altLang="en-US" smtClean="0"/>
+              <a:rPr kumimoji="0" lang="zh-CN" altLang="en-US"/>
               <a:t>单击此处编辑母版文本样式</a:t>
             </a:r>
           </a:p>
           <a:p>
             <a:pPr lvl="1" eaLnBrk="1" latinLnBrk="0" hangingPunct="1"/>
             <a:r>
-              <a:rPr kumimoji="0" lang="zh-CN" altLang="en-US" smtClean="0"/>
+              <a:rPr kumimoji="0" lang="zh-CN" altLang="en-US"/>
               <a:t>第二级</a:t>
             </a:r>
           </a:p>
           <a:p>
             <a:pPr lvl="2" eaLnBrk="1" latinLnBrk="0" hangingPunct="1"/>
             <a:r>
-              <a:rPr kumimoji="0" lang="zh-CN" altLang="en-US" smtClean="0"/>
+              <a:rPr kumimoji="0" lang="zh-CN" altLang="en-US"/>
               <a:t>第三级</a:t>
             </a:r>
           </a:p>
           <a:p>
             <a:pPr lvl="3" eaLnBrk="1" latinLnBrk="0" hangingPunct="1"/>
             <a:r>
-              <a:rPr kumimoji="0" lang="zh-CN" altLang="en-US" smtClean="0"/>
+              <a:rPr kumimoji="0" lang="zh-CN" altLang="en-US"/>
               <a:t>第四级</a:t>
             </a:r>
           </a:p>
           <a:p>
             <a:pPr lvl="4" eaLnBrk="1" latinLnBrk="0" hangingPunct="1"/>
             <a:r>
-              <a:rPr kumimoji="0" lang="zh-CN" altLang="en-US" smtClean="0"/>
+              <a:rPr kumimoji="0" lang="zh-CN" altLang="en-US"/>
               <a:t>第五级</a:t>
             </a:r>
             <a:endParaRPr kumimoji="0" lang="en-US"/>
@@ -3207,7 +3223,7 @@
                 <a:spcPct val="0"/>
               </a:spcAft>
             </a:pPr>
-            <a:endParaRPr lang="en-US" smtClean="0">
+            <a:endParaRPr lang="en-US">
               <a:solidFill>
                 <a:srgbClr val="FFFFCC"/>
               </a:solidFill>
@@ -3253,7 +3269,7 @@
                 <a:spcPct val="0"/>
               </a:spcAft>
             </a:pPr>
-            <a:endParaRPr lang="en-US" smtClean="0">
+            <a:endParaRPr lang="en-US">
               <a:solidFill>
                 <a:srgbClr val="FFFFCC"/>
               </a:solidFill>
@@ -3312,7 +3328,7 @@
               </a:pPr>
               <a:t>‹#›</a:t>
             </a:fld>
-            <a:endParaRPr lang="en-US" smtClean="0">
+            <a:endParaRPr lang="en-US">
               <a:solidFill>
                 <a:srgbClr val="FFFFCC"/>
               </a:solidFill>
@@ -3699,10 +3715,9 @@
           <a:lstStyle/>
           <a:p>
             <a:r>
-              <a:rPr lang="zh-CN" altLang="en-US" dirty="0" smtClean="0"/>
+              <a:rPr lang="zh-CN" altLang="en-US" dirty="0"/>
               <a:t>习题讲解</a:t>
             </a:r>
-            <a:endParaRPr lang="zh-CN" altLang="en-US" dirty="0"/>
           </a:p>
         </p:txBody>
       </p:sp>
@@ -3728,27 +3743,23 @@
           <a:p>
             <a:r>
               <a:rPr lang="zh-CN" altLang="en-US" dirty="0"/>
-              <a:t>张</a:t>
-            </a:r>
-            <a:r>
-              <a:rPr lang="zh-CN" altLang="en-US" dirty="0" smtClean="0"/>
-              <a:t>源 </a:t>
-            </a:r>
-            <a:r>
-              <a:rPr lang="en-US" altLang="zh-CN" dirty="0" smtClean="0">
+              <a:t>张源 </a:t>
+            </a:r>
+            <a:r>
+              <a:rPr lang="en-US" altLang="zh-CN" dirty="0">
                 <a:hlinkClick r:id="rId2"/>
               </a:rPr>
               <a:t>mf1332090@software.nju.edu.cn</a:t>
             </a:r>
-            <a:endParaRPr lang="en-US" altLang="zh-CN" dirty="0" smtClean="0"/>
-          </a:p>
-          <a:p>
-            <a:r>
-              <a:rPr lang="zh-CN" altLang="en-US" dirty="0" smtClean="0"/>
+            <a:endParaRPr lang="en-US" altLang="zh-CN" dirty="0"/>
+          </a:p>
+          <a:p>
+            <a:r>
+              <a:rPr lang="zh-CN" altLang="en-US" dirty="0"/>
               <a:t>张仁涛 </a:t>
             </a:r>
             <a:r>
-              <a:rPr lang="en-US" altLang="zh-CN" dirty="0" smtClean="0">
+              <a:rPr lang="en-US" altLang="zh-CN" dirty="0">
                 <a:hlinkClick r:id="rId3"/>
               </a:rPr>
               <a:t>mf1332089@software.nju.edu.cn</a:t>
@@ -3756,7 +3767,7 @@
             <a:endParaRPr lang="en-US" altLang="zh-CN" dirty="0"/>
           </a:p>
           <a:p>
-            <a:endParaRPr lang="en-US" altLang="zh-CN" dirty="0" smtClean="0"/>
+            <a:endParaRPr lang="en-US" altLang="zh-CN" dirty="0"/>
           </a:p>
         </p:txBody>
       </p:sp>
@@ -3770,13 +3781,6 @@
   <p:clrMapOvr>
     <a:masterClrMapping/>
   </p:clrMapOvr>
-  <p:timing>
-    <p:tnLst>
-      <p:par>
-        <p:cTn id="1" dur="indefinite" restart="never" nodeType="tmRoot"/>
-      </p:par>
-    </p:tnLst>
-  </p:timing>
 </p:sld>
 </file>
 
@@ -3813,10 +3817,9 @@
           <a:lstStyle/>
           <a:p>
             <a:r>
-              <a:rPr lang="zh-CN" altLang="en-US" dirty="0" smtClean="0"/>
+              <a:rPr lang="zh-CN" altLang="en-US" dirty="0"/>
               <a:t>不好的编程方式</a:t>
             </a:r>
-            <a:endParaRPr lang="zh-CN" altLang="en-US" dirty="0"/>
           </a:p>
         </p:txBody>
       </p:sp>
@@ -3857,29 +3860,16 @@
             </a:pPr>
             <a:r>
               <a:rPr kumimoji="1" lang="en-US" altLang="zh-CN" dirty="0"/>
-              <a:t>        </a:t>
-            </a:r>
-            <a:r>
-              <a:rPr kumimoji="1" lang="en-US" altLang="zh-CN" dirty="0" smtClean="0"/>
-              <a:t>if( a[n-1] &lt; </a:t>
-            </a:r>
-            <a:r>
-              <a:rPr kumimoji="1" lang="en-US" altLang="zh-CN" dirty="0" err="1" smtClean="0"/>
+              <a:t>        if( a[n-1] &lt; </a:t>
+            </a:r>
+            <a:r>
+              <a:rPr kumimoji="1" lang="en-US" altLang="zh-CN" dirty="0" err="1"/>
               <a:t>findMax</a:t>
             </a:r>
             <a:r>
-              <a:rPr kumimoji="1" lang="en-US" altLang="zh-CN" dirty="0" smtClean="0"/>
-              <a:t>(a</a:t>
-            </a:r>
-            <a:r>
               <a:rPr kumimoji="1" lang="en-US" altLang="zh-CN" dirty="0"/>
-              <a:t>, n-1</a:t>
-            </a:r>
-            <a:r>
-              <a:rPr kumimoji="1" lang="en-US" altLang="zh-CN" dirty="0" smtClean="0"/>
-              <a:t>) )</a:t>
-            </a:r>
-            <a:endParaRPr kumimoji="1" lang="en-US" altLang="zh-CN" dirty="0"/>
+              <a:t>(a, n-1) )</a:t>
+            </a:r>
           </a:p>
           <a:p>
             <a:pPr eaLnBrk="1" hangingPunct="1">
@@ -3891,19 +3881,7 @@
             </a:pPr>
             <a:r>
               <a:rPr kumimoji="1" lang="en-US" altLang="zh-CN" dirty="0"/>
-              <a:t>        </a:t>
-            </a:r>
-            <a:r>
-              <a:rPr kumimoji="1" lang="en-US" altLang="zh-CN" dirty="0" smtClean="0"/>
-              <a:t>		return a[n-1</a:t>
-            </a:r>
-            <a:r>
-              <a:rPr kumimoji="1" lang="en-US" altLang="zh-CN" dirty="0"/>
-              <a:t>] </a:t>
-            </a:r>
-            <a:r>
-              <a:rPr kumimoji="1" lang="en-US" altLang="zh-CN" dirty="0" smtClean="0"/>
-              <a:t>;</a:t>
+              <a:t>        		return a[n-1] ;</a:t>
             </a:r>
           </a:p>
           <a:p>
@@ -3916,11 +3894,7 @@
             </a:pPr>
             <a:r>
               <a:rPr kumimoji="1" lang="en-US" altLang="zh-CN" dirty="0"/>
-              <a:t>	</a:t>
-            </a:r>
-            <a:r>
-              <a:rPr kumimoji="1" lang="en-US" altLang="zh-CN" dirty="0" smtClean="0"/>
-              <a:t>	else</a:t>
+              <a:t>		else</a:t>
             </a:r>
           </a:p>
           <a:p>
@@ -3933,18 +3907,14 @@
             </a:pPr>
             <a:r>
               <a:rPr kumimoji="1" lang="en-US" altLang="zh-CN" dirty="0"/>
-              <a:t>	</a:t>
-            </a:r>
-            <a:r>
-              <a:rPr kumimoji="1" lang="en-US" altLang="zh-CN" dirty="0" smtClean="0"/>
-              <a:t>		return </a:t>
-            </a:r>
-            <a:r>
-              <a:rPr kumimoji="1" lang="en-US" altLang="zh-CN" dirty="0" err="1" smtClean="0"/>
+              <a:t>			return </a:t>
+            </a:r>
+            <a:r>
+              <a:rPr kumimoji="1" lang="en-US" altLang="zh-CN" dirty="0" err="1"/>
               <a:t>findMax</a:t>
             </a:r>
             <a:r>
-              <a:rPr kumimoji="1" lang="en-US" altLang="zh-CN" dirty="0" smtClean="0"/>
+              <a:rPr kumimoji="1" lang="en-US" altLang="zh-CN" dirty="0"/>
               <a:t>(a, n-1);</a:t>
             </a:r>
           </a:p>
@@ -3957,7 +3927,7 @@
               <a:buNone/>
             </a:pPr>
             <a:r>
-              <a:rPr kumimoji="1" lang="en-US" altLang="zh-CN" dirty="0" smtClean="0"/>
+              <a:rPr kumimoji="1" lang="en-US" altLang="zh-CN" dirty="0"/>
               <a:t>}</a:t>
             </a:r>
             <a:endParaRPr lang="zh-CN" altLang="en-US" dirty="0"/>
@@ -3974,13 +3944,6 @@
   <p:clrMapOvr>
     <a:masterClrMapping/>
   </p:clrMapOvr>
-  <p:timing>
-    <p:tnLst>
-      <p:par>
-        <p:cTn id="1" dur="indefinite" restart="never" nodeType="tmRoot"/>
-      </p:par>
-    </p:tnLst>
-  </p:timing>
 </p:sld>
 </file>
 
@@ -4021,7 +3984,7 @@
               <a:t>数组中最大整数</a:t>
             </a:r>
             <a:r>
-              <a:rPr lang="en-US" altLang="zh-CN" dirty="0" smtClean="0"/>
+              <a:rPr lang="en-US" altLang="zh-CN" dirty="0"/>
               <a:t>(2)</a:t>
             </a:r>
             <a:endParaRPr lang="zh-CN" altLang="en-US" dirty="0"/>
@@ -4044,23 +4007,23 @@
           <a:lstStyle/>
           <a:p>
             <a:r>
-              <a:rPr lang="zh-CN" altLang="en-US" dirty="0" smtClean="0"/>
+              <a:rPr lang="zh-CN" altLang="en-US" dirty="0"/>
               <a:t>分别求出数组前半段和后半段的最大值，返回其中较大的。</a:t>
             </a:r>
-            <a:endParaRPr lang="en-US" altLang="zh-CN" dirty="0" smtClean="0"/>
+            <a:endParaRPr lang="en-US" altLang="zh-CN" dirty="0"/>
           </a:p>
           <a:p>
             <a:pPr lvl="1"/>
             <a:r>
-              <a:rPr lang="zh-CN" altLang="en-US" dirty="0" smtClean="0"/>
+              <a:rPr lang="zh-CN" altLang="en-US" dirty="0"/>
               <a:t>边界条件：</a:t>
             </a:r>
             <a:r>
-              <a:rPr lang="en-US" altLang="zh-CN" dirty="0" smtClean="0"/>
+              <a:rPr lang="en-US" altLang="zh-CN" dirty="0"/>
               <a:t>(low==high)</a:t>
             </a:r>
             <a:r>
-              <a:rPr lang="zh-CN" altLang="en-US" dirty="0" smtClean="0"/>
+              <a:rPr lang="zh-CN" altLang="en-US" dirty="0"/>
               <a:t>。</a:t>
             </a:r>
             <a:endParaRPr lang="en-US" altLang="zh-CN" dirty="0">
@@ -4075,7 +4038,7 @@
               <a:t>递归返回段：返回</a:t>
             </a:r>
             <a:r>
-              <a:rPr lang="en-US" altLang="zh-CN" dirty="0" smtClean="0"/>
+              <a:rPr lang="en-US" altLang="zh-CN" dirty="0"/>
               <a:t>a[low]</a:t>
             </a:r>
             <a:r>
@@ -4091,26 +4054,14 @@
             <a:pPr lvl="1"/>
             <a:r>
               <a:rPr lang="zh-CN" altLang="en-US" dirty="0"/>
-              <a:t>递归前进段</a:t>
-            </a:r>
-            <a:r>
-              <a:rPr lang="zh-CN" altLang="en-US" dirty="0" smtClean="0"/>
-              <a:t>：</a:t>
+              <a:t>递归前进段：计算剩下的</a:t>
+            </a:r>
+            <a:r>
+              <a:rPr lang="en-US" altLang="zh-CN" dirty="0"/>
+              <a:t>n</a:t>
             </a:r>
             <a:r>
               <a:rPr lang="zh-CN" altLang="en-US" dirty="0"/>
-              <a:t>计算</a:t>
-            </a:r>
-            <a:r>
-              <a:rPr lang="zh-CN" altLang="en-US" dirty="0" smtClean="0"/>
-              <a:t>剩下的</a:t>
-            </a:r>
-            <a:r>
-              <a:rPr lang="en-US" altLang="zh-CN" dirty="0"/>
-              <a:t>n</a:t>
-            </a:r>
-            <a:r>
-              <a:rPr lang="zh-CN" altLang="en-US" dirty="0" smtClean="0"/>
               <a:t>个数的前半段和后半段的最大值，返回其中较大的。</a:t>
             </a:r>
             <a:endParaRPr lang="en-US" altLang="zh-CN" dirty="0">
@@ -4130,13 +4081,6 @@
   <p:clrMapOvr>
     <a:masterClrMapping/>
   </p:clrMapOvr>
-  <p:timing>
-    <p:tnLst>
-      <p:par>
-        <p:cTn id="1" dur="indefinite" restart="never" nodeType="tmRoot"/>
-      </p:par>
-    </p:tnLst>
-  </p:timing>
 </p:sld>
 </file>
 
@@ -4186,30 +4130,22 @@
               <a:buNone/>
             </a:pPr>
             <a:r>
-              <a:rPr kumimoji="1" lang="en-US" altLang="zh-CN" sz="2800" dirty="0" smtClean="0"/>
+              <a:rPr kumimoji="1" lang="en-US" altLang="zh-CN" sz="2800" dirty="0"/>
               <a:t>// </a:t>
             </a:r>
             <a:r>
-              <a:rPr kumimoji="1" lang="zh-CN" altLang="en-US" sz="2800" dirty="0" smtClean="0"/>
+              <a:rPr kumimoji="1" lang="zh-CN" altLang="en-US" sz="2800" dirty="0"/>
               <a:t>初始值 </a:t>
             </a:r>
             <a:r>
-              <a:rPr kumimoji="1" lang="en-US" altLang="zh-CN" sz="2800" dirty="0" smtClean="0"/>
-              <a:t>low=0</a:t>
-            </a:r>
-            <a:r>
               <a:rPr kumimoji="1" lang="en-US" altLang="zh-CN" sz="2800" dirty="0"/>
-              <a:t>, </a:t>
-            </a:r>
-            <a:r>
-              <a:rPr kumimoji="1" lang="en-US" altLang="zh-CN" sz="2800" dirty="0" smtClean="0"/>
-              <a:t>high=</a:t>
-            </a:r>
-            <a:r>
-              <a:rPr kumimoji="1" lang="en-US" altLang="zh-CN" sz="2800" dirty="0" err="1" smtClean="0"/>
+              <a:t>low=0, high=</a:t>
+            </a:r>
+            <a:r>
+              <a:rPr kumimoji="1" lang="en-US" altLang="zh-CN" sz="2800" dirty="0" err="1"/>
               <a:t>a.length</a:t>
             </a:r>
-            <a:endParaRPr kumimoji="1" lang="en-US" altLang="zh-CN" sz="2800" dirty="0" smtClean="0"/>
+            <a:endParaRPr kumimoji="1" lang="en-US" altLang="zh-CN" sz="2800" dirty="0"/>
           </a:p>
           <a:p>
             <a:pPr eaLnBrk="1" hangingPunct="1">
@@ -4220,16 +4156,12 @@
               <a:buNone/>
             </a:pPr>
             <a:r>
-              <a:rPr kumimoji="1" lang="en-US" altLang="zh-CN" sz="2800" dirty="0" err="1" smtClean="0"/>
+              <a:rPr kumimoji="1" lang="en-US" altLang="zh-CN" sz="2800" dirty="0" err="1"/>
               <a:t>int</a:t>
             </a:r>
             <a:r>
-              <a:rPr kumimoji="1" lang="en-US" altLang="zh-CN" sz="2800" dirty="0" smtClean="0"/>
-              <a:t> </a:t>
-            </a:r>
-            <a:r>
               <a:rPr kumimoji="1" lang="en-US" altLang="zh-CN" sz="2800" dirty="0"/>
-              <a:t>max(</a:t>
+              <a:t> max(</a:t>
             </a:r>
             <a:r>
               <a:rPr kumimoji="1" lang="en-US" altLang="zh-CN" sz="2800" dirty="0" err="1"/>
@@ -4265,12 +4197,8 @@
               <a:buNone/>
             </a:pPr>
             <a:r>
-              <a:rPr kumimoji="1" lang="en-US" altLang="zh-CN" sz="2800" dirty="0" smtClean="0"/>
-              <a:t>    if(low</a:t>
-            </a:r>
-            <a:r>
               <a:rPr kumimoji="1" lang="en-US" altLang="zh-CN" sz="2800" dirty="0"/>
-              <a:t>==high)</a:t>
+              <a:t>    if(low==high)</a:t>
             </a:r>
           </a:p>
           <a:p>
@@ -4282,12 +4210,8 @@
               <a:buNone/>
             </a:pPr>
             <a:r>
-              <a:rPr kumimoji="1" lang="en-US" altLang="zh-CN" sz="2800" dirty="0" smtClean="0"/>
-              <a:t>        return </a:t>
-            </a:r>
-            <a:r>
               <a:rPr kumimoji="1" lang="en-US" altLang="zh-CN" sz="2800" dirty="0"/>
-              <a:t>a[low];</a:t>
+              <a:t>        return a[low];</a:t>
             </a:r>
           </a:p>
           <a:p>
@@ -4299,12 +4223,8 @@
               <a:buNone/>
             </a:pPr>
             <a:r>
-              <a:rPr kumimoji="1" lang="en-US" altLang="zh-CN" sz="2800" dirty="0" smtClean="0"/>
-              <a:t>    else </a:t>
-            </a:r>
-            <a:r>
               <a:rPr kumimoji="1" lang="en-US" altLang="zh-CN" sz="2800" dirty="0"/>
-              <a:t>{</a:t>
+              <a:t>    else {</a:t>
             </a:r>
           </a:p>
           <a:p>
@@ -4316,20 +4236,16 @@
               <a:buNone/>
             </a:pPr>
             <a:r>
-              <a:rPr kumimoji="1" lang="en-US" altLang="zh-CN" sz="2800" dirty="0" smtClean="0"/>
+              <a:rPr kumimoji="1" lang="en-US" altLang="zh-CN" sz="2800" dirty="0"/>
               <a:t>        </a:t>
             </a:r>
             <a:r>
-              <a:rPr kumimoji="1" lang="en-US" altLang="zh-CN" sz="2800" dirty="0" err="1" smtClean="0"/>
+              <a:rPr kumimoji="1" lang="en-US" altLang="zh-CN" sz="2800" dirty="0" err="1"/>
               <a:t>int</a:t>
             </a:r>
             <a:r>
-              <a:rPr kumimoji="1" lang="en-US" altLang="zh-CN" sz="2800" dirty="0" smtClean="0"/>
-              <a:t> </a:t>
-            </a:r>
-            <a:r>
               <a:rPr kumimoji="1" lang="en-US" altLang="zh-CN" sz="2800" dirty="0"/>
-              <a:t>x = max(a, low, (</a:t>
+              <a:t> x = max(a, low, (</a:t>
             </a:r>
             <a:r>
               <a:rPr kumimoji="1" lang="en-US" altLang="zh-CN" sz="2800" dirty="0" err="1"/>
@@ -4349,20 +4265,16 @@
               <a:buNone/>
             </a:pPr>
             <a:r>
-              <a:rPr kumimoji="1" lang="en-US" altLang="zh-CN" sz="2800" dirty="0" smtClean="0"/>
+              <a:rPr kumimoji="1" lang="en-US" altLang="zh-CN" sz="2800" dirty="0"/>
               <a:t>        </a:t>
             </a:r>
             <a:r>
-              <a:rPr kumimoji="1" lang="en-US" altLang="zh-CN" sz="2800" dirty="0" err="1" smtClean="0"/>
+              <a:rPr kumimoji="1" lang="en-US" altLang="zh-CN" sz="2800" dirty="0" err="1"/>
               <a:t>int</a:t>
             </a:r>
             <a:r>
-              <a:rPr kumimoji="1" lang="en-US" altLang="zh-CN" sz="2800" dirty="0" smtClean="0"/>
-              <a:t> </a:t>
-            </a:r>
-            <a:r>
               <a:rPr kumimoji="1" lang="en-US" altLang="zh-CN" sz="2800" dirty="0"/>
-              <a:t>y = max(a, (</a:t>
+              <a:t> y = max(a, (</a:t>
             </a:r>
             <a:r>
               <a:rPr kumimoji="1" lang="en-US" altLang="zh-CN" sz="2800" dirty="0" err="1"/>
@@ -4382,12 +4294,8 @@
               <a:buNone/>
             </a:pPr>
             <a:r>
-              <a:rPr kumimoji="1" lang="en-US" altLang="zh-CN" sz="2800" dirty="0" smtClean="0"/>
-              <a:t>        return </a:t>
-            </a:r>
-            <a:r>
               <a:rPr kumimoji="1" lang="en-US" altLang="zh-CN" sz="2800" dirty="0"/>
-              <a:t>x &gt; y ? x : y;</a:t>
+              <a:t>        return x &gt; y ? x : y;</a:t>
             </a:r>
           </a:p>
           <a:p>
@@ -4399,10 +4307,9 @@
               <a:buNone/>
             </a:pPr>
             <a:r>
-              <a:rPr kumimoji="1" lang="en-US" altLang="zh-CN" sz="2800" dirty="0" smtClean="0"/>
+              <a:rPr kumimoji="1" lang="en-US" altLang="zh-CN" sz="2800" dirty="0"/>
               <a:t>    }</a:t>
             </a:r>
-            <a:endParaRPr kumimoji="1" lang="en-US" altLang="zh-CN" sz="2800" dirty="0"/>
           </a:p>
           <a:p>
             <a:pPr eaLnBrk="1" hangingPunct="1">
@@ -4429,13 +4336,6 @@
   <p:clrMapOvr>
     <a:masterClrMapping/>
   </p:clrMapOvr>
-  <p:timing>
-    <p:tnLst>
-      <p:par>
-        <p:cTn id="1" dur="indefinite" restart="never" nodeType="tmRoot"/>
-      </p:par>
-    </p:tnLst>
-  </p:timing>
 </p:sld>
 </file>
 
@@ -4472,26 +4372,21 @@
           <a:lstStyle/>
           <a:p>
             <a:r>
-              <a:rPr lang="en-US" altLang="zh-CN" dirty="0" smtClean="0"/>
+              <a:rPr lang="en-US" altLang="zh-CN" dirty="0"/>
               <a:t>n</a:t>
             </a:r>
             <a:r>
               <a:rPr lang="zh-CN" altLang="en-US" dirty="0"/>
-              <a:t>个整数的</a:t>
-            </a:r>
-            <a:r>
-              <a:rPr lang="zh-CN" altLang="en-US" dirty="0" smtClean="0"/>
-              <a:t>平均值（</a:t>
-            </a:r>
-            <a:r>
-              <a:rPr lang="en-US" altLang="zh-CN" dirty="0" smtClean="0"/>
+              <a:t>个整数的平均值（</a:t>
+            </a:r>
+            <a:r>
+              <a:rPr lang="en-US" altLang="zh-CN" dirty="0"/>
               <a:t>1</a:t>
             </a:r>
             <a:r>
-              <a:rPr lang="zh-CN" altLang="en-US" dirty="0" smtClean="0"/>
+              <a:rPr lang="zh-CN" altLang="en-US" dirty="0"/>
               <a:t>）</a:t>
             </a:r>
-            <a:endParaRPr lang="zh-CN" altLang="en-US" dirty="0"/>
           </a:p>
         </p:txBody>
       </p:sp>
@@ -4512,29 +4407,25 @@
           <a:p>
             <a:r>
               <a:rPr lang="zh-CN" altLang="en-US" dirty="0"/>
-              <a:t>求</a:t>
-            </a:r>
-            <a:r>
-              <a:rPr lang="zh-CN" altLang="en-US" dirty="0" smtClean="0"/>
-              <a:t>出前</a:t>
-            </a:r>
-            <a:r>
-              <a:rPr lang="en-US" altLang="zh-CN" dirty="0" smtClean="0"/>
+              <a:t>求出前</a:t>
+            </a:r>
+            <a:r>
+              <a:rPr lang="en-US" altLang="zh-CN" dirty="0"/>
               <a:t>n-1</a:t>
             </a:r>
             <a:r>
-              <a:rPr lang="zh-CN" altLang="en-US" dirty="0" smtClean="0"/>
+              <a:rPr lang="zh-CN" altLang="en-US" dirty="0"/>
               <a:t>个数的和，再求它跟第</a:t>
             </a:r>
             <a:r>
-              <a:rPr lang="en-US" altLang="zh-CN" dirty="0" smtClean="0"/>
+              <a:rPr lang="en-US" altLang="zh-CN" dirty="0"/>
               <a:t>n</a:t>
             </a:r>
             <a:r>
-              <a:rPr lang="zh-CN" altLang="en-US" dirty="0" smtClean="0"/>
+              <a:rPr lang="zh-CN" altLang="en-US" dirty="0"/>
               <a:t>个数的平均值。</a:t>
             </a:r>
-            <a:endParaRPr lang="en-US" altLang="zh-CN" dirty="0" smtClean="0"/>
+            <a:endParaRPr lang="en-US" altLang="zh-CN" dirty="0"/>
           </a:p>
           <a:p>
             <a:pPr lvl="1"/>
@@ -4543,24 +4434,8 @@
               <a:t>边界条件：</a:t>
             </a:r>
             <a:r>
-              <a:rPr lang="en-US" altLang="zh-CN" dirty="0" smtClean="0"/>
-              <a:t>(</a:t>
-            </a:r>
-            <a:r>
-              <a:rPr lang="en-US" altLang="zh-CN" dirty="0"/>
-              <a:t>n</a:t>
-            </a:r>
-            <a:r>
-              <a:rPr lang="en-US" altLang="zh-CN" dirty="0" smtClean="0"/>
-              <a:t>==</a:t>
-            </a:r>
-            <a:r>
-              <a:rPr lang="en-US" altLang="zh-CN" dirty="0"/>
-              <a:t>1</a:t>
-            </a:r>
-            <a:r>
-              <a:rPr lang="en-US" altLang="zh-CN" dirty="0" smtClean="0"/>
-              <a:t>)</a:t>
+              <a:rPr lang="en-US" altLang="zh-CN" dirty="0"/>
+              <a:t>(n==1)</a:t>
             </a:r>
             <a:r>
               <a:rPr lang="zh-CN" altLang="en-US" dirty="0"/>
@@ -4578,7 +4453,7 @@
               <a:t>递归返回段：返回</a:t>
             </a:r>
             <a:r>
-              <a:rPr lang="en-US" altLang="zh-CN" dirty="0" smtClean="0"/>
+              <a:rPr lang="en-US" altLang="zh-CN" dirty="0"/>
               <a:t>a[0]</a:t>
             </a:r>
             <a:r>
@@ -4602,23 +4477,15 @@
             </a:r>
             <a:r>
               <a:rPr lang="zh-CN" altLang="en-US" dirty="0"/>
-              <a:t>个数的</a:t>
-            </a:r>
-            <a:r>
-              <a:rPr lang="zh-CN" altLang="en-US" dirty="0" smtClean="0"/>
-              <a:t>前</a:t>
-            </a:r>
-            <a:r>
-              <a:rPr lang="en-US" altLang="zh-CN" dirty="0" smtClean="0"/>
+              <a:t>个数的前</a:t>
+            </a:r>
+            <a:r>
+              <a:rPr lang="en-US" altLang="zh-CN" dirty="0"/>
               <a:t>n-1</a:t>
             </a:r>
             <a:r>
-              <a:rPr lang="zh-CN" altLang="en-US" dirty="0" smtClean="0"/>
-              <a:t>个数的和，</a:t>
-            </a:r>
-            <a:r>
               <a:rPr lang="zh-CN" altLang="en-US" dirty="0"/>
-              <a:t>再求它跟第</a:t>
+              <a:t>个数的和，再求它跟第</a:t>
             </a:r>
             <a:r>
               <a:rPr lang="en-US" altLang="zh-CN" dirty="0"/>
@@ -4626,11 +4493,7 @@
             </a:r>
             <a:r>
               <a:rPr lang="zh-CN" altLang="en-US" dirty="0"/>
-              <a:t>个数的平均值</a:t>
-            </a:r>
-            <a:r>
-              <a:rPr lang="zh-CN" altLang="en-US" dirty="0" smtClean="0"/>
-              <a:t>。</a:t>
+              <a:t>个数的平均值。</a:t>
             </a:r>
             <a:endParaRPr lang="en-US" altLang="zh-CN" dirty="0">
               <a:latin typeface="Consolas" pitchFamily="49" charset="0"/>
@@ -4649,13 +4512,6 @@
   <p:clrMapOvr>
     <a:masterClrMapping/>
   </p:clrMapOvr>
-  <p:timing>
-    <p:tnLst>
-      <p:par>
-        <p:cTn id="1" dur="indefinite" restart="never" nodeType="tmRoot"/>
-      </p:par>
-    </p:tnLst>
-  </p:timing>
 </p:sld>
 </file>
 
@@ -4736,45 +4592,28 @@
             </a:pPr>
             <a:r>
               <a:rPr lang="en-US" altLang="zh-CN" dirty="0"/>
-              <a:t> </a:t>
-            </a:r>
-            <a:r>
-              <a:rPr lang="en-US" altLang="zh-CN" dirty="0" smtClean="0"/>
-              <a:t>   // </a:t>
+              <a:t>    // n</a:t>
+            </a:r>
+            <a:r>
+              <a:rPr lang="zh-CN" altLang="en-US" dirty="0"/>
+              <a:t>表示数组的第</a:t>
             </a:r>
             <a:r>
               <a:rPr lang="en-US" altLang="zh-CN" dirty="0"/>
               <a:t>n</a:t>
             </a:r>
             <a:r>
-              <a:rPr lang="zh-CN" altLang="en-US" dirty="0" smtClean="0"/>
-              <a:t>表示数组的第</a:t>
-            </a:r>
-            <a:r>
-              <a:rPr lang="en-US" altLang="zh-CN" dirty="0"/>
-              <a:t>n</a:t>
-            </a:r>
-            <a:r>
               <a:rPr lang="zh-CN" altLang="en-US" dirty="0"/>
-              <a:t>个</a:t>
-            </a:r>
-            <a:r>
-              <a:rPr lang="zh-CN" altLang="en-US" dirty="0" smtClean="0"/>
-              <a:t>元素</a:t>
-            </a:r>
-            <a:endParaRPr lang="zh-CN" altLang="en-US" dirty="0"/>
+              <a:t>个元素</a:t>
+            </a:r>
           </a:p>
           <a:p>
             <a:pPr marL="0" indent="0">
               <a:buNone/>
             </a:pPr>
             <a:r>
-              <a:rPr lang="en-US" altLang="zh-CN" dirty="0" smtClean="0"/>
-              <a:t>    if </a:t>
-            </a:r>
-            <a:r>
-              <a:rPr lang="en-US" altLang="zh-CN" dirty="0"/>
-              <a:t>(n==1)</a:t>
+              <a:rPr lang="en-US" altLang="zh-CN" dirty="0"/>
+              <a:t>    if (n==1)</a:t>
             </a:r>
           </a:p>
           <a:p>
@@ -4782,12 +4621,8 @@
               <a:buNone/>
             </a:pPr>
             <a:r>
-              <a:rPr lang="en-US" altLang="zh-CN" dirty="0" smtClean="0"/>
-              <a:t>        return </a:t>
-            </a:r>
-            <a:r>
-              <a:rPr lang="en-US" altLang="zh-CN" dirty="0"/>
-              <a:t>a[0];</a:t>
+              <a:rPr lang="en-US" altLang="zh-CN" dirty="0"/>
+              <a:t>        return a[0];</a:t>
             </a:r>
           </a:p>
           <a:p>
@@ -4796,13 +4631,8 @@
             </a:pPr>
             <a:r>
               <a:rPr lang="en-US" altLang="zh-CN" dirty="0"/>
-              <a:t> </a:t>
-            </a:r>
-            <a:r>
-              <a:rPr lang="en-US" altLang="zh-CN" dirty="0" smtClean="0"/>
-              <a:t>   else</a:t>
-            </a:r>
-            <a:endParaRPr lang="en-US" altLang="zh-CN" dirty="0"/>
+              <a:t>    else</a:t>
+            </a:r>
           </a:p>
           <a:p>
             <a:pPr marL="0" indent="0">
@@ -4810,15 +4640,7 @@
             </a:pPr>
             <a:r>
               <a:rPr lang="en-US" altLang="zh-CN" dirty="0"/>
-              <a:t> </a:t>
-            </a:r>
-            <a:r>
-              <a:rPr lang="en-US" altLang="zh-CN" dirty="0" smtClean="0"/>
-              <a:t>       return </a:t>
-            </a:r>
-            <a:r>
-              <a:rPr lang="en-US" altLang="zh-CN" dirty="0"/>
-              <a:t>(</a:t>
+              <a:t>        return (</a:t>
             </a:r>
             <a:r>
               <a:rPr lang="en-US" altLang="zh-CN" dirty="0" err="1"/>
@@ -4984,21 +4806,16 @@
             </a:r>
             <a:r>
               <a:rPr lang="zh-CN" altLang="en-US" dirty="0"/>
-              <a:t>个整数的平均值</a:t>
-            </a:r>
-            <a:r>
-              <a:rPr lang="zh-CN" altLang="en-US" dirty="0" smtClean="0"/>
-              <a:t>（</a:t>
-            </a:r>
-            <a:r>
-              <a:rPr lang="en-US" altLang="zh-CN" dirty="0" smtClean="0"/>
+              <a:t>个整数的平均值（</a:t>
+            </a:r>
+            <a:r>
+              <a:rPr lang="en-US" altLang="zh-CN" dirty="0"/>
               <a:t>2</a:t>
             </a:r>
             <a:r>
-              <a:rPr lang="zh-CN" altLang="en-US" dirty="0" smtClean="0"/>
+              <a:rPr lang="zh-CN" altLang="en-US" dirty="0"/>
               <a:t>）</a:t>
             </a:r>
-            <a:endParaRPr lang="zh-CN" altLang="en-US" dirty="0"/>
           </a:p>
         </p:txBody>
       </p:sp>
@@ -5018,19 +4835,19 @@
           <a:lstStyle/>
           <a:p>
             <a:r>
-              <a:rPr lang="zh-CN" altLang="en-US" dirty="0" smtClean="0"/>
+              <a:rPr lang="zh-CN" altLang="en-US" dirty="0"/>
               <a:t>先求出</a:t>
             </a:r>
             <a:r>
-              <a:rPr lang="en-US" altLang="zh-CN" dirty="0" smtClean="0"/>
+              <a:rPr lang="en-US" altLang="zh-CN" dirty="0"/>
               <a:t>n</a:t>
             </a:r>
             <a:r>
-              <a:rPr lang="zh-CN" altLang="en-US" dirty="0" smtClean="0"/>
+              <a:rPr lang="zh-CN" altLang="en-US" dirty="0"/>
               <a:t>个数的和，再除以</a:t>
             </a:r>
             <a:r>
-              <a:rPr lang="en-US" altLang="zh-CN" dirty="0" smtClean="0"/>
+              <a:rPr lang="en-US" altLang="zh-CN" dirty="0"/>
               <a:t>n</a:t>
             </a:r>
           </a:p>
@@ -5094,18 +4911,14 @@
             </a:pPr>
             <a:r>
               <a:rPr lang="en-US" altLang="zh-CN" dirty="0"/>
-              <a:t>    </a:t>
-            </a:r>
-            <a:r>
-              <a:rPr lang="en-US" altLang="zh-CN" dirty="0" smtClean="0"/>
-              <a:t>return </a:t>
-            </a:r>
-            <a:r>
-              <a:rPr lang="en-US" altLang="zh-CN" dirty="0" err="1" smtClean="0"/>
+              <a:t>    return </a:t>
+            </a:r>
+            <a:r>
+              <a:rPr lang="en-US" altLang="zh-CN" dirty="0" err="1"/>
               <a:t>getSum</a:t>
             </a:r>
             <a:r>
-              <a:rPr lang="en-US" altLang="zh-CN" dirty="0" smtClean="0"/>
+              <a:rPr lang="en-US" altLang="zh-CN" dirty="0"/>
               <a:t>( a, n )/n;</a:t>
             </a:r>
           </a:p>
@@ -5114,7 +4927,7 @@
               <a:buNone/>
             </a:pPr>
             <a:r>
-              <a:rPr lang="en-US" altLang="zh-CN" dirty="0" smtClean="0"/>
+              <a:rPr lang="en-US" altLang="zh-CN" dirty="0"/>
               <a:t>}</a:t>
             </a:r>
             <a:endParaRPr lang="zh-CN" altLang="en-US" dirty="0"/>
@@ -5134,13 +4947,6 @@
   <p:clrMapOvr>
     <a:masterClrMapping/>
   </p:clrMapOvr>
-  <p:timing>
-    <p:tnLst>
-      <p:par>
-        <p:cTn id="1" dur="indefinite" restart="never" nodeType="tmRoot"/>
-      </p:par>
-    </p:tnLst>
-  </p:timing>
 </p:sld>
 </file>
 
@@ -5196,37 +5002,37 @@
           <a:lstStyle/>
           <a:p>
             <a:r>
-              <a:rPr lang="en-US" altLang="zh-CN" dirty="0" smtClean="0"/>
+              <a:rPr lang="en-US" altLang="zh-CN" dirty="0"/>
               <a:t>public double </a:t>
             </a:r>
             <a:r>
-              <a:rPr lang="en-US" altLang="zh-CN" dirty="0" err="1" smtClean="0"/>
+              <a:rPr lang="en-US" altLang="zh-CN" dirty="0" err="1"/>
               <a:t>getSum</a:t>
             </a:r>
             <a:r>
-              <a:rPr lang="en-US" altLang="zh-CN" dirty="0" smtClean="0"/>
+              <a:rPr lang="en-US" altLang="zh-CN" dirty="0"/>
               <a:t>( </a:t>
             </a:r>
             <a:r>
-              <a:rPr lang="en-US" altLang="zh-CN" dirty="0" err="1" smtClean="0"/>
+              <a:rPr lang="en-US" altLang="zh-CN" dirty="0" err="1"/>
               <a:t>int</a:t>
             </a:r>
             <a:r>
-              <a:rPr lang="en-US" altLang="zh-CN" dirty="0" smtClean="0"/>
+              <a:rPr lang="en-US" altLang="zh-CN" dirty="0"/>
               <a:t>[] a, </a:t>
             </a:r>
             <a:r>
-              <a:rPr lang="en-US" altLang="zh-CN" dirty="0" err="1" smtClean="0"/>
+              <a:rPr lang="en-US" altLang="zh-CN" dirty="0" err="1"/>
               <a:t>int</a:t>
             </a:r>
             <a:r>
-              <a:rPr lang="en-US" altLang="zh-CN" dirty="0" smtClean="0"/>
+              <a:rPr lang="en-US" altLang="zh-CN" dirty="0"/>
               <a:t> n )</a:t>
             </a:r>
           </a:p>
           <a:p>
             <a:r>
-              <a:rPr lang="en-US" altLang="zh-CN" dirty="0" smtClean="0"/>
+              <a:rPr lang="en-US" altLang="zh-CN" dirty="0"/>
               <a:t>{</a:t>
             </a:r>
           </a:p>
@@ -5236,18 +5042,14 @@
             </a:pPr>
             <a:r>
               <a:rPr lang="en-US" altLang="zh-CN" dirty="0"/>
-              <a:t>	</a:t>
-            </a:r>
-            <a:r>
-              <a:rPr lang="en-US" altLang="zh-CN" dirty="0" smtClean="0"/>
-              <a:t>return </a:t>
-            </a:r>
-            <a:r>
-              <a:rPr lang="en-US" altLang="zh-CN" dirty="0" err="1" smtClean="0"/>
+              <a:t>	return </a:t>
+            </a:r>
+            <a:r>
+              <a:rPr lang="en-US" altLang="zh-CN" dirty="0" err="1"/>
               <a:t>getSum</a:t>
             </a:r>
             <a:r>
-              <a:rPr lang="en-US" altLang="zh-CN" dirty="0" smtClean="0"/>
+              <a:rPr lang="en-US" altLang="zh-CN" dirty="0"/>
               <a:t>( a, n-1 ) + a[n-1];</a:t>
             </a:r>
           </a:p>
@@ -5273,13 +5075,6 @@
   <p:clrMapOvr>
     <a:masterClrMapping/>
   </p:clrMapOvr>
-  <p:timing>
-    <p:tnLst>
-      <p:par>
-        <p:cTn id="1" dur="indefinite" restart="never" nodeType="tmRoot"/>
-      </p:par>
-    </p:tnLst>
-  </p:timing>
 </p:sld>
 </file>
 
@@ -5316,7 +5111,7 @@
           <a:lstStyle/>
           <a:p>
             <a:r>
-              <a:rPr lang="en-US" altLang="zh-CN" dirty="0" smtClean="0"/>
+              <a:rPr lang="en-US" altLang="zh-CN" dirty="0"/>
               <a:t>Exercises 4</a:t>
             </a:r>
             <a:endParaRPr lang="zh-CN" altLang="en-US" dirty="0"/>
@@ -5342,37 +5137,21 @@
           <a:p>
             <a:r>
               <a:rPr lang="en-US" altLang="zh-CN" sz="2400" dirty="0"/>
-              <a:t>Write a recursive method that calculates and returns </a:t>
-            </a:r>
-            <a:r>
-              <a:rPr lang="en-US" altLang="zh-CN" sz="2400" dirty="0" smtClean="0"/>
-              <a:t>the length </a:t>
-            </a:r>
-            <a:r>
-              <a:rPr lang="en-US" altLang="zh-CN" sz="2400" dirty="0"/>
-              <a:t>of a linked list</a:t>
-            </a:r>
-            <a:r>
-              <a:rPr lang="en-US" altLang="zh-CN" sz="2400" dirty="0" smtClean="0"/>
-              <a:t>.</a:t>
+              <a:t>Write a recursive method that calculates and returns the length of a linked list.</a:t>
             </a:r>
           </a:p>
           <a:p>
             <a:pPr marL="0" indent="0">
               <a:buNone/>
             </a:pPr>
-            <a:endParaRPr lang="en-US" altLang="zh-CN" sz="2400" dirty="0" smtClean="0"/>
+            <a:endParaRPr lang="en-US" altLang="zh-CN" sz="2400" dirty="0"/>
           </a:p>
           <a:p>
             <a:r>
               <a:rPr lang="zh-CN" altLang="en-US" sz="2400" dirty="0"/>
-              <a:t>计算和返回链表</a:t>
-            </a:r>
-            <a:r>
-              <a:rPr lang="zh-CN" altLang="en-US" sz="2400" dirty="0" smtClean="0"/>
-              <a:t>长度</a:t>
-            </a:r>
-            <a:endParaRPr lang="en-US" altLang="zh-CN" sz="2400" dirty="0" smtClean="0"/>
+              <a:t>计算和返回链表长度</a:t>
+            </a:r>
+            <a:endParaRPr lang="en-US" altLang="zh-CN" sz="2400" dirty="0"/>
           </a:p>
           <a:p>
             <a:pPr marL="400050" lvl="1" indent="0">
@@ -5418,12 +5197,8 @@
               <a:buNone/>
             </a:pPr>
             <a:r>
-              <a:rPr lang="en-US" altLang="zh-CN" sz="2400" b="1" dirty="0" smtClean="0"/>
-              <a:t>    if(a</a:t>
-            </a:r>
-            <a:r>
               <a:rPr lang="en-US" altLang="zh-CN" sz="2400" b="1" dirty="0"/>
-              <a:t>==null) return 0;</a:t>
+              <a:t>    if(a==null) return 0;</a:t>
             </a:r>
           </a:p>
           <a:p>
@@ -5431,12 +5206,8 @@
               <a:buNone/>
             </a:pPr>
             <a:r>
-              <a:rPr lang="en-US" altLang="zh-CN" sz="2400" b="1" dirty="0" smtClean="0"/>
-              <a:t>    else </a:t>
-            </a:r>
-            <a:r>
               <a:rPr lang="en-US" altLang="zh-CN" sz="2400" b="1" dirty="0"/>
-              <a:t>return 1 + length(</a:t>
+              <a:t>    else return 1 + length(</a:t>
             </a:r>
             <a:r>
               <a:rPr lang="en-US" altLang="zh-CN" sz="2400" b="1" dirty="0" err="1"/>
@@ -5492,12 +5263,8 @@
               <a:buNone/>
             </a:pPr>
             <a:r>
-              <a:rPr lang="en-US" altLang="zh-CN" sz="2400" dirty="0" smtClean="0"/>
-              <a:t>    Object </a:t>
-            </a:r>
-            <a:r>
               <a:rPr lang="en-US" altLang="zh-CN" sz="2400" dirty="0"/>
-              <a:t>content=</a:t>
+              <a:t>    Object content=</a:t>
             </a:r>
             <a:r>
               <a:rPr lang="en-US" altLang="zh-CN" sz="2400" b="1" dirty="0"/>
@@ -5509,20 +5276,16 @@
               <a:buNone/>
             </a:pPr>
             <a:r>
-              <a:rPr lang="en-US" altLang="zh-CN" sz="2400" dirty="0" smtClean="0"/>
+              <a:rPr lang="en-US" altLang="zh-CN" sz="2400" dirty="0"/>
               <a:t>    </a:t>
             </a:r>
             <a:r>
-              <a:rPr lang="en-US" altLang="zh-CN" sz="2400" dirty="0" err="1" smtClean="0"/>
+              <a:rPr lang="en-US" altLang="zh-CN" sz="2400" dirty="0" err="1"/>
               <a:t>ListNode</a:t>
             </a:r>
             <a:r>
-              <a:rPr lang="en-US" altLang="zh-CN" sz="2400" dirty="0" smtClean="0"/>
-              <a:t> </a:t>
-            </a:r>
-            <a:r>
               <a:rPr lang="en-US" altLang="zh-CN" sz="2400" dirty="0"/>
-              <a:t>next=</a:t>
+              <a:t> next=</a:t>
             </a:r>
             <a:r>
               <a:rPr lang="en-US" altLang="zh-CN" sz="2400" b="1" dirty="0"/>
@@ -5534,7 +5297,7 @@
               <a:buNone/>
             </a:pPr>
             <a:r>
-              <a:rPr lang="en-US" altLang="zh-CN" sz="2400" dirty="0" smtClean="0"/>
+              <a:rPr lang="en-US" altLang="zh-CN" sz="2400" dirty="0"/>
               <a:t>}</a:t>
             </a:r>
             <a:endParaRPr lang="zh-CN" altLang="en-US" sz="2400" dirty="0"/>
@@ -5551,13 +5314,6 @@
   <p:clrMapOvr>
     <a:masterClrMapping/>
   </p:clrMapOvr>
-  <p:timing>
-    <p:tnLst>
-      <p:par>
-        <p:cTn id="1" dur="indefinite" restart="never" nodeType="tmRoot"/>
-      </p:par>
-    </p:tnLst>
-  </p:timing>
 </p:sld>
 </file>
 
@@ -5594,7 +5350,7 @@
           <a:lstStyle/>
           <a:p>
             <a:r>
-              <a:rPr lang="en-US" altLang="zh-CN" dirty="0" smtClean="0"/>
+              <a:rPr lang="en-US" altLang="zh-CN" dirty="0"/>
               <a:t>Exercises 5</a:t>
             </a:r>
             <a:endParaRPr lang="zh-CN" altLang="en-US" dirty="0"/>
@@ -5626,54 +5382,26 @@
           <a:p>
             <a:pPr lvl="1"/>
             <a:r>
-              <a:rPr lang="en-US" altLang="zh-CN" sz="2400" dirty="0" smtClean="0"/>
-              <a:t>a. a </a:t>
-            </a:r>
-            <a:r>
               <a:rPr lang="en-US" altLang="zh-CN" sz="2400" dirty="0"/>
-              <a:t>word</a:t>
+              <a:t>a. a word</a:t>
             </a:r>
           </a:p>
           <a:p>
             <a:pPr lvl="1"/>
             <a:r>
-              <a:rPr lang="en-US" altLang="zh-CN" sz="2400" dirty="0" smtClean="0"/>
-              <a:t>b</a:t>
-            </a:r>
-            <a:r>
               <a:rPr lang="en-US" altLang="zh-CN" sz="2400" dirty="0"/>
-              <a:t>. a sentence </a:t>
-            </a:r>
-            <a:r>
-              <a:rPr lang="en-US" altLang="zh-CN" sz="2400" dirty="0" smtClean="0"/>
-              <a:t>(ignoring </a:t>
-            </a:r>
-            <a:r>
-              <a:rPr lang="en-US" altLang="zh-CN" sz="2400" dirty="0"/>
-              <a:t>blanks, </a:t>
-            </a:r>
-            <a:r>
-              <a:rPr lang="en-US" altLang="zh-CN" sz="2400" dirty="0" smtClean="0"/>
-              <a:t>lower </a:t>
-            </a:r>
-            <a:r>
-              <a:rPr lang="en-US" altLang="zh-CN" sz="2400" dirty="0"/>
-              <a:t>and uppercase differences, and punctuation marks so that “Madam, I’m Adam” is accepted as a palindrome</a:t>
-            </a:r>
-            <a:r>
-              <a:rPr lang="en-US" altLang="zh-CN" sz="2400" dirty="0" smtClean="0"/>
-              <a:t>)</a:t>
-            </a:r>
-          </a:p>
-          <a:p>
-            <a:endParaRPr lang="en-US" altLang="zh-CN" sz="2400" dirty="0" smtClean="0"/>
-          </a:p>
-          <a:p>
-            <a:r>
-              <a:rPr lang="zh-CN" altLang="en-US" sz="2400" dirty="0" smtClean="0"/>
+              <a:t>b. a sentence (ignoring blanks, lower and uppercase differences, and punctuation marks so that “Madam, I’m Adam” is accepted as a palindrome)</a:t>
+            </a:r>
+          </a:p>
+          <a:p>
+            <a:endParaRPr lang="en-US" altLang="zh-CN" sz="2400" dirty="0"/>
+          </a:p>
+          <a:p>
+            <a:r>
+              <a:rPr lang="zh-CN" altLang="en-US" sz="2400" dirty="0"/>
               <a:t>检测回文</a:t>
             </a:r>
-            <a:endParaRPr lang="en-US" altLang="zh-CN" sz="2400" dirty="0" smtClean="0"/>
+            <a:endParaRPr lang="en-US" altLang="zh-CN" sz="2400" dirty="0"/>
           </a:p>
           <a:p>
             <a:pPr lvl="1"/>
@@ -5741,10 +5469,9 @@
               <a:t>是一个回文</a:t>
             </a:r>
             <a:r>
-              <a:rPr lang="en-US" altLang="zh-CN" sz="2400" dirty="0" smtClean="0"/>
+              <a:rPr lang="en-US" altLang="zh-CN" sz="2400" dirty="0"/>
               <a:t>)</a:t>
             </a:r>
-            <a:endParaRPr lang="en-US" altLang="zh-CN" sz="2400" dirty="0"/>
           </a:p>
         </p:txBody>
       </p:sp>
@@ -5758,13 +5485,6 @@
   <p:clrMapOvr>
     <a:masterClrMapping/>
   </p:clrMapOvr>
-  <p:timing>
-    <p:tnLst>
-      <p:par>
-        <p:cTn id="1" dur="indefinite" restart="never" nodeType="tmRoot"/>
-      </p:par>
-    </p:tnLst>
-  </p:timing>
 </p:sld>
 </file>
 
@@ -5801,14 +5521,13 @@
           <a:lstStyle/>
           <a:p>
             <a:r>
-              <a:rPr lang="en-US" altLang="zh-CN" dirty="0" smtClean="0"/>
+              <a:rPr lang="en-US" altLang="zh-CN" dirty="0"/>
               <a:t>a) </a:t>
             </a:r>
             <a:r>
-              <a:rPr lang="zh-CN" altLang="en-US" dirty="0" smtClean="0"/>
+              <a:rPr lang="zh-CN" altLang="en-US" dirty="0"/>
               <a:t>检测回文单词</a:t>
             </a:r>
-            <a:endParaRPr lang="zh-CN" altLang="en-US" dirty="0"/>
           </a:p>
         </p:txBody>
       </p:sp>
@@ -5850,50 +5569,42 @@
           <a:p>
             <a:pPr lvl="1"/>
             <a:r>
-              <a:rPr lang="zh-CN" altLang="en-US" sz="1800" dirty="0" smtClean="0"/>
+              <a:rPr lang="zh-CN" altLang="en-US" sz="1800" dirty="0"/>
               <a:t>边界条件和递归返回段：</a:t>
             </a:r>
-            <a:endParaRPr lang="en-US" altLang="zh-CN" sz="1800" dirty="0" smtClean="0"/>
+            <a:endParaRPr lang="en-US" altLang="zh-CN" sz="1800" dirty="0"/>
           </a:p>
           <a:p>
             <a:pPr lvl="2"/>
             <a:r>
-              <a:rPr lang="zh-CN" altLang="en-US" sz="1800" dirty="0" smtClean="0"/>
-              <a:t>要比较的子字符</a:t>
-            </a:r>
-            <a:r>
               <a:rPr lang="zh-CN" altLang="en-US" sz="1800" dirty="0"/>
-              <a:t>窜为</a:t>
-            </a:r>
-            <a:r>
-              <a:rPr lang="zh-CN" altLang="en-US" sz="1800" dirty="0" smtClean="0"/>
-              <a:t>空，返回</a:t>
-            </a:r>
-            <a:r>
-              <a:rPr lang="en-US" altLang="zh-CN" sz="1800" dirty="0" smtClean="0"/>
+              <a:t>要比较的子字符窜为空，返回</a:t>
+            </a:r>
+            <a:r>
+              <a:rPr lang="en-US" altLang="zh-CN" sz="1800" dirty="0"/>
               <a:t>true</a:t>
             </a:r>
           </a:p>
           <a:p>
             <a:pPr lvl="1"/>
             <a:r>
-              <a:rPr lang="zh-CN" altLang="en-US" sz="1800" dirty="0" smtClean="0"/>
+              <a:rPr lang="zh-CN" altLang="en-US" sz="1800" dirty="0"/>
               <a:t>递归前进段：截取当前字符串从位置</a:t>
             </a:r>
             <a:r>
-              <a:rPr lang="en-US" altLang="zh-CN" sz="1800" dirty="0" smtClean="0"/>
+              <a:rPr lang="en-US" altLang="zh-CN" sz="1800" dirty="0"/>
               <a:t>1</a:t>
             </a:r>
             <a:r>
-              <a:rPr lang="zh-CN" altLang="en-US" sz="1800" dirty="0" smtClean="0"/>
+              <a:rPr lang="zh-CN" altLang="en-US" sz="1800" dirty="0"/>
               <a:t>到位置</a:t>
             </a:r>
             <a:r>
-              <a:rPr lang="en-US" altLang="zh-CN" sz="1800" dirty="0" smtClean="0"/>
+              <a:rPr lang="en-US" altLang="zh-CN" sz="1800" dirty="0"/>
               <a:t>length-1</a:t>
             </a:r>
             <a:r>
-              <a:rPr lang="zh-CN" altLang="en-US" sz="1800" dirty="0" smtClean="0"/>
+              <a:rPr lang="zh-CN" altLang="en-US" sz="1800" dirty="0"/>
               <a:t>的子字符串，返回其回文性。</a:t>
             </a:r>
             <a:endParaRPr lang="en-US" altLang="zh-CN" sz="1800" dirty="0"/>
@@ -5902,19 +5613,15 @@
             <a:pPr marL="457200" lvl="1" indent="0">
               <a:buNone/>
             </a:pPr>
-            <a:endParaRPr lang="zh-CN" altLang="en-US" sz="1800" dirty="0" smtClean="0"/>
+            <a:endParaRPr lang="zh-CN" altLang="en-US" sz="1800" dirty="0"/>
           </a:p>
           <a:p>
             <a:pPr marL="0" indent="0">
               <a:buNone/>
             </a:pPr>
             <a:r>
-              <a:rPr lang="en-US" altLang="zh-CN" sz="1800" dirty="0" smtClean="0"/>
-              <a:t>    public </a:t>
-            </a:r>
-            <a:r>
               <a:rPr lang="en-US" altLang="zh-CN" sz="1800" dirty="0"/>
-              <a:t>static </a:t>
+              <a:t>    public static </a:t>
             </a:r>
             <a:r>
               <a:rPr lang="en-US" altLang="zh-CN" sz="1800" dirty="0" err="1"/>
@@ -5946,12 +5653,8 @@
               <a:buNone/>
             </a:pPr>
             <a:r>
-              <a:rPr lang="en-US" altLang="zh-CN" sz="1800" dirty="0" smtClean="0"/>
-              <a:t>        if </a:t>
-            </a:r>
-            <a:r>
               <a:rPr lang="en-US" altLang="zh-CN" sz="1800" dirty="0"/>
-              <a:t>(low &gt; high)</a:t>
+              <a:t>        if (low &gt; high)</a:t>
             </a:r>
           </a:p>
           <a:p>
@@ -5959,12 +5662,8 @@
               <a:buNone/>
             </a:pPr>
             <a:r>
-              <a:rPr lang="en-US" altLang="zh-CN" sz="1800" dirty="0" smtClean="0"/>
-              <a:t>            return </a:t>
-            </a:r>
-            <a:r>
               <a:rPr lang="en-US" altLang="zh-CN" sz="1800" dirty="0"/>
-              <a:t>true;</a:t>
+              <a:t>            return true;</a:t>
             </a:r>
           </a:p>
           <a:p>
@@ -5972,8 +5671,37 @@
               <a:buNone/>
             </a:pPr>
             <a:r>
-              <a:rPr lang="en-US" altLang="zh-CN" sz="1800" dirty="0" smtClean="0"/>
-              <a:t>        if </a:t>
+              <a:rPr lang="en-US" altLang="zh-CN" sz="1800" dirty="0"/>
+              <a:t>        if (</a:t>
+            </a:r>
+            <a:r>
+              <a:rPr lang="en-US" altLang="zh-CN" sz="1800" dirty="0" err="1"/>
+              <a:t>word.charAt</a:t>
+            </a:r>
+            <a:r>
+              <a:rPr lang="en-US" altLang="zh-CN" sz="1800" dirty="0"/>
+              <a:t>(low) == </a:t>
+            </a:r>
+            <a:r>
+              <a:rPr lang="en-US" altLang="zh-CN" sz="1800" dirty="0" err="1"/>
+              <a:t>word.charAt</a:t>
+            </a:r>
+            <a:r>
+              <a:rPr lang="en-US" altLang="zh-CN" sz="1800" dirty="0"/>
+              <a:t>(high)</a:t>
+            </a:r>
+          </a:p>
+          <a:p>
+            <a:pPr marL="0" indent="0">
+              <a:buNone/>
+            </a:pPr>
+            <a:r>
+              <a:rPr lang="en-US" altLang="zh-CN" sz="1800" dirty="0"/>
+              <a:t>        || </a:t>
+            </a:r>
+            <a:r>
+              <a:rPr lang="en-US" altLang="zh-CN" sz="1800" dirty="0" err="1"/>
+              <a:t>Math.abs</a:t>
             </a:r>
             <a:r>
               <a:rPr lang="en-US" altLang="zh-CN" sz="1800" dirty="0"/>
@@ -5985,7 +5713,7 @@
             </a:r>
             <a:r>
               <a:rPr lang="en-US" altLang="zh-CN" sz="1800" dirty="0"/>
-              <a:t>(low) == </a:t>
+              <a:t>(low) - </a:t>
             </a:r>
             <a:r>
               <a:rPr lang="en-US" altLang="zh-CN" sz="1800" dirty="0" err="1"/>
@@ -5993,7 +5721,7 @@
             </a:r>
             <a:r>
               <a:rPr lang="en-US" altLang="zh-CN" sz="1800" dirty="0"/>
-              <a:t>(high)</a:t>
+              <a:t>(high)) == 32)</a:t>
             </a:r>
           </a:p>
           <a:p>
@@ -6001,32 +5729,26 @@
               <a:buNone/>
             </a:pPr>
             <a:r>
-              <a:rPr lang="en-US" altLang="zh-CN" sz="1800" dirty="0" smtClean="0"/>
-              <a:t>        || </a:t>
-            </a:r>
-            <a:r>
-              <a:rPr lang="en-US" altLang="zh-CN" sz="1800" dirty="0" err="1"/>
-              <a:t>Math.abs</a:t>
-            </a:r>
-            <a:r>
               <a:rPr lang="en-US" altLang="zh-CN" sz="1800" dirty="0"/>
-              <a:t>(</a:t>
-            </a:r>
-            <a:r>
-              <a:rPr lang="en-US" altLang="zh-CN" sz="1800" dirty="0" err="1"/>
-              <a:t>word.charAt</a:t>
-            </a:r>
+              <a:t>            return palindrome(word, low+1, high-1);</a:t>
+            </a:r>
+          </a:p>
+          <a:p>
+            <a:pPr marL="0" indent="0">
+              <a:buNone/>
+            </a:pPr>
             <a:r>
               <a:rPr lang="en-US" altLang="zh-CN" sz="1800" dirty="0"/>
-              <a:t>(low) - </a:t>
-            </a:r>
-            <a:r>
-              <a:rPr lang="en-US" altLang="zh-CN" sz="1800" dirty="0" err="1"/>
-              <a:t>word.charAt</a:t>
-            </a:r>
+              <a:t>        else</a:t>
+            </a:r>
+          </a:p>
+          <a:p>
+            <a:pPr marL="0" indent="0">
+              <a:buNone/>
+            </a:pPr>
             <a:r>
               <a:rPr lang="en-US" altLang="zh-CN" sz="1800" dirty="0"/>
-              <a:t>(high)) == 32)</a:t>
+              <a:t>            return false;</a:t>
             </a:r>
           </a:p>
           <a:p>
@@ -6034,43 +5756,7 @@
               <a:buNone/>
             </a:pPr>
             <a:r>
-              <a:rPr lang="en-US" altLang="zh-CN" sz="1800" dirty="0" smtClean="0"/>
-              <a:t>            return </a:t>
-            </a:r>
-            <a:r>
-              <a:rPr lang="en-US" altLang="zh-CN" sz="1800" dirty="0"/>
-              <a:t>palindrome(word, low+1, high-1);</a:t>
-            </a:r>
-          </a:p>
-          <a:p>
-            <a:pPr marL="0" indent="0">
-              <a:buNone/>
-            </a:pPr>
-            <a:r>
-              <a:rPr lang="en-US" altLang="zh-CN" sz="1800" dirty="0" smtClean="0"/>
-              <a:t>        else</a:t>
-            </a:r>
-            <a:endParaRPr lang="en-US" altLang="zh-CN" sz="1800" dirty="0"/>
-          </a:p>
-          <a:p>
-            <a:pPr marL="0" indent="0">
-              <a:buNone/>
-            </a:pPr>
-            <a:r>
-              <a:rPr lang="en-US" altLang="zh-CN" sz="1800" dirty="0" smtClean="0"/>
-              <a:t>            return </a:t>
-            </a:r>
-            <a:r>
-              <a:rPr lang="en-US" altLang="zh-CN" sz="1800" dirty="0"/>
-              <a:t>false;</a:t>
-            </a:r>
-          </a:p>
-          <a:p>
-            <a:pPr marL="0" indent="0">
-              <a:buNone/>
-            </a:pPr>
-            <a:r>
-              <a:rPr lang="en-US" altLang="zh-CN" sz="1800" smtClean="0"/>
+              <a:rPr lang="en-US" altLang="zh-CN" sz="1800"/>
               <a:t>    }</a:t>
             </a:r>
             <a:endParaRPr lang="zh-CN" altLang="en-US" sz="1200" dirty="0"/>
@@ -6087,13 +5773,6 @@
   <p:clrMapOvr>
     <a:masterClrMapping/>
   </p:clrMapOvr>
-  <p:timing>
-    <p:tnLst>
-      <p:par>
-        <p:cTn id="1" dur="indefinite" restart="never" nodeType="tmRoot"/>
-      </p:par>
-    </p:tnLst>
-  </p:timing>
 </p:sld>
 </file>
 
@@ -6130,7 +5809,7 @@
           <a:lstStyle/>
           <a:p>
             <a:r>
-              <a:rPr lang="en-US" altLang="zh-CN" dirty="0" smtClean="0"/>
+              <a:rPr lang="en-US" altLang="zh-CN" dirty="0"/>
               <a:t>Exercises 1</a:t>
             </a:r>
             <a:endParaRPr lang="zh-CN" altLang="en-US" dirty="0"/>
@@ -6155,43 +5834,19 @@
           <a:lstStyle/>
           <a:p>
             <a:r>
-              <a:rPr lang="en-US" altLang="zh-CN" dirty="0" smtClean="0"/>
-              <a:t>Write </a:t>
-            </a:r>
-            <a:r>
-              <a:rPr lang="en-US" altLang="zh-CN" dirty="0"/>
-              <a:t>a recursive method that returns the number of 1’s in the </a:t>
-            </a:r>
-            <a:r>
-              <a:rPr lang="en-US" altLang="zh-CN" dirty="0" smtClean="0"/>
-              <a:t>binary representation </a:t>
-            </a:r>
-            <a:r>
-              <a:rPr lang="en-US" altLang="zh-CN" dirty="0"/>
-              <a:t>of N. Use the fact that is equal to the number of 1’s in </a:t>
-            </a:r>
-            <a:r>
-              <a:rPr lang="en-US" altLang="zh-CN" dirty="0" smtClean="0"/>
-              <a:t>the </a:t>
-            </a:r>
-            <a:r>
-              <a:rPr lang="en-US" altLang="zh-CN" dirty="0"/>
-              <a:t>representation of N/2, plus 1, if N is odd</a:t>
-            </a:r>
-            <a:r>
-              <a:rPr lang="en-US" altLang="zh-CN" dirty="0" smtClean="0"/>
-              <a:t>.</a:t>
+              <a:rPr lang="en-US" altLang="zh-CN" dirty="0"/>
+              <a:t>Write a recursive method that returns the number of 1’s in the binary representation of N. Use the fact that is equal to the number of 1’s in the representation of N/2, plus 1, if N is odd.</a:t>
             </a:r>
           </a:p>
           <a:p>
             <a:pPr marL="0" indent="0">
               <a:buNone/>
             </a:pPr>
-            <a:endParaRPr lang="en-US" altLang="zh-CN" dirty="0" smtClean="0"/>
-          </a:p>
-          <a:p>
-            <a:r>
-              <a:rPr lang="zh-CN" altLang="en-US" dirty="0" smtClean="0"/>
+            <a:endParaRPr lang="en-US" altLang="zh-CN" dirty="0"/>
+          </a:p>
+          <a:p>
+            <a:r>
+              <a:rPr lang="zh-CN" altLang="en-US" dirty="0"/>
               <a:t>数字</a:t>
             </a:r>
             <a:r>
@@ -6199,12 +5854,8 @@
               <a:t>N</a:t>
             </a:r>
             <a:r>
-              <a:rPr lang="zh-CN" altLang="en-US" dirty="0" smtClean="0"/>
-              <a:t>二进制</a:t>
-            </a:r>
-            <a:r>
               <a:rPr lang="zh-CN" altLang="en-US" dirty="0"/>
-              <a:t>中</a:t>
+              <a:t>二进制中</a:t>
             </a:r>
             <a:r>
               <a:rPr lang="en-US" altLang="zh-CN" dirty="0"/>
@@ -6212,38 +5863,34 @@
             </a:r>
             <a:r>
               <a:rPr lang="zh-CN" altLang="en-US" dirty="0"/>
-              <a:t>的</a:t>
-            </a:r>
-            <a:r>
-              <a:rPr lang="zh-CN" altLang="en-US" dirty="0" smtClean="0"/>
-              <a:t>个数</a:t>
-            </a:r>
-            <a:endParaRPr lang="en-US" altLang="zh-CN" dirty="0" smtClean="0"/>
+              <a:t>的个数</a:t>
+            </a:r>
+            <a:endParaRPr lang="en-US" altLang="zh-CN" dirty="0"/>
           </a:p>
           <a:p>
             <a:pPr lvl="1"/>
             <a:r>
-              <a:rPr lang="zh-CN" altLang="en-US" dirty="0" smtClean="0"/>
+              <a:rPr lang="zh-CN" altLang="en-US" dirty="0"/>
               <a:t>设</a:t>
             </a:r>
             <a:r>
-              <a:rPr lang="en-US" altLang="zh-CN" dirty="0" smtClean="0"/>
+              <a:rPr lang="en-US" altLang="zh-CN" dirty="0"/>
               <a:t>N</a:t>
             </a:r>
             <a:r>
-              <a:rPr lang="zh-CN" altLang="en-US" dirty="0" smtClean="0"/>
+              <a:rPr lang="zh-CN" altLang="en-US" dirty="0"/>
               <a:t>的二进制表示有</a:t>
             </a:r>
             <a:r>
-              <a:rPr lang="en-US" altLang="zh-CN" dirty="0" smtClean="0"/>
+              <a:rPr lang="en-US" altLang="zh-CN" dirty="0"/>
               <a:t>n</a:t>
             </a:r>
             <a:r>
-              <a:rPr lang="zh-CN" altLang="en-US" dirty="0" smtClean="0"/>
+              <a:rPr lang="zh-CN" altLang="en-US" dirty="0"/>
               <a:t>位，即求</a:t>
             </a:r>
             <a:r>
-              <a:rPr lang="en-US" altLang="zh-CN" dirty="0" smtClean="0"/>
+              <a:rPr lang="en-US" altLang="zh-CN" dirty="0"/>
               <a:t>n</a:t>
             </a:r>
             <a:r>
@@ -6307,19 +5954,8 @@
                 <a:latin typeface="Consolas" pitchFamily="49" charset="0"/>
                 <a:cs typeface="Consolas" pitchFamily="49" charset="0"/>
               </a:rPr>
-              <a:t>n==</a:t>
-            </a:r>
-            <a:r>
-              <a:rPr lang="en-US" altLang="zh-CN" dirty="0" smtClean="0">
-                <a:latin typeface="Consolas" pitchFamily="49" charset="0"/>
-                <a:cs typeface="Consolas" pitchFamily="49" charset="0"/>
-              </a:rPr>
-              <a:t>0)</a:t>
-            </a:r>
-            <a:endParaRPr lang="en-US" altLang="zh-CN" dirty="0">
-              <a:latin typeface="Consolas" pitchFamily="49" charset="0"/>
-              <a:cs typeface="Consolas" pitchFamily="49" charset="0"/>
-            </a:endParaRPr>
+              <a:t>n==0)</a:t>
+            </a:r>
           </a:p>
           <a:p>
             <a:pPr lvl="2"/>
@@ -6366,13 +6002,6 @@
   <p:clrMapOvr>
     <a:masterClrMapping/>
   </p:clrMapOvr>
-  <p:timing>
-    <p:tnLst>
-      <p:par>
-        <p:cTn id="1" dur="indefinite" restart="never" nodeType="tmRoot"/>
-      </p:par>
-    </p:tnLst>
-  </p:timing>
 </p:sld>
 </file>
 
@@ -6409,14 +6038,13 @@
           <a:lstStyle/>
           <a:p>
             <a:r>
-              <a:rPr lang="en-US" altLang="zh-CN" dirty="0" smtClean="0"/>
+              <a:rPr lang="en-US" altLang="zh-CN" dirty="0"/>
               <a:t>b) </a:t>
             </a:r>
             <a:r>
-              <a:rPr lang="zh-CN" altLang="en-US" dirty="0" smtClean="0"/>
+              <a:rPr lang="zh-CN" altLang="en-US" dirty="0"/>
               <a:t>检测回文句子</a:t>
             </a:r>
-            <a:endParaRPr lang="zh-CN" altLang="en-US" dirty="0"/>
           </a:p>
         </p:txBody>
       </p:sp>
@@ -6443,36 +6071,32 @@
           <a:lstStyle/>
           <a:p>
             <a:r>
-              <a:rPr lang="zh-CN" altLang="en-US" dirty="0" smtClean="0"/>
+              <a:rPr lang="zh-CN" altLang="en-US" dirty="0"/>
               <a:t>在递归过程中去除不符合要求的字符</a:t>
             </a:r>
-            <a:endParaRPr lang="en-US" altLang="zh-CN" dirty="0" smtClean="0"/>
+            <a:endParaRPr lang="en-US" altLang="zh-CN" dirty="0"/>
           </a:p>
           <a:p>
             <a:pPr marL="0" indent="0">
               <a:buNone/>
             </a:pPr>
-            <a:endParaRPr lang="en-US" altLang="zh-CN" sz="2400" dirty="0" smtClean="0"/>
+            <a:endParaRPr lang="en-US" altLang="zh-CN" sz="2400" dirty="0"/>
           </a:p>
           <a:p>
             <a:pPr marL="0" indent="0">
               <a:buNone/>
             </a:pPr>
             <a:r>
-              <a:rPr lang="en-US" altLang="zh-CN" sz="2400" dirty="0" smtClean="0"/>
+              <a:rPr lang="en-US" altLang="zh-CN" sz="2400" dirty="0"/>
               <a:t>    public static </a:t>
             </a:r>
             <a:r>
-              <a:rPr lang="en-US" altLang="zh-CN" sz="2400" dirty="0" err="1" smtClean="0"/>
+              <a:rPr lang="en-US" altLang="zh-CN" sz="2400" dirty="0" err="1"/>
               <a:t>boolean</a:t>
             </a:r>
             <a:r>
-              <a:rPr lang="en-US" altLang="zh-CN" sz="2400" dirty="0" smtClean="0"/>
-              <a:t> </a:t>
-            </a:r>
-            <a:r>
               <a:rPr lang="en-US" altLang="zh-CN" sz="2400" dirty="0"/>
-              <a:t>palindrome(String word, </a:t>
+              <a:t> palindrome(String word, </a:t>
             </a:r>
             <a:r>
               <a:rPr lang="en-US" altLang="zh-CN" sz="2400" dirty="0" err="1"/>
@@ -6496,12 +6120,8 @@
               <a:buNone/>
             </a:pPr>
             <a:r>
-              <a:rPr lang="en-US" altLang="zh-CN" sz="2400" dirty="0" smtClean="0"/>
-              <a:t>        if </a:t>
-            </a:r>
-            <a:r>
               <a:rPr lang="en-US" altLang="zh-CN" sz="2400" dirty="0"/>
-              <a:t>(low &gt; high)</a:t>
+              <a:t>        if (low &gt; high)</a:t>
             </a:r>
           </a:p>
           <a:p>
@@ -6509,12 +6129,8 @@
               <a:buNone/>
             </a:pPr>
             <a:r>
-              <a:rPr lang="en-US" altLang="zh-CN" sz="2400" dirty="0" smtClean="0"/>
-              <a:t>            return </a:t>
-            </a:r>
-            <a:r>
               <a:rPr lang="en-US" altLang="zh-CN" sz="2400" dirty="0"/>
-              <a:t>true;</a:t>
+              <a:t>            return true;</a:t>
             </a:r>
           </a:p>
           <a:p>
@@ -6522,12 +6138,8 @@
               <a:buNone/>
             </a:pPr>
             <a:r>
-              <a:rPr lang="en-US" altLang="zh-CN" sz="2400" dirty="0" smtClean="0"/>
-              <a:t>        while </a:t>
-            </a:r>
-            <a:r>
               <a:rPr lang="en-US" altLang="zh-CN" sz="2400" dirty="0"/>
-              <a:t>(!</a:t>
+              <a:t>        while (!</a:t>
             </a:r>
             <a:r>
               <a:rPr lang="en-US" altLang="zh-CN" sz="2400" dirty="0" err="1"/>
@@ -6551,12 +6163,8 @@
               <a:buNone/>
             </a:pPr>
             <a:r>
-              <a:rPr lang="en-US" altLang="zh-CN" sz="2400" dirty="0" smtClean="0"/>
-              <a:t>            low</a:t>
-            </a:r>
-            <a:r>
               <a:rPr lang="en-US" altLang="zh-CN" sz="2400" dirty="0"/>
-              <a:t>++;</a:t>
+              <a:t>            low++;</a:t>
             </a:r>
           </a:p>
           <a:p>
@@ -6564,12 +6172,8 @@
               <a:buNone/>
             </a:pPr>
             <a:r>
-              <a:rPr lang="en-US" altLang="zh-CN" sz="2400" dirty="0" smtClean="0"/>
-              <a:t>        while </a:t>
-            </a:r>
-            <a:r>
               <a:rPr lang="en-US" altLang="zh-CN" sz="2400" dirty="0"/>
-              <a:t>(!</a:t>
+              <a:t>        while (!</a:t>
             </a:r>
             <a:r>
               <a:rPr lang="en-US" altLang="zh-CN" sz="2400" dirty="0" err="1"/>
@@ -6593,12 +6197,8 @@
               <a:buNone/>
             </a:pPr>
             <a:r>
-              <a:rPr lang="en-US" altLang="zh-CN" sz="2400" dirty="0" smtClean="0"/>
-              <a:t>            high-</a:t>
-            </a:r>
-            <a:r>
               <a:rPr lang="en-US" altLang="zh-CN" sz="2400" dirty="0"/>
-              <a:t>-;</a:t>
+              <a:t>            high--;</a:t>
             </a:r>
           </a:p>
           <a:p>
@@ -6606,8 +6206,37 @@
               <a:buNone/>
             </a:pPr>
             <a:r>
-              <a:rPr lang="en-US" altLang="zh-CN" sz="2400" dirty="0" smtClean="0"/>
-              <a:t>        if </a:t>
+              <a:rPr lang="en-US" altLang="zh-CN" sz="2400" dirty="0"/>
+              <a:t>        if (</a:t>
+            </a:r>
+            <a:r>
+              <a:rPr lang="en-US" altLang="zh-CN" sz="2400" dirty="0" err="1"/>
+              <a:t>word.charAt</a:t>
+            </a:r>
+            <a:r>
+              <a:rPr lang="en-US" altLang="zh-CN" sz="2400" dirty="0"/>
+              <a:t>(low) == </a:t>
+            </a:r>
+            <a:r>
+              <a:rPr lang="en-US" altLang="zh-CN" sz="2400" dirty="0" err="1"/>
+              <a:t>word.charAt</a:t>
+            </a:r>
+            <a:r>
+              <a:rPr lang="en-US" altLang="zh-CN" sz="2400" dirty="0"/>
+              <a:t>(high)</a:t>
+            </a:r>
+          </a:p>
+          <a:p>
+            <a:pPr marL="0" indent="0">
+              <a:buNone/>
+            </a:pPr>
+            <a:r>
+              <a:rPr lang="en-US" altLang="zh-CN" sz="2400" dirty="0"/>
+              <a:t>                || </a:t>
+            </a:r>
+            <a:r>
+              <a:rPr lang="en-US" altLang="zh-CN" sz="2400" dirty="0" err="1"/>
+              <a:t>Math.abs</a:t>
             </a:r>
             <a:r>
               <a:rPr lang="en-US" altLang="zh-CN" sz="2400" dirty="0"/>
@@ -6619,7 +6248,7 @@
             </a:r>
             <a:r>
               <a:rPr lang="en-US" altLang="zh-CN" sz="2400" dirty="0"/>
-              <a:t>(low) == </a:t>
+              <a:t>(low) - </a:t>
             </a:r>
             <a:r>
               <a:rPr lang="en-US" altLang="zh-CN" sz="2400" dirty="0" err="1"/>
@@ -6627,7 +6256,7 @@
             </a:r>
             <a:r>
               <a:rPr lang="en-US" altLang="zh-CN" sz="2400" dirty="0"/>
-              <a:t>(high)</a:t>
+              <a:t>(high)) == 32)</a:t>
             </a:r>
           </a:p>
           <a:p>
@@ -6635,32 +6264,26 @@
               <a:buNone/>
             </a:pPr>
             <a:r>
-              <a:rPr lang="en-US" altLang="zh-CN" sz="2400" dirty="0" smtClean="0"/>
-              <a:t>                || </a:t>
-            </a:r>
-            <a:r>
-              <a:rPr lang="en-US" altLang="zh-CN" sz="2400" dirty="0" err="1"/>
-              <a:t>Math.abs</a:t>
-            </a:r>
-            <a:r>
               <a:rPr lang="en-US" altLang="zh-CN" sz="2400" dirty="0"/>
-              <a:t>(</a:t>
-            </a:r>
-            <a:r>
-              <a:rPr lang="en-US" altLang="zh-CN" sz="2400" dirty="0" err="1"/>
-              <a:t>word.charAt</a:t>
-            </a:r>
+              <a:t>            return palindrome(word, low+1, high-1);</a:t>
+            </a:r>
+          </a:p>
+          <a:p>
+            <a:pPr marL="0" indent="0">
+              <a:buNone/>
+            </a:pPr>
             <a:r>
               <a:rPr lang="en-US" altLang="zh-CN" sz="2400" dirty="0"/>
-              <a:t>(low) - </a:t>
-            </a:r>
-            <a:r>
-              <a:rPr lang="en-US" altLang="zh-CN" sz="2400" dirty="0" err="1"/>
-              <a:t>word.charAt</a:t>
-            </a:r>
+              <a:t>        else</a:t>
+            </a:r>
+          </a:p>
+          <a:p>
+            <a:pPr marL="0" indent="0">
+              <a:buNone/>
+            </a:pPr>
             <a:r>
               <a:rPr lang="en-US" altLang="zh-CN" sz="2400" dirty="0"/>
-              <a:t>(high)) == 32)</a:t>
+              <a:t>            return false;</a:t>
             </a:r>
           </a:p>
           <a:p>
@@ -6668,46 +6291,9 @@
               <a:buNone/>
             </a:pPr>
             <a:r>
-              <a:rPr lang="en-US" altLang="zh-CN" sz="2400" dirty="0" smtClean="0"/>
-              <a:t>            return </a:t>
-            </a:r>
-            <a:r>
               <a:rPr lang="en-US" altLang="zh-CN" sz="2400" dirty="0"/>
-              <a:t>palindrome(word, low+1, high-1);</a:t>
-            </a:r>
-          </a:p>
-          <a:p>
-            <a:pPr marL="0" indent="0">
-              <a:buNone/>
-            </a:pPr>
-            <a:r>
-              <a:rPr lang="en-US" altLang="zh-CN" sz="2400" dirty="0" smtClean="0"/>
-              <a:t>        else</a:t>
-            </a:r>
-            <a:endParaRPr lang="en-US" altLang="zh-CN" sz="2400" dirty="0"/>
-          </a:p>
-          <a:p>
-            <a:pPr marL="0" indent="0">
-              <a:buNone/>
-            </a:pPr>
-            <a:r>
-              <a:rPr lang="en-US" altLang="zh-CN" sz="2400" dirty="0" smtClean="0"/>
-              <a:t>            return </a:t>
-            </a:r>
-            <a:r>
-              <a:rPr lang="en-US" altLang="zh-CN" sz="2400" dirty="0"/>
-              <a:t>false;</a:t>
-            </a:r>
-          </a:p>
-          <a:p>
-            <a:pPr marL="0" indent="0">
-              <a:buNone/>
-            </a:pPr>
-            <a:r>
-              <a:rPr lang="en-US" altLang="zh-CN" sz="2400" dirty="0" smtClean="0"/>
               <a:t>    }</a:t>
             </a:r>
-            <a:endParaRPr lang="en-US" altLang="zh-CN" sz="2400" dirty="0"/>
           </a:p>
         </p:txBody>
       </p:sp>
@@ -6721,13 +6307,6 @@
   <p:clrMapOvr>
     <a:masterClrMapping/>
   </p:clrMapOvr>
-  <p:timing>
-    <p:tnLst>
-      <p:par>
-        <p:cTn id="1" dur="indefinite" restart="never" nodeType="tmRoot"/>
-      </p:par>
-    </p:tnLst>
-  </p:timing>
 </p:sld>
 </file>
 
@@ -6764,10 +6343,9 @@
           <a:lstStyle/>
           <a:p>
             <a:r>
-              <a:rPr lang="zh-CN" altLang="en-US" dirty="0" smtClean="0"/>
+              <a:rPr lang="zh-CN" altLang="en-US" dirty="0"/>
               <a:t>另一种解法</a:t>
             </a:r>
-            <a:endParaRPr lang="zh-CN" altLang="en-US" dirty="0"/>
           </a:p>
         </p:txBody>
       </p:sp>
@@ -6790,15 +6368,7 @@
           <a:p>
             <a:r>
               <a:rPr lang="zh-CN" altLang="en-US" dirty="0"/>
-              <a:t>首先</a:t>
-            </a:r>
-            <a:r>
-              <a:rPr lang="zh-CN" altLang="en-US" dirty="0" smtClean="0"/>
-              <a:t>去除</a:t>
-            </a:r>
-            <a:r>
-              <a:rPr lang="zh-CN" altLang="en-US" dirty="0"/>
-              <a:t>不符合要求的字符，然后检测其回文性</a:t>
+              <a:t>首先去除不符合要求的字符，然后检测其回文性</a:t>
             </a:r>
             <a:endParaRPr lang="en-US" altLang="zh-CN" dirty="0"/>
           </a:p>
@@ -6813,12 +6383,8 @@
               <a:buNone/>
             </a:pPr>
             <a:r>
-              <a:rPr lang="en-US" altLang="zh-CN" dirty="0" smtClean="0"/>
-              <a:t>    public </a:t>
-            </a:r>
-            <a:r>
-              <a:rPr lang="en-US" altLang="zh-CN" dirty="0"/>
-              <a:t>static </a:t>
+              <a:rPr lang="en-US" altLang="zh-CN" dirty="0"/>
+              <a:t>    public static </a:t>
             </a:r>
             <a:r>
               <a:rPr lang="en-US" altLang="zh-CN" dirty="0" err="1"/>
@@ -6834,12 +6400,8 @@
               <a:buNone/>
             </a:pPr>
             <a:r>
-              <a:rPr lang="en-US" altLang="zh-CN" dirty="0" smtClean="0"/>
-              <a:t>        </a:t>
-            </a:r>
-            <a:r>
-              <a:rPr lang="en-US" altLang="zh-CN" dirty="0"/>
-              <a:t>String s1 = </a:t>
+              <a:rPr lang="en-US" altLang="zh-CN" dirty="0"/>
+              <a:t>        String s1 = </a:t>
             </a:r>
             <a:r>
               <a:rPr lang="en-US" altLang="zh-CN" dirty="0" err="1"/>
@@ -6855,12 +6417,8 @@
               <a:buNone/>
             </a:pPr>
             <a:r>
-              <a:rPr lang="en-US" altLang="zh-CN" dirty="0" smtClean="0"/>
-              <a:t>        </a:t>
-            </a:r>
-            <a:r>
-              <a:rPr lang="en-US" altLang="zh-CN" dirty="0"/>
-              <a:t>String s2 = "";</a:t>
+              <a:rPr lang="en-US" altLang="zh-CN" dirty="0"/>
+              <a:t>        String s2 = "";</a:t>
             </a:r>
           </a:p>
           <a:p>
@@ -6868,12 +6426,8 @@
               <a:buNone/>
             </a:pPr>
             <a:r>
-              <a:rPr lang="en-US" altLang="zh-CN" dirty="0" smtClean="0"/>
-              <a:t>        </a:t>
-            </a:r>
-            <a:r>
-              <a:rPr lang="en-US" altLang="zh-CN" dirty="0"/>
-              <a:t>for(</a:t>
+              <a:rPr lang="en-US" altLang="zh-CN" dirty="0"/>
+              <a:t>        for(</a:t>
             </a:r>
             <a:r>
               <a:rPr lang="en-US" altLang="zh-CN" dirty="0" err="1"/>
@@ -6921,12 +6475,8 @@
               <a:buNone/>
             </a:pPr>
             <a:r>
-              <a:rPr lang="en-US" altLang="zh-CN" dirty="0" smtClean="0"/>
-              <a:t>        </a:t>
-            </a:r>
-            <a:r>
-              <a:rPr lang="en-US" altLang="zh-CN" dirty="0"/>
-              <a:t>if (s1.charAt(</a:t>
+              <a:rPr lang="en-US" altLang="zh-CN" dirty="0"/>
+              <a:t>        if (s1.charAt(</a:t>
             </a:r>
             <a:r>
               <a:rPr lang="en-US" altLang="zh-CN" dirty="0" err="1"/>
@@ -6950,12 +6500,8 @@
               <a:buNone/>
             </a:pPr>
             <a:r>
-              <a:rPr lang="en-US" altLang="zh-CN" dirty="0" smtClean="0"/>
-              <a:t>            </a:t>
-            </a:r>
-            <a:r>
-              <a:rPr lang="en-US" altLang="zh-CN" dirty="0"/>
-              <a:t>s2 += s1.charAt(</a:t>
+              <a:rPr lang="en-US" altLang="zh-CN" dirty="0"/>
+              <a:t>            s2 += s1.charAt(</a:t>
             </a:r>
             <a:r>
               <a:rPr lang="en-US" altLang="zh-CN" dirty="0" err="1"/>
@@ -6971,12 +6517,8 @@
               <a:buNone/>
             </a:pPr>
             <a:r>
-              <a:rPr lang="en-US" altLang="zh-CN" dirty="0" smtClean="0"/>
-              <a:t>        </a:t>
-            </a:r>
-            <a:r>
-              <a:rPr lang="en-US" altLang="zh-CN" dirty="0"/>
-              <a:t>return palindrome(s2, 0, s2.length()-1);</a:t>
+              <a:rPr lang="en-US" altLang="zh-CN" dirty="0"/>
+              <a:t>        return palindrome(s2, 0, s2.length()-1);</a:t>
             </a:r>
           </a:p>
           <a:p>
@@ -6984,7 +6526,7 @@
               <a:buNone/>
             </a:pPr>
             <a:r>
-              <a:rPr lang="en-US" altLang="zh-CN" dirty="0" smtClean="0"/>
+              <a:rPr lang="en-US" altLang="zh-CN" dirty="0"/>
               <a:t>    }</a:t>
             </a:r>
             <a:endParaRPr lang="zh-CN" altLang="en-US" dirty="0"/>
@@ -7001,13 +6543,6 @@
   <p:clrMapOvr>
     <a:masterClrMapping/>
   </p:clrMapOvr>
-  <p:timing>
-    <p:tnLst>
-      <p:par>
-        <p:cTn id="1" dur="indefinite" restart="never" nodeType="tmRoot"/>
-      </p:par>
-    </p:tnLst>
-  </p:timing>
 </p:sld>
 </file>
 
@@ -7044,7 +6579,7 @@
           <a:lstStyle/>
           <a:p>
             <a:r>
-              <a:rPr lang="en-US" altLang="zh-CN" dirty="0" smtClean="0"/>
+              <a:rPr lang="en-US" altLang="zh-CN" dirty="0"/>
               <a:t>Chapter 2</a:t>
             </a:r>
             <a:endParaRPr lang="zh-CN" altLang="en-US" dirty="0"/>
@@ -7067,14 +6602,14 @@
           <a:lstStyle/>
           <a:p>
             <a:r>
-              <a:rPr lang="zh-CN" altLang="en-US" dirty="0" smtClean="0"/>
+              <a:rPr lang="zh-CN" altLang="en-US" dirty="0"/>
               <a:t>计算复杂度的方法</a:t>
             </a:r>
-            <a:endParaRPr lang="en-US" altLang="zh-CN" dirty="0" smtClean="0"/>
-          </a:p>
-          <a:p>
-            <a:r>
-              <a:rPr lang="en-US" altLang="zh-CN" dirty="0" smtClean="0"/>
+            <a:endParaRPr lang="en-US" altLang="zh-CN" dirty="0"/>
+          </a:p>
+          <a:p>
+            <a:r>
+              <a:rPr lang="en-US" altLang="zh-CN" dirty="0"/>
               <a:t>for( i=0; i&lt;n; i++ )</a:t>
             </a:r>
           </a:p>
@@ -7084,11 +6619,7 @@
             </a:pPr>
             <a:r>
               <a:rPr lang="en-US" altLang="zh-CN" dirty="0"/>
-              <a:t>	</a:t>
-            </a:r>
-            <a:r>
-              <a:rPr lang="en-US" altLang="zh-CN" dirty="0" smtClean="0"/>
-              <a:t>for( j=i; j&lt;n; j++ )</a:t>
+              <a:t>	for( j=i; j&lt;n; j++ )</a:t>
             </a:r>
           </a:p>
           <a:p>
@@ -7096,7 +6627,7 @@
               <a:buNone/>
             </a:pPr>
             <a:r>
-              <a:rPr lang="en-US" altLang="zh-CN" dirty="0" smtClean="0"/>
+              <a:rPr lang="en-US" altLang="zh-CN" dirty="0"/>
               <a:t>		{…}</a:t>
             </a:r>
           </a:p>
@@ -7136,7 +6667,7 @@
           <a:graphicData uri="http://schemas.openxmlformats.org/presentationml/2006/ole">
             <mc:AlternateContent xmlns:mc="http://schemas.openxmlformats.org/markup-compatibility/2006">
               <mc:Choice xmlns:v="urn:schemas-microsoft-com:vml" Requires="v">
-                <p:oleObj spid="_x0000_s1039" name="公式" r:id="rId3" imgW="1218960" imgH="457200" progId="Equation.3">
+                <p:oleObj spid="_x0000_s1040" name="公式" r:id="rId3" imgW="1218960" imgH="457200" progId="Equation.3">
                   <p:embed/>
                 </p:oleObj>
               </mc:Choice>
@@ -7346,13 +6877,6 @@
   <p:clrMapOvr>
     <a:masterClrMapping/>
   </p:clrMapOvr>
-  <p:timing>
-    <p:tnLst>
-      <p:par>
-        <p:cTn id="1" dur="indefinite" restart="never" nodeType="tmRoot"/>
-      </p:par>
-    </p:tnLst>
-  </p:timing>
 </p:sld>
 </file>
 
@@ -7389,10 +6913,9 @@
           <a:lstStyle/>
           <a:p>
             <a:r>
-              <a:rPr lang="zh-CN" altLang="en-US" dirty="0" smtClean="0"/>
+              <a:rPr lang="zh-CN" altLang="en-US" dirty="0"/>
               <a:t>错误的方法</a:t>
             </a:r>
-            <a:endParaRPr lang="zh-CN" altLang="en-US" dirty="0"/>
           </a:p>
         </p:txBody>
       </p:sp>
@@ -7436,44 +6959,44 @@
           </a:p>
           <a:p>
             <a:r>
-              <a:rPr lang="zh-CN" altLang="en-US" dirty="0" smtClean="0"/>
+              <a:rPr lang="zh-CN" altLang="en-US" dirty="0"/>
               <a:t>外层</a:t>
             </a:r>
             <a:r>
-              <a:rPr lang="en-US" altLang="zh-CN" dirty="0" smtClean="0"/>
+              <a:rPr lang="en-US" altLang="zh-CN" dirty="0"/>
               <a:t>n</a:t>
             </a:r>
             <a:r>
-              <a:rPr lang="zh-CN" altLang="en-US" dirty="0" smtClean="0"/>
+              <a:rPr lang="zh-CN" altLang="en-US" dirty="0"/>
               <a:t>次循环</a:t>
             </a:r>
-            <a:endParaRPr lang="en-US" altLang="zh-CN" dirty="0" smtClean="0"/>
-          </a:p>
-          <a:p>
-            <a:r>
-              <a:rPr lang="zh-CN" altLang="en-US" dirty="0" smtClean="0"/>
+            <a:endParaRPr lang="en-US" altLang="zh-CN" dirty="0"/>
+          </a:p>
+          <a:p>
+            <a:r>
+              <a:rPr lang="zh-CN" altLang="en-US" dirty="0"/>
               <a:t>内层</a:t>
             </a:r>
             <a:r>
-              <a:rPr lang="en-US" altLang="zh-CN" dirty="0" smtClean="0"/>
+              <a:rPr lang="en-US" altLang="zh-CN" dirty="0"/>
               <a:t>O(n)</a:t>
             </a:r>
           </a:p>
           <a:p>
             <a:r>
-              <a:rPr lang="zh-CN" altLang="en-US" dirty="0" smtClean="0"/>
+              <a:rPr lang="zh-CN" altLang="en-US" dirty="0"/>
               <a:t>所以是</a:t>
             </a:r>
             <a:r>
-              <a:rPr lang="en-US" altLang="zh-CN" dirty="0" smtClean="0"/>
+              <a:rPr lang="en-US" altLang="zh-CN" dirty="0"/>
               <a:t>O(n</a:t>
             </a:r>
             <a:r>
-              <a:rPr lang="en-US" altLang="zh-CN" baseline="30000" dirty="0" smtClean="0"/>
+              <a:rPr lang="en-US" altLang="zh-CN" baseline="30000" dirty="0"/>
               <a:t>2</a:t>
             </a:r>
             <a:r>
-              <a:rPr lang="en-US" altLang="zh-CN" dirty="0" smtClean="0"/>
+              <a:rPr lang="en-US" altLang="zh-CN" dirty="0"/>
               <a:t>)</a:t>
             </a:r>
             <a:endParaRPr lang="zh-CN" altLang="en-US" dirty="0"/>
@@ -7490,13 +7013,6 @@
   <p:clrMapOvr>
     <a:masterClrMapping/>
   </p:clrMapOvr>
-  <p:timing>
-    <p:tnLst>
-      <p:par>
-        <p:cTn id="1" dur="indefinite" restart="never" nodeType="tmRoot"/>
-      </p:par>
-    </p:tnLst>
-  </p:timing>
 </p:sld>
 </file>
 
@@ -7541,14 +7057,14 @@
           <a:p>
             <a:pPr eaLnBrk="1" hangingPunct="1"/>
             <a:r>
-              <a:rPr lang="en-US" altLang="zh-CN" dirty="0" smtClean="0">
+              <a:rPr lang="en-US" altLang="zh-CN" dirty="0">
                 <a:solidFill>
                   <a:schemeClr val="accent1"/>
                 </a:solidFill>
               </a:rPr>
               <a:t>Exercise 1</a:t>
             </a:r>
-            <a:endParaRPr lang="en-US" altLang="zh-CN" dirty="0" smtClean="0"/>
+            <a:endParaRPr lang="en-US" altLang="zh-CN" dirty="0"/>
           </a:p>
         </p:txBody>
       </p:sp>
@@ -7582,22 +7098,17 @@
               <a:buNone/>
             </a:pPr>
             <a:r>
-              <a:rPr lang="en-US" altLang="zh-CN" sz="2000" dirty="0" smtClean="0"/>
+              <a:rPr lang="en-US" altLang="zh-CN" sz="2000" dirty="0"/>
               <a:t>Find the complexity of the function used to find the </a:t>
             </a:r>
             <a:r>
-              <a:rPr lang="en-US" altLang="zh-CN" sz="2000" dirty="0" err="1" smtClean="0"/>
+              <a:rPr lang="en-US" altLang="zh-CN" sz="2000" dirty="0" err="1"/>
               <a:t>kth</a:t>
             </a:r>
             <a:r>
-              <a:rPr lang="en-US" altLang="zh-CN" sz="2000" dirty="0" smtClean="0"/>
-              <a:t> smallest integer in an unordered array of integers</a:t>
-            </a:r>
-            <a:r>
               <a:rPr lang="en-US" altLang="zh-CN" sz="2000" dirty="0"/>
-              <a:t>.</a:t>
-            </a:r>
-            <a:endParaRPr lang="en-US" altLang="zh-CN" sz="2000" dirty="0" smtClean="0"/>
+              <a:t> smallest integer in an unordered array of integers.</a:t>
+            </a:r>
           </a:p>
           <a:p>
             <a:pPr marL="0" indent="0" eaLnBrk="1" hangingPunct="1">
@@ -7607,7 +7118,7 @@
               <a:buFontTx/>
               <a:buNone/>
             </a:pPr>
-            <a:endParaRPr lang="en-US" altLang="zh-CN" sz="2000" dirty="0" smtClean="0"/>
+            <a:endParaRPr lang="en-US" altLang="zh-CN" sz="2000" dirty="0"/>
           </a:p>
           <a:p>
             <a:pPr marL="0" indent="0" eaLnBrk="1" hangingPunct="1">
@@ -7618,43 +7129,43 @@
               <a:buNone/>
             </a:pPr>
             <a:r>
-              <a:rPr lang="en-US" altLang="zh-CN" sz="2000" dirty="0" err="1" smtClean="0"/>
+              <a:rPr lang="en-US" altLang="zh-CN" sz="2000" dirty="0" err="1"/>
               <a:t>int</a:t>
             </a:r>
             <a:r>
-              <a:rPr lang="en-US" altLang="zh-CN" sz="2000" dirty="0" smtClean="0"/>
+              <a:rPr lang="en-US" altLang="zh-CN" sz="2000" dirty="0"/>
               <a:t> </a:t>
             </a:r>
             <a:r>
-              <a:rPr lang="en-US" altLang="zh-CN" sz="2000" dirty="0" err="1" smtClean="0"/>
+              <a:rPr lang="en-US" altLang="zh-CN" sz="2000" dirty="0" err="1"/>
               <a:t>selectkth</a:t>
             </a:r>
             <a:r>
-              <a:rPr lang="en-US" altLang="zh-CN" sz="2000" dirty="0" smtClean="0"/>
+              <a:rPr lang="en-US" altLang="zh-CN" sz="2000" dirty="0"/>
               <a:t> ( </a:t>
             </a:r>
             <a:r>
-              <a:rPr lang="en-US" altLang="zh-CN" sz="2000" dirty="0" err="1" smtClean="0"/>
+              <a:rPr lang="en-US" altLang="zh-CN" sz="2000" dirty="0" err="1"/>
               <a:t>int</a:t>
             </a:r>
             <a:r>
-              <a:rPr lang="en-US" altLang="zh-CN" sz="2000" dirty="0" smtClean="0"/>
+              <a:rPr lang="en-US" altLang="zh-CN" sz="2000" dirty="0"/>
               <a:t> a[], </a:t>
             </a:r>
             <a:r>
-              <a:rPr lang="en-US" altLang="zh-CN" sz="2000" dirty="0" err="1" smtClean="0"/>
+              <a:rPr lang="en-US" altLang="zh-CN" sz="2000" dirty="0" err="1"/>
               <a:t>int</a:t>
             </a:r>
             <a:r>
-              <a:rPr lang="en-US" altLang="zh-CN" sz="2000" dirty="0" smtClean="0"/>
+              <a:rPr lang="en-US" altLang="zh-CN" sz="2000" dirty="0"/>
               <a:t> k, </a:t>
             </a:r>
             <a:r>
-              <a:rPr lang="en-US" altLang="zh-CN" sz="2000" dirty="0" err="1" smtClean="0"/>
+              <a:rPr lang="en-US" altLang="zh-CN" sz="2000" dirty="0" err="1"/>
               <a:t>int</a:t>
             </a:r>
             <a:r>
-              <a:rPr lang="en-US" altLang="zh-CN" sz="2000" dirty="0" smtClean="0"/>
+              <a:rPr lang="en-US" altLang="zh-CN" sz="2000" dirty="0"/>
               <a:t> n){</a:t>
             </a:r>
           </a:p>
@@ -7667,23 +7178,23 @@
               <a:buNone/>
             </a:pPr>
             <a:r>
-              <a:rPr lang="en-US" altLang="zh-CN" sz="2000" dirty="0" smtClean="0"/>
+              <a:rPr lang="en-US" altLang="zh-CN" sz="2000" dirty="0"/>
               <a:t>      </a:t>
             </a:r>
             <a:r>
-              <a:rPr lang="en-US" altLang="zh-CN" sz="2000" dirty="0" err="1" smtClean="0"/>
+              <a:rPr lang="en-US" altLang="zh-CN" sz="2000" dirty="0" err="1"/>
               <a:t>int</a:t>
             </a:r>
             <a:r>
-              <a:rPr lang="en-US" altLang="zh-CN" sz="2000" dirty="0" smtClean="0"/>
+              <a:rPr lang="en-US" altLang="zh-CN" sz="2000" dirty="0"/>
               <a:t> </a:t>
             </a:r>
             <a:r>
-              <a:rPr lang="en-US" altLang="zh-CN" sz="2000" dirty="0" err="1" smtClean="0"/>
+              <a:rPr lang="en-US" altLang="zh-CN" sz="2000" dirty="0" err="1"/>
               <a:t>i</a:t>
             </a:r>
             <a:r>
-              <a:rPr lang="en-US" altLang="zh-CN" sz="2000" dirty="0" smtClean="0"/>
+              <a:rPr lang="en-US" altLang="zh-CN" sz="2000" dirty="0"/>
               <a:t>, j, mini, temp;</a:t>
             </a:r>
           </a:p>
@@ -7696,31 +7207,31 @@
               <a:buNone/>
             </a:pPr>
             <a:r>
-              <a:rPr lang="en-US" altLang="zh-CN" sz="2000" dirty="0" smtClean="0"/>
+              <a:rPr lang="en-US" altLang="zh-CN" sz="2000" dirty="0"/>
               <a:t>      for  ( </a:t>
             </a:r>
             <a:r>
-              <a:rPr lang="en-US" altLang="zh-CN" sz="2000" dirty="0" err="1" smtClean="0"/>
+              <a:rPr lang="en-US" altLang="zh-CN" sz="2000" dirty="0" err="1"/>
               <a:t>i</a:t>
             </a:r>
             <a:r>
-              <a:rPr lang="en-US" altLang="zh-CN" sz="2000" dirty="0" smtClean="0"/>
+              <a:rPr lang="en-US" altLang="zh-CN" sz="2000" dirty="0"/>
               <a:t> = 0; </a:t>
             </a:r>
             <a:r>
-              <a:rPr lang="en-US" altLang="zh-CN" sz="2000" dirty="0" err="1" smtClean="0"/>
+              <a:rPr lang="en-US" altLang="zh-CN" sz="2000" dirty="0" err="1"/>
               <a:t>i</a:t>
             </a:r>
             <a:r>
-              <a:rPr lang="en-US" altLang="zh-CN" sz="2000" dirty="0" smtClean="0"/>
+              <a:rPr lang="en-US" altLang="zh-CN" sz="2000" dirty="0"/>
               <a:t> &lt; k; </a:t>
             </a:r>
             <a:r>
-              <a:rPr lang="en-US" altLang="zh-CN" sz="2000" dirty="0" err="1" smtClean="0"/>
+              <a:rPr lang="en-US" altLang="zh-CN" sz="2000" dirty="0" err="1"/>
               <a:t>i</a:t>
             </a:r>
             <a:r>
-              <a:rPr lang="en-US" altLang="zh-CN" sz="2000" dirty="0" smtClean="0"/>
+              <a:rPr lang="en-US" altLang="zh-CN" sz="2000" dirty="0"/>
               <a:t>++){</a:t>
             </a:r>
           </a:p>
@@ -7733,15 +7244,15 @@
               <a:buNone/>
             </a:pPr>
             <a:r>
-              <a:rPr lang="en-US" altLang="zh-CN" sz="2000" dirty="0" smtClean="0"/>
+              <a:rPr lang="en-US" altLang="zh-CN" sz="2000" dirty="0"/>
               <a:t>            mini = </a:t>
             </a:r>
             <a:r>
-              <a:rPr lang="en-US" altLang="zh-CN" sz="2000" dirty="0" err="1" smtClean="0"/>
+              <a:rPr lang="en-US" altLang="zh-CN" sz="2000" dirty="0" err="1"/>
               <a:t>i</a:t>
             </a:r>
             <a:r>
-              <a:rPr lang="en-US" altLang="zh-CN" sz="2000" dirty="0" smtClean="0"/>
+              <a:rPr lang="en-US" altLang="zh-CN" sz="2000" dirty="0"/>
               <a:t>;</a:t>
             </a:r>
           </a:p>
@@ -7754,7 +7265,7 @@
               <a:buNone/>
             </a:pPr>
             <a:r>
-              <a:rPr lang="en-US" altLang="zh-CN" sz="2000" dirty="0" smtClean="0"/>
+              <a:rPr lang="en-US" altLang="zh-CN" sz="2000" dirty="0"/>
               <a:t>            for ( j = i+1; j &lt; n; j++)</a:t>
             </a:r>
           </a:p>
@@ -7767,7 +7278,7 @@
               <a:buNone/>
             </a:pPr>
             <a:r>
-              <a:rPr lang="en-US" altLang="zh-CN" sz="2000" dirty="0" smtClean="0"/>
+              <a:rPr lang="en-US" altLang="zh-CN" sz="2000" dirty="0"/>
               <a:t>                   if  ( a[j] &lt; a[mini])</a:t>
             </a:r>
           </a:p>
@@ -7780,7 +7291,7 @@
               <a:buNone/>
             </a:pPr>
             <a:r>
-              <a:rPr lang="en-US" altLang="zh-CN" sz="2000" dirty="0" smtClean="0"/>
+              <a:rPr lang="en-US" altLang="zh-CN" sz="2000" dirty="0"/>
               <a:t>                          mini = j;</a:t>
             </a:r>
           </a:p>
@@ -7793,23 +7304,23 @@
               <a:buNone/>
             </a:pPr>
             <a:r>
-              <a:rPr lang="en-US" altLang="zh-CN" sz="2000" dirty="0" smtClean="0"/>
+              <a:rPr lang="en-US" altLang="zh-CN" sz="2000" dirty="0"/>
               <a:t>            </a:t>
             </a:r>
             <a:r>
-              <a:rPr lang="en-US" altLang="zh-CN" sz="2000" dirty="0" err="1" smtClean="0"/>
+              <a:rPr lang="en-US" altLang="zh-CN" sz="2000" dirty="0" err="1"/>
               <a:t>tmp</a:t>
             </a:r>
             <a:r>
-              <a:rPr lang="en-US" altLang="zh-CN" sz="2000" dirty="0" smtClean="0"/>
+              <a:rPr lang="en-US" altLang="zh-CN" sz="2000" dirty="0"/>
               <a:t> = a[</a:t>
             </a:r>
             <a:r>
-              <a:rPr lang="en-US" altLang="zh-CN" sz="2000" dirty="0" err="1" smtClean="0"/>
+              <a:rPr lang="en-US" altLang="zh-CN" sz="2000" dirty="0" err="1"/>
               <a:t>i</a:t>
             </a:r>
             <a:r>
-              <a:rPr lang="en-US" altLang="zh-CN" sz="2000" dirty="0" smtClean="0"/>
+              <a:rPr lang="en-US" altLang="zh-CN" sz="2000" dirty="0"/>
               <a:t>];</a:t>
             </a:r>
           </a:p>
@@ -7822,15 +7333,15 @@
               <a:buNone/>
             </a:pPr>
             <a:r>
-              <a:rPr lang="en-US" altLang="zh-CN" sz="2000" dirty="0" smtClean="0"/>
+              <a:rPr lang="en-US" altLang="zh-CN" sz="2000" dirty="0"/>
               <a:t>            a[</a:t>
             </a:r>
             <a:r>
-              <a:rPr lang="en-US" altLang="zh-CN" sz="2000" dirty="0" err="1" smtClean="0"/>
+              <a:rPr lang="en-US" altLang="zh-CN" sz="2000" dirty="0" err="1"/>
               <a:t>i</a:t>
             </a:r>
             <a:r>
-              <a:rPr lang="en-US" altLang="zh-CN" sz="2000" dirty="0" smtClean="0"/>
+              <a:rPr lang="en-US" altLang="zh-CN" sz="2000" dirty="0"/>
               <a:t>] = a[mini];</a:t>
             </a:r>
           </a:p>
@@ -7843,15 +7354,15 @@
               <a:buNone/>
             </a:pPr>
             <a:r>
-              <a:rPr lang="en-US" altLang="zh-CN" sz="2000" dirty="0" smtClean="0"/>
+              <a:rPr lang="en-US" altLang="zh-CN" sz="2000" dirty="0"/>
               <a:t>            a[mini] = </a:t>
             </a:r>
             <a:r>
-              <a:rPr lang="en-US" altLang="zh-CN" sz="2000" dirty="0" err="1" smtClean="0"/>
+              <a:rPr lang="en-US" altLang="zh-CN" sz="2000" dirty="0" err="1"/>
               <a:t>tmp</a:t>
             </a:r>
             <a:r>
-              <a:rPr lang="en-US" altLang="zh-CN" sz="2000" dirty="0" smtClean="0"/>
+              <a:rPr lang="en-US" altLang="zh-CN" sz="2000" dirty="0"/>
               <a:t>;</a:t>
             </a:r>
           </a:p>
@@ -7864,7 +7375,7 @@
               <a:buNone/>
             </a:pPr>
             <a:r>
-              <a:rPr lang="en-US" altLang="zh-CN" sz="2000" dirty="0" smtClean="0"/>
+              <a:rPr lang="en-US" altLang="zh-CN" sz="2000" dirty="0"/>
               <a:t>      }</a:t>
             </a:r>
           </a:p>
@@ -7877,7 +7388,7 @@
               <a:buNone/>
             </a:pPr>
             <a:r>
-              <a:rPr lang="en-US" altLang="zh-CN" sz="2000" dirty="0" smtClean="0"/>
+              <a:rPr lang="en-US" altLang="zh-CN" sz="2000" dirty="0"/>
               <a:t>      return a[k-1];</a:t>
             </a:r>
           </a:p>
@@ -7890,14 +7401,14 @@
               <a:buNone/>
             </a:pPr>
             <a:r>
-              <a:rPr lang="en-US" altLang="zh-CN" sz="2000" dirty="0" smtClean="0"/>
+              <a:rPr lang="en-US" altLang="zh-CN" sz="2000" dirty="0"/>
               <a:t>}</a:t>
             </a:r>
             <a:r>
-              <a:rPr lang="zh-CN" altLang="zh-CN" sz="2000" dirty="0" smtClean="0"/>
+              <a:rPr lang="zh-CN" altLang="zh-CN" sz="2000" dirty="0"/>
               <a:t>   </a:t>
             </a:r>
-            <a:endParaRPr lang="en-US" altLang="zh-CN" sz="2000" dirty="0" smtClean="0"/>
+            <a:endParaRPr lang="en-US" altLang="zh-CN" sz="2000" dirty="0"/>
           </a:p>
         </p:txBody>
       </p:sp>
@@ -7937,7 +7448,7 @@
                           <m:chr m:val="∑"/>
                           <m:ctrlPr>
                             <a:rPr lang="zh-CN" altLang="en-US" sz="2000" i="1" smtClean="0">
-                              <a:latin typeface="Cambria Math"/>
+                              <a:latin typeface="Cambria Math" panose="02040503050406030204" pitchFamily="18" charset="0"/>
                             </a:rPr>
                           </m:ctrlPr>
                         </m:naryPr>
@@ -7977,7 +7488,7 @@
                             <m:dPr>
                               <m:ctrlPr>
                                 <a:rPr lang="en-US" altLang="zh-CN" sz="2000" b="0" i="1" smtClean="0">
-                                  <a:latin typeface="Cambria Math"/>
+                                  <a:latin typeface="Cambria Math" panose="02040503050406030204" pitchFamily="18" charset="0"/>
                                 </a:rPr>
                               </m:ctrlPr>
                             </m:dPr>
@@ -7993,7 +7504,7 @@
                                   <m:chr m:val="∑"/>
                                   <m:ctrlPr>
                                     <a:rPr lang="en-US" altLang="zh-CN" sz="2000" b="0" i="1" smtClean="0">
-                                      <a:latin typeface="Cambria Math"/>
+                                      <a:latin typeface="Cambria Math" panose="02040503050406030204" pitchFamily="18" charset="0"/>
                                     </a:rPr>
                                   </m:ctrlPr>
                                 </m:naryPr>
@@ -8081,7 +7592,7 @@
                         <m:fPr>
                           <m:ctrlPr>
                             <a:rPr lang="en-US" altLang="zh-CN" sz="2000" b="0" i="1" smtClean="0">
-                              <a:latin typeface="Cambria Math"/>
+                              <a:latin typeface="Cambria Math" panose="02040503050406030204" pitchFamily="18" charset="0"/>
                             </a:rPr>
                           </m:ctrlPr>
                         </m:fPr>
@@ -8090,7 +7601,7 @@
                             <m:sSupPr>
                               <m:ctrlPr>
                                 <a:rPr lang="en-US" altLang="zh-CN" sz="2000" b="0" i="1" smtClean="0">
-                                  <a:latin typeface="Cambria Math"/>
+                                  <a:latin typeface="Cambria Math" panose="02040503050406030204" pitchFamily="18" charset="0"/>
                                 </a:rPr>
                               </m:ctrlPr>
                             </m:sSupPr>
@@ -8131,7 +7642,7 @@
                         <m:fPr>
                           <m:ctrlPr>
                             <a:rPr lang="en-US" altLang="zh-CN" sz="2000" b="0" i="1" smtClean="0">
-                              <a:latin typeface="Cambria Math"/>
+                              <a:latin typeface="Cambria Math" panose="02040503050406030204" pitchFamily="18" charset="0"/>
                             </a:rPr>
                           </m:ctrlPr>
                         </m:fPr>
@@ -8215,13 +7726,6 @@
   <p:clrMapOvr>
     <a:masterClrMapping/>
   </p:clrMapOvr>
-  <p:timing>
-    <p:tnLst>
-      <p:par>
-        <p:cTn id="1" dur="indefinite" restart="never" nodeType="tmRoot"/>
-      </p:par>
-    </p:tnLst>
-  </p:timing>
 </p:sld>
 </file>
 
@@ -8267,7 +7771,7 @@
               <a:buNone/>
             </a:pPr>
             <a:r>
-              <a:rPr lang="en-US" altLang="zh-CN" sz="2000" dirty="0" smtClean="0"/>
+              <a:rPr lang="en-US" altLang="zh-CN" sz="2000" dirty="0"/>
               <a:t>Find the computational complexity for the following four loops:</a:t>
             </a:r>
           </a:p>
@@ -8276,7 +7780,7 @@
               <a:buFontTx/>
               <a:buNone/>
             </a:pPr>
-            <a:endParaRPr lang="en-US" altLang="zh-CN" sz="2000" dirty="0" smtClean="0"/>
+            <a:endParaRPr lang="en-US" altLang="zh-CN" sz="2000" dirty="0"/>
           </a:p>
           <a:p>
             <a:pPr marL="609600" indent="-609600" eaLnBrk="1" hangingPunct="1">
@@ -8284,31 +7788,31 @@
               <a:buNone/>
             </a:pPr>
             <a:r>
-              <a:rPr lang="en-US" altLang="zh-CN" sz="2000" dirty="0" smtClean="0"/>
+              <a:rPr lang="en-US" altLang="zh-CN" sz="2000" dirty="0"/>
               <a:t>c. for (cnt3=0, </a:t>
             </a:r>
             <a:r>
-              <a:rPr lang="en-US" altLang="zh-CN" sz="2000" dirty="0" err="1" smtClean="0"/>
+              <a:rPr lang="en-US" altLang="zh-CN" sz="2000" dirty="0" err="1"/>
               <a:t>i</a:t>
             </a:r>
             <a:r>
-              <a:rPr lang="en-US" altLang="zh-CN" sz="2000" dirty="0" smtClean="0"/>
+              <a:rPr lang="en-US" altLang="zh-CN" sz="2000" dirty="0"/>
               <a:t> =1; </a:t>
             </a:r>
             <a:r>
-              <a:rPr lang="en-US" altLang="zh-CN" sz="2000" dirty="0" err="1" smtClean="0"/>
+              <a:rPr lang="en-US" altLang="zh-CN" sz="2000" dirty="0" err="1"/>
               <a:t>i</a:t>
             </a:r>
             <a:r>
-              <a:rPr lang="en-US" altLang="zh-CN" sz="2000" dirty="0" smtClean="0"/>
+              <a:rPr lang="en-US" altLang="zh-CN" sz="2000" dirty="0"/>
               <a:t>&lt;=n; </a:t>
             </a:r>
             <a:r>
-              <a:rPr lang="en-US" altLang="zh-CN" sz="2000" dirty="0" err="1" smtClean="0"/>
+              <a:rPr lang="en-US" altLang="zh-CN" sz="2000" dirty="0" err="1"/>
               <a:t>i</a:t>
             </a:r>
             <a:r>
-              <a:rPr lang="en-US" altLang="zh-CN" sz="2000" dirty="0" smtClean="0"/>
+              <a:rPr lang="en-US" altLang="zh-CN" sz="2000" dirty="0"/>
               <a:t>*=2)</a:t>
             </a:r>
           </a:p>
@@ -8318,7 +7822,7 @@
               <a:buNone/>
             </a:pPr>
             <a:r>
-              <a:rPr lang="en-US" altLang="zh-CN" sz="2000" dirty="0" smtClean="0"/>
+              <a:rPr lang="en-US" altLang="zh-CN" sz="2000" dirty="0"/>
               <a:t>      for (j=1; j&lt;=n; j++)</a:t>
             </a:r>
           </a:p>
@@ -8328,7 +7832,7 @@
               <a:buNone/>
             </a:pPr>
             <a:r>
-              <a:rPr lang="en-US" altLang="zh-CN" sz="2000" dirty="0" smtClean="0"/>
+              <a:rPr lang="en-US" altLang="zh-CN" sz="2000" dirty="0"/>
               <a:t>            cnt3++;</a:t>
             </a:r>
           </a:p>
@@ -8337,7 +7841,7 @@
               <a:buFontTx/>
               <a:buNone/>
             </a:pPr>
-            <a:endParaRPr lang="en-US" altLang="zh-CN" sz="2000" dirty="0" smtClean="0"/>
+            <a:endParaRPr lang="en-US" altLang="zh-CN" sz="2000" dirty="0"/>
           </a:p>
           <a:p>
             <a:pPr marL="609600" indent="-609600" eaLnBrk="1" hangingPunct="1">
@@ -8345,31 +7849,31 @@
               <a:buNone/>
             </a:pPr>
             <a:r>
-              <a:rPr lang="en-US" altLang="zh-CN" sz="2000" dirty="0" smtClean="0"/>
+              <a:rPr lang="en-US" altLang="zh-CN" sz="2000" dirty="0"/>
               <a:t>d. for (cnt4=0, </a:t>
             </a:r>
             <a:r>
-              <a:rPr lang="en-US" altLang="zh-CN" sz="2000" dirty="0" err="1" smtClean="0"/>
+              <a:rPr lang="en-US" altLang="zh-CN" sz="2000" dirty="0" err="1"/>
               <a:t>i</a:t>
             </a:r>
             <a:r>
-              <a:rPr lang="en-US" altLang="zh-CN" sz="2000" dirty="0" smtClean="0"/>
+              <a:rPr lang="en-US" altLang="zh-CN" sz="2000" dirty="0"/>
               <a:t>=1; </a:t>
             </a:r>
             <a:r>
-              <a:rPr lang="en-US" altLang="zh-CN" sz="2000" dirty="0" err="1" smtClean="0"/>
+              <a:rPr lang="en-US" altLang="zh-CN" sz="2000" dirty="0" err="1"/>
               <a:t>i</a:t>
             </a:r>
             <a:r>
-              <a:rPr lang="en-US" altLang="zh-CN" sz="2000" dirty="0" smtClean="0"/>
+              <a:rPr lang="en-US" altLang="zh-CN" sz="2000" dirty="0"/>
               <a:t>&lt;=n; </a:t>
             </a:r>
             <a:r>
-              <a:rPr lang="en-US" altLang="zh-CN" sz="2000" dirty="0" err="1" smtClean="0"/>
+              <a:rPr lang="en-US" altLang="zh-CN" sz="2000" dirty="0" err="1"/>
               <a:t>i</a:t>
             </a:r>
             <a:r>
-              <a:rPr lang="en-US" altLang="zh-CN" sz="2000" dirty="0" smtClean="0"/>
+              <a:rPr lang="en-US" altLang="zh-CN" sz="2000" dirty="0"/>
               <a:t>*=2)</a:t>
             </a:r>
           </a:p>
@@ -8379,15 +7883,15 @@
               <a:buNone/>
             </a:pPr>
             <a:r>
-              <a:rPr lang="en-US" altLang="zh-CN" sz="2000" dirty="0" smtClean="0"/>
+              <a:rPr lang="en-US" altLang="zh-CN" sz="2000" dirty="0"/>
               <a:t>      for (j=1; j&lt;=</a:t>
             </a:r>
             <a:r>
-              <a:rPr lang="en-US" altLang="zh-CN" sz="2000" dirty="0" err="1" smtClean="0"/>
+              <a:rPr lang="en-US" altLang="zh-CN" sz="2000" dirty="0" err="1"/>
               <a:t>i</a:t>
             </a:r>
             <a:r>
-              <a:rPr lang="en-US" altLang="zh-CN" sz="2000" dirty="0" smtClean="0"/>
+              <a:rPr lang="en-US" altLang="zh-CN" sz="2000" dirty="0"/>
               <a:t>; j++)</a:t>
             </a:r>
           </a:p>
@@ -8397,13 +7901,13 @@
               <a:buNone/>
             </a:pPr>
             <a:r>
-              <a:rPr lang="en-US" altLang="zh-CN" sz="2000" dirty="0" smtClean="0"/>
+              <a:rPr lang="en-US" altLang="zh-CN" sz="2000" dirty="0"/>
               <a:t>            cnt4++;</a:t>
             </a:r>
           </a:p>
           <a:p>
             <a:pPr marL="609600" indent="-609600"/>
-            <a:endParaRPr lang="zh-CN" altLang="en-US" sz="2000" dirty="0" smtClean="0"/>
+            <a:endParaRPr lang="zh-CN" altLang="en-US" sz="2000" dirty="0"/>
           </a:p>
         </p:txBody>
       </p:sp>
@@ -8453,7 +7957,7 @@
           <a:p>
             <a:pPr algn="ctr" eaLnBrk="1" hangingPunct="1"/>
             <a:r>
-              <a:rPr kumimoji="1" lang="en-US" altLang="zh-CN" sz="4400" dirty="0" smtClean="0">
+              <a:rPr kumimoji="1" lang="en-US" altLang="zh-CN" sz="4400" dirty="0">
                 <a:solidFill>
                   <a:schemeClr val="accent1"/>
                 </a:solidFill>
@@ -8503,7 +8007,7 @@
                         <m:dPr>
                           <m:ctrlPr>
                             <a:rPr lang="en-US" altLang="zh-CN" b="0" i="1" smtClean="0">
-                              <a:latin typeface="Cambria Math"/>
+                              <a:latin typeface="Cambria Math" panose="02040503050406030204" pitchFamily="18" charset="0"/>
                             </a:rPr>
                           </m:ctrlPr>
                         </m:dPr>
@@ -8512,7 +8016,7 @@
                             <m:funcPr>
                               <m:ctrlPr>
                                 <a:rPr lang="en-US" altLang="zh-CN" i="1" smtClean="0">
-                                  <a:latin typeface="Cambria Math"/>
+                                  <a:latin typeface="Cambria Math" panose="02040503050406030204" pitchFamily="18" charset="0"/>
                                 </a:rPr>
                               </m:ctrlPr>
                             </m:funcPr>
@@ -8545,7 +8049,7 @@
                                 <m:sSubPr>
                                   <m:ctrlPr>
                                     <a:rPr lang="en-US" altLang="zh-CN" i="1" smtClean="0">
-                                      <a:latin typeface="Cambria Math"/>
+                                      <a:latin typeface="Cambria Math" panose="02040503050406030204" pitchFamily="18" charset="0"/>
                                     </a:rPr>
                                   </m:ctrlPr>
                                 </m:sSubPr>
@@ -8598,7 +8102,7 @@
                           <m:chr m:val="∑"/>
                           <m:ctrlPr>
                             <a:rPr lang="en-US" altLang="zh-CN" b="0" i="1" smtClean="0">
-                              <a:latin typeface="Cambria Math"/>
+                              <a:latin typeface="Cambria Math" panose="02040503050406030204" pitchFamily="18" charset="0"/>
                             </a:rPr>
                           </m:ctrlPr>
                         </m:naryPr>
@@ -8652,7 +8156,7 @@
                         <m:funcPr>
                           <m:ctrlPr>
                             <a:rPr lang="en-US" altLang="zh-CN" b="0" i="1" smtClean="0">
-                              <a:latin typeface="Cambria Math"/>
+                              <a:latin typeface="Cambria Math" panose="02040503050406030204" pitchFamily="18" charset="0"/>
                             </a:rPr>
                           </m:ctrlPr>
                         </m:funcPr>
@@ -8661,7 +8165,7 @@
                             <m:sSubPr>
                               <m:ctrlPr>
                                 <a:rPr lang="en-US" altLang="zh-CN" b="0" i="1" smtClean="0">
-                                  <a:latin typeface="Cambria Math"/>
+                                  <a:latin typeface="Cambria Math" panose="02040503050406030204" pitchFamily="18" charset="0"/>
                                 </a:rPr>
                               </m:ctrlPr>
                             </m:sSubPr>
@@ -8741,7 +8245,7 @@
                         <m:funcPr>
                           <m:ctrlPr>
                             <a:rPr lang="en-US" altLang="zh-CN" b="0" i="1" smtClean="0">
-                              <a:latin typeface="Cambria Math"/>
+                              <a:latin typeface="Cambria Math" panose="02040503050406030204" pitchFamily="18" charset="0"/>
                             </a:rPr>
                           </m:ctrlPr>
                         </m:funcPr>
@@ -8844,7 +8348,7 @@
               <a:p>
                 <a:pPr algn="ctr"/>
                 <a:r>
-                  <a:rPr lang="en-US" altLang="zh-CN" i="1" dirty="0" smtClean="0">
+                  <a:rPr lang="en-US" altLang="zh-CN" i="1" dirty="0">
                     <a:latin typeface="Cambria Math"/>
                   </a:rPr>
                   <a:t>t = </a:t>
@@ -8879,7 +8383,7 @@
                       <m:funcPr>
                         <m:ctrlPr>
                           <a:rPr lang="en-US" altLang="zh-CN" i="1" smtClean="0">
-                            <a:latin typeface="Cambria Math"/>
+                            <a:latin typeface="Cambria Math" panose="02040503050406030204" pitchFamily="18" charset="0"/>
                           </a:rPr>
                         </m:ctrlPr>
                       </m:funcPr>
@@ -8888,7 +8392,7 @@
                           <m:sSubPr>
                             <m:ctrlPr>
                               <a:rPr lang="en-US" altLang="zh-CN" i="1" smtClean="0">
-                                <a:latin typeface="Cambria Math"/>
+                                <a:latin typeface="Cambria Math" panose="02040503050406030204" pitchFamily="18" charset="0"/>
                               </a:rPr>
                             </m:ctrlPr>
                           </m:sSubPr>
@@ -8930,7 +8434,7 @@
                     </m:r>
                   </m:oMath>
                 </a14:m>
-                <a:endParaRPr lang="en-US" altLang="zh-CN" i="1" dirty="0" smtClean="0">
+                <a:endParaRPr lang="en-US" altLang="zh-CN" i="1" dirty="0">
                   <a:latin typeface="Cambria Math"/>
                 </a:endParaRPr>
               </a:p>
@@ -8946,7 +8450,7 @@
                         <m:sSupPr>
                           <m:ctrlPr>
                             <a:rPr lang="en-US" altLang="zh-CN" i="1" smtClean="0">
-                              <a:latin typeface="Cambria Math"/>
+                              <a:latin typeface="Cambria Math" panose="02040503050406030204" pitchFamily="18" charset="0"/>
                             </a:rPr>
                           </m:ctrlPr>
                         </m:sSupPr>
@@ -8977,7 +8481,7 @@
                         <m:sSupPr>
                           <m:ctrlPr>
                             <a:rPr lang="en-US" altLang="zh-CN" b="0" i="1" smtClean="0">
-                              <a:latin typeface="Cambria Math"/>
+                              <a:latin typeface="Cambria Math" panose="02040503050406030204" pitchFamily="18" charset="0"/>
                             </a:rPr>
                           </m:ctrlPr>
                         </m:sSupPr>
@@ -9008,7 +8512,7 @@
                         <m:sSupPr>
                           <m:ctrlPr>
                             <a:rPr lang="en-US" altLang="zh-CN" b="0" i="1" smtClean="0">
-                              <a:latin typeface="Cambria Math"/>
+                              <a:latin typeface="Cambria Math" panose="02040503050406030204" pitchFamily="18" charset="0"/>
                             </a:rPr>
                           </m:ctrlPr>
                         </m:sSupPr>
@@ -9039,7 +8543,7 @@
                         <m:sSupPr>
                           <m:ctrlPr>
                             <a:rPr lang="en-US" altLang="zh-CN" b="0" i="1" smtClean="0">
-                              <a:latin typeface="Cambria Math"/>
+                              <a:latin typeface="Cambria Math" panose="02040503050406030204" pitchFamily="18" charset="0"/>
                             </a:rPr>
                           </m:ctrlPr>
                         </m:sSupPr>
@@ -9153,13 +8657,6 @@
   <p:clrMapOvr>
     <a:masterClrMapping/>
   </p:clrMapOvr>
-  <p:timing>
-    <p:tnLst>
-      <p:par>
-        <p:cTn id="1" dur="indefinite" restart="never" nodeType="tmRoot"/>
-      </p:par>
-    </p:tnLst>
-  </p:timing>
 </p:sld>
 </file>
 
@@ -9202,7 +8699,7 @@
           <a:p>
             <a:pPr eaLnBrk="1" hangingPunct="1"/>
             <a:r>
-              <a:rPr lang="en-US" altLang="zh-CN" dirty="0" smtClean="0"/>
+              <a:rPr lang="en-US" altLang="zh-CN" dirty="0"/>
               <a:t>Exercise 3</a:t>
             </a:r>
           </a:p>
@@ -9233,7 +8730,7 @@
               <a:buNone/>
             </a:pPr>
             <a:r>
-              <a:rPr lang="en-US" altLang="zh-CN" sz="2000" dirty="0" smtClean="0"/>
+              <a:rPr lang="en-US" altLang="zh-CN" sz="2000" dirty="0"/>
               <a:t>For each of the following two program fragments: Give an analysis of the running time(Big-Oh will do)</a:t>
             </a:r>
           </a:p>
@@ -9245,7 +8742,7 @@
               <a:buFontTx/>
               <a:buNone/>
             </a:pPr>
-            <a:endParaRPr lang="en-US" altLang="zh-CN" sz="2000" dirty="0" smtClean="0"/>
+            <a:endParaRPr lang="en-US" altLang="zh-CN" sz="2000" dirty="0"/>
           </a:p>
           <a:p>
             <a:pPr marL="0" indent="0" eaLnBrk="1" hangingPunct="1">
@@ -9256,7 +8753,7 @@
               <a:buNone/>
             </a:pPr>
             <a:r>
-              <a:rPr lang="en-US" altLang="zh-CN" sz="2000" dirty="0" smtClean="0"/>
+              <a:rPr lang="en-US" altLang="zh-CN" sz="2000" dirty="0"/>
               <a:t>sum = 0;</a:t>
             </a:r>
           </a:p>
@@ -9269,31 +8766,31 @@
               <a:buNone/>
             </a:pPr>
             <a:r>
-              <a:rPr lang="en-US" altLang="zh-CN" sz="2000" dirty="0" smtClean="0"/>
+              <a:rPr lang="en-US" altLang="zh-CN" sz="2000" dirty="0"/>
               <a:t>    for( </a:t>
             </a:r>
             <a:r>
-              <a:rPr lang="en-US" altLang="zh-CN" sz="2000" dirty="0" err="1" smtClean="0"/>
+              <a:rPr lang="en-US" altLang="zh-CN" sz="2000" dirty="0" err="1"/>
               <a:t>i</a:t>
             </a:r>
             <a:r>
-              <a:rPr lang="en-US" altLang="zh-CN" sz="2000" dirty="0" smtClean="0"/>
+              <a:rPr lang="en-US" altLang="zh-CN" sz="2000" dirty="0"/>
               <a:t> = 0; </a:t>
             </a:r>
             <a:r>
-              <a:rPr lang="en-US" altLang="zh-CN" sz="2000" dirty="0" err="1" smtClean="0"/>
+              <a:rPr lang="en-US" altLang="zh-CN" sz="2000" dirty="0" err="1"/>
               <a:t>i</a:t>
             </a:r>
             <a:r>
-              <a:rPr lang="en-US" altLang="zh-CN" sz="2000" dirty="0" smtClean="0"/>
+              <a:rPr lang="en-US" altLang="zh-CN" sz="2000" dirty="0"/>
               <a:t> &lt; n; </a:t>
             </a:r>
             <a:r>
-              <a:rPr lang="en-US" altLang="zh-CN" sz="2000" dirty="0" err="1" smtClean="0"/>
+              <a:rPr lang="en-US" altLang="zh-CN" sz="2000" dirty="0" err="1"/>
               <a:t>i</a:t>
             </a:r>
             <a:r>
-              <a:rPr lang="en-US" altLang="zh-CN" sz="2000" dirty="0" smtClean="0"/>
+              <a:rPr lang="en-US" altLang="zh-CN" sz="2000" dirty="0"/>
               <a:t>++ )</a:t>
             </a:r>
           </a:p>
@@ -9306,23 +8803,23 @@
               <a:buNone/>
             </a:pPr>
             <a:r>
-              <a:rPr lang="en-US" altLang="zh-CN" sz="2000" dirty="0" smtClean="0"/>
+              <a:rPr lang="en-US" altLang="zh-CN" sz="2000" dirty="0"/>
               <a:t>        for( j = 0; j &lt;</a:t>
             </a:r>
             <a:r>
-              <a:rPr lang="en-US" altLang="zh-CN" sz="2000" dirty="0" err="1" smtClean="0"/>
+              <a:rPr lang="en-US" altLang="zh-CN" sz="2000" dirty="0" err="1"/>
               <a:t>i</a:t>
             </a:r>
             <a:r>
-              <a:rPr lang="en-US" altLang="zh-CN" sz="2000" dirty="0" smtClean="0"/>
+              <a:rPr lang="en-US" altLang="zh-CN" sz="2000" dirty="0"/>
               <a:t>*</a:t>
             </a:r>
             <a:r>
-              <a:rPr lang="en-US" altLang="zh-CN" sz="2000" dirty="0" err="1" smtClean="0"/>
+              <a:rPr lang="en-US" altLang="zh-CN" sz="2000" dirty="0" err="1"/>
               <a:t>i</a:t>
             </a:r>
             <a:r>
-              <a:rPr lang="en-US" altLang="zh-CN" sz="2000" dirty="0" smtClean="0"/>
+              <a:rPr lang="en-US" altLang="zh-CN" sz="2000" dirty="0"/>
               <a:t>; j++ )</a:t>
             </a:r>
           </a:p>
@@ -9335,7 +8832,7 @@
               <a:buNone/>
             </a:pPr>
             <a:r>
-              <a:rPr lang="en-US" altLang="zh-CN" sz="2000" dirty="0" smtClean="0"/>
+              <a:rPr lang="en-US" altLang="zh-CN" sz="2000" dirty="0"/>
               <a:t>            for( k = 0; k &lt;j; k++ )</a:t>
             </a:r>
           </a:p>
@@ -9348,7 +8845,7 @@
               <a:buNone/>
             </a:pPr>
             <a:r>
-              <a:rPr lang="en-US" altLang="zh-CN" sz="2000" dirty="0" smtClean="0"/>
+              <a:rPr lang="en-US" altLang="zh-CN" sz="2000" dirty="0"/>
               <a:t>                sum++;</a:t>
             </a:r>
           </a:p>
@@ -9361,7 +8858,7 @@
               <a:buNone/>
             </a:pPr>
             <a:r>
-              <a:rPr lang="en-US" altLang="zh-CN" sz="2000" dirty="0" smtClean="0"/>
+              <a:rPr lang="en-US" altLang="zh-CN" sz="2000" dirty="0"/>
               <a:t>sum = 0;</a:t>
             </a:r>
           </a:p>
@@ -9374,31 +8871,31 @@
               <a:buNone/>
             </a:pPr>
             <a:r>
-              <a:rPr lang="en-US" altLang="zh-CN" sz="2000" dirty="0" smtClean="0"/>
+              <a:rPr lang="en-US" altLang="zh-CN" sz="2000" dirty="0"/>
               <a:t>    for( </a:t>
             </a:r>
             <a:r>
-              <a:rPr lang="en-US" altLang="zh-CN" sz="2000" dirty="0" err="1" smtClean="0"/>
+              <a:rPr lang="en-US" altLang="zh-CN" sz="2000" dirty="0" err="1"/>
               <a:t>i</a:t>
             </a:r>
             <a:r>
-              <a:rPr lang="en-US" altLang="zh-CN" sz="2000" dirty="0" smtClean="0"/>
+              <a:rPr lang="en-US" altLang="zh-CN" sz="2000" dirty="0"/>
               <a:t> = 1; </a:t>
             </a:r>
             <a:r>
-              <a:rPr lang="en-US" altLang="zh-CN" sz="2000" dirty="0" err="1" smtClean="0"/>
+              <a:rPr lang="en-US" altLang="zh-CN" sz="2000" dirty="0" err="1"/>
               <a:t>i</a:t>
             </a:r>
             <a:r>
-              <a:rPr lang="en-US" altLang="zh-CN" sz="2000" dirty="0" smtClean="0"/>
+              <a:rPr lang="en-US" altLang="zh-CN" sz="2000" dirty="0"/>
               <a:t> &lt; n; </a:t>
             </a:r>
             <a:r>
-              <a:rPr lang="en-US" altLang="zh-CN" sz="2000" dirty="0" err="1" smtClean="0"/>
+              <a:rPr lang="en-US" altLang="zh-CN" sz="2000" dirty="0" err="1"/>
               <a:t>i</a:t>
             </a:r>
             <a:r>
-              <a:rPr lang="en-US" altLang="zh-CN" sz="2000" dirty="0" smtClean="0"/>
+              <a:rPr lang="en-US" altLang="zh-CN" sz="2000" dirty="0"/>
               <a:t>++ ) </a:t>
             </a:r>
           </a:p>
@@ -9411,23 +8908,23 @@
               <a:buNone/>
             </a:pPr>
             <a:r>
-              <a:rPr lang="en-US" altLang="zh-CN" sz="2000" dirty="0" smtClean="0"/>
+              <a:rPr lang="en-US" altLang="zh-CN" sz="2000" dirty="0"/>
               <a:t>        for( j = 0; j &lt; </a:t>
             </a:r>
             <a:r>
-              <a:rPr lang="en-US" altLang="zh-CN" sz="2000" dirty="0" err="1" smtClean="0"/>
+              <a:rPr lang="en-US" altLang="zh-CN" sz="2000" dirty="0" err="1"/>
               <a:t>i</a:t>
             </a:r>
             <a:r>
-              <a:rPr lang="en-US" altLang="zh-CN" sz="2000" dirty="0" smtClean="0"/>
+              <a:rPr lang="en-US" altLang="zh-CN" sz="2000" dirty="0"/>
               <a:t>*</a:t>
             </a:r>
             <a:r>
-              <a:rPr lang="en-US" altLang="zh-CN" sz="2000" dirty="0" err="1" smtClean="0"/>
+              <a:rPr lang="en-US" altLang="zh-CN" sz="2000" dirty="0" err="1"/>
               <a:t>i</a:t>
             </a:r>
             <a:r>
-              <a:rPr lang="en-US" altLang="zh-CN" sz="2000" dirty="0" smtClean="0"/>
+              <a:rPr lang="en-US" altLang="zh-CN" sz="2000" dirty="0"/>
               <a:t>; j++ )</a:t>
             </a:r>
           </a:p>
@@ -9440,15 +8937,15 @@
               <a:buNone/>
             </a:pPr>
             <a:r>
-              <a:rPr lang="en-US" altLang="zh-CN" sz="2000" dirty="0" smtClean="0"/>
+              <a:rPr lang="en-US" altLang="zh-CN" sz="2000" dirty="0"/>
               <a:t>            if( j % </a:t>
             </a:r>
             <a:r>
-              <a:rPr lang="en-US" altLang="zh-CN" sz="2000" dirty="0" err="1" smtClean="0"/>
+              <a:rPr lang="en-US" altLang="zh-CN" sz="2000" dirty="0" err="1"/>
               <a:t>i</a:t>
             </a:r>
             <a:r>
-              <a:rPr lang="en-US" altLang="zh-CN" sz="2000" dirty="0" smtClean="0"/>
+              <a:rPr lang="en-US" altLang="zh-CN" sz="2000" dirty="0"/>
               <a:t> == 0 )</a:t>
             </a:r>
           </a:p>
@@ -9461,7 +8958,7 @@
               <a:buNone/>
             </a:pPr>
             <a:r>
-              <a:rPr lang="en-US" altLang="zh-CN" sz="2000" dirty="0" smtClean="0"/>
+              <a:rPr lang="en-US" altLang="zh-CN" sz="2000" dirty="0"/>
               <a:t>                for( k = 0; k &lt; j; k++ )</a:t>
             </a:r>
           </a:p>
@@ -9474,10 +8971,10 @@
               <a:buNone/>
             </a:pPr>
             <a:r>
-              <a:rPr lang="en-US" altLang="zh-CN" sz="2000" dirty="0" smtClean="0"/>
+              <a:rPr lang="en-US" altLang="zh-CN" sz="2000" dirty="0"/>
               <a:t>                    sum++;</a:t>
             </a:r>
-            <a:endParaRPr lang="zh-CN" altLang="en-US" sz="2000" dirty="0" smtClean="0"/>
+            <a:endParaRPr lang="zh-CN" altLang="en-US" sz="2000" dirty="0"/>
           </a:p>
         </p:txBody>
       </p:sp>
@@ -9517,7 +9014,7 @@
                           <m:chr m:val="∑"/>
                           <m:ctrlPr>
                             <a:rPr lang="zh-CN" altLang="en-US" i="1" smtClean="0">
-                              <a:latin typeface="Cambria Math"/>
+                              <a:latin typeface="Cambria Math" panose="02040503050406030204" pitchFamily="18" charset="0"/>
                             </a:rPr>
                           </m:ctrlPr>
                         </m:naryPr>
@@ -9558,7 +9055,7 @@
                               <m:chr m:val="∑"/>
                               <m:ctrlPr>
                                 <a:rPr lang="en-US" altLang="zh-CN" i="1" smtClean="0">
-                                  <a:latin typeface="Cambria Math"/>
+                                  <a:latin typeface="Cambria Math" panose="02040503050406030204" pitchFamily="18" charset="0"/>
                                 </a:rPr>
                               </m:ctrlPr>
                             </m:naryPr>
@@ -9584,7 +9081,7 @@
                                 <m:sSupPr>
                                   <m:ctrlPr>
                                     <a:rPr lang="en-US" altLang="zh-CN" i="1" smtClean="0">
-                                      <a:latin typeface="Cambria Math"/>
+                                      <a:latin typeface="Cambria Math" panose="02040503050406030204" pitchFamily="18" charset="0"/>
                                     </a:rPr>
                                   </m:ctrlPr>
                                 </m:sSupPr>
@@ -9618,7 +9115,7 @@
                                   <m:chr m:val="∑"/>
                                   <m:ctrlPr>
                                     <a:rPr lang="en-US" altLang="zh-CN" i="1" smtClean="0">
-                                      <a:latin typeface="Cambria Math"/>
+                                      <a:latin typeface="Cambria Math" panose="02040503050406030204" pitchFamily="18" charset="0"/>
                                     </a:rPr>
                                   </m:ctrlPr>
                                 </m:naryPr>
@@ -9675,7 +9172,7 @@
                               <m:chr m:val="∑"/>
                               <m:ctrlPr>
                                 <a:rPr lang="en-US" altLang="zh-CN" b="0" i="1" smtClean="0">
-                                  <a:latin typeface="Cambria Math"/>
+                                  <a:latin typeface="Cambria Math" panose="02040503050406030204" pitchFamily="18" charset="0"/>
                                 </a:rPr>
                               </m:ctrlPr>
                             </m:naryPr>
@@ -9716,7 +9213,7 @@
                                   <m:chr m:val="∑"/>
                                   <m:ctrlPr>
                                     <a:rPr lang="en-US" altLang="zh-CN" b="0" i="1" smtClean="0">
-                                      <a:latin typeface="Cambria Math"/>
+                                      <a:latin typeface="Cambria Math" panose="02040503050406030204" pitchFamily="18" charset="0"/>
                                     </a:rPr>
                                   </m:ctrlPr>
                                 </m:naryPr>
@@ -9742,7 +9239,7 @@
                                     <m:sSupPr>
                                       <m:ctrlPr>
                                         <a:rPr lang="en-US" altLang="zh-CN" b="0" i="1" smtClean="0">
-                                          <a:latin typeface="Cambria Math"/>
+                                          <a:latin typeface="Cambria Math" panose="02040503050406030204" pitchFamily="18" charset="0"/>
                                         </a:rPr>
                                       </m:ctrlPr>
                                     </m:sSupPr>
@@ -9790,7 +9287,7 @@
                                   <m:chr m:val="∑"/>
                                   <m:ctrlPr>
                                     <a:rPr lang="en-US" altLang="zh-CN" b="0" i="1" smtClean="0">
-                                      <a:latin typeface="Cambria Math"/>
+                                      <a:latin typeface="Cambria Math" panose="02040503050406030204" pitchFamily="18" charset="0"/>
                                     </a:rPr>
                                   </m:ctrlPr>
                                 </m:naryPr>
@@ -9830,7 +9327,7 @@
                                     <m:fPr>
                                       <m:ctrlPr>
                                         <a:rPr lang="en-US" altLang="zh-CN" b="0" i="1" smtClean="0">
-                                          <a:latin typeface="Cambria Math"/>
+                                          <a:latin typeface="Cambria Math" panose="02040503050406030204" pitchFamily="18" charset="0"/>
                                         </a:rPr>
                                       </m:ctrlPr>
                                     </m:fPr>
@@ -9839,7 +9336,7 @@
                                         <m:sSupPr>
                                           <m:ctrlPr>
                                             <a:rPr lang="en-US" altLang="zh-CN" b="0" i="1" smtClean="0">
-                                              <a:latin typeface="Cambria Math"/>
+                                              <a:latin typeface="Cambria Math" panose="02040503050406030204" pitchFamily="18" charset="0"/>
                                             </a:rPr>
                                           </m:ctrlPr>
                                         </m:sSupPr>
@@ -9870,7 +9367,7 @@
                                         <m:sSupPr>
                                           <m:ctrlPr>
                                             <a:rPr lang="en-US" altLang="zh-CN" b="0" i="1" smtClean="0">
-                                              <a:latin typeface="Cambria Math"/>
+                                              <a:latin typeface="Cambria Math" panose="02040503050406030204" pitchFamily="18" charset="0"/>
                                             </a:rPr>
                                           </m:ctrlPr>
                                         </m:sSupPr>
@@ -9927,7 +9424,7 @@
                             <m:sSupPr>
                               <m:ctrlPr>
                                 <a:rPr lang="en-US" altLang="zh-CN" b="0" i="1" smtClean="0">
-                                  <a:latin typeface="Cambria Math"/>
+                                  <a:latin typeface="Cambria Math" panose="02040503050406030204" pitchFamily="18" charset="0"/>
                                 </a:rPr>
                               </m:ctrlPr>
                             </m:sSupPr>
@@ -10039,7 +9536,7 @@
                           <m:chr m:val="∑"/>
                           <m:ctrlPr>
                             <a:rPr lang="zh-CN" altLang="en-US" i="1" smtClean="0">
-                              <a:latin typeface="Cambria Math"/>
+                              <a:latin typeface="Cambria Math" panose="02040503050406030204" pitchFamily="18" charset="0"/>
                             </a:rPr>
                           </m:ctrlPr>
                         </m:naryPr>
@@ -10086,7 +9583,7 @@
                               <m:chr m:val="∑"/>
                               <m:ctrlPr>
                                 <a:rPr lang="en-US" altLang="zh-CN" b="0" i="1" smtClean="0">
-                                  <a:latin typeface="Cambria Math"/>
+                                  <a:latin typeface="Cambria Math" panose="02040503050406030204" pitchFamily="18" charset="0"/>
                                 </a:rPr>
                               </m:ctrlPr>
                             </m:naryPr>
@@ -10141,7 +9638,7 @@
                               <m:chr m:val="∑"/>
                               <m:ctrlPr>
                                 <a:rPr lang="en-US" altLang="zh-CN" b="0" i="1" smtClean="0">
-                                  <a:latin typeface="Cambria Math"/>
+                                  <a:latin typeface="Cambria Math" panose="02040503050406030204" pitchFamily="18" charset="0"/>
                                 </a:rPr>
                               </m:ctrlPr>
                             </m:naryPr>
@@ -10202,7 +9699,7 @@
                               <m:chr m:val="∑"/>
                               <m:ctrlPr>
                                 <a:rPr lang="en-US" altLang="zh-CN" b="0" i="1" smtClean="0">
-                                  <a:latin typeface="Cambria Math"/>
+                                  <a:latin typeface="Cambria Math" panose="02040503050406030204" pitchFamily="18" charset="0"/>
                                 </a:rPr>
                               </m:ctrlPr>
                             </m:naryPr>
@@ -10234,7 +9731,7 @@
                                 <m:dPr>
                                   <m:ctrlPr>
                                     <a:rPr lang="en-US" altLang="zh-CN" b="0" i="1" smtClean="0">
-                                      <a:latin typeface="Cambria Math"/>
+                                      <a:latin typeface="Cambria Math" panose="02040503050406030204" pitchFamily="18" charset="0"/>
                                     </a:rPr>
                                   </m:ctrlPr>
                                 </m:dPr>
@@ -10286,7 +9783,7 @@
                     </m:oMath>
                   </m:oMathPara>
                 </a14:m>
-                <a:endParaRPr lang="en-US" altLang="zh-CN" b="0" dirty="0" smtClean="0"/>
+                <a:endParaRPr lang="en-US" altLang="zh-CN" b="0" dirty="0"/>
               </a:p>
               <a:p>
                 <a:pPr algn="ctr"/>
@@ -10301,7 +9798,7 @@
                           <m:chr m:val="∑"/>
                           <m:ctrlPr>
                             <a:rPr lang="zh-CN" altLang="en-US" i="1" smtClean="0">
-                              <a:latin typeface="Cambria Math"/>
+                              <a:latin typeface="Cambria Math" panose="02040503050406030204" pitchFamily="18" charset="0"/>
                             </a:rPr>
                           </m:ctrlPr>
                         </m:naryPr>
@@ -10402,7 +9899,7 @@
                     </m:oMath>
                   </m:oMathPara>
                 </a14:m>
-                <a:endParaRPr lang="en-US" altLang="zh-CN" b="0" dirty="0" smtClean="0"/>
+                <a:endParaRPr lang="en-US" altLang="zh-CN" b="0" dirty="0"/>
               </a:p>
               <a:p>
                 <a:pPr algn="ctr"/>
@@ -10417,7 +9914,7 @@
                           <m:chr m:val="∑"/>
                           <m:ctrlPr>
                             <a:rPr lang="zh-CN" altLang="en-US" i="1" smtClean="0">
-                              <a:latin typeface="Cambria Math"/>
+                              <a:latin typeface="Cambria Math" panose="02040503050406030204" pitchFamily="18" charset="0"/>
                             </a:rPr>
                           </m:ctrlPr>
                         </m:naryPr>
@@ -10457,7 +9954,7 @@
                             <m:fPr>
                               <m:ctrlPr>
                                 <a:rPr lang="en-US" altLang="zh-CN" i="1" smtClean="0">
-                                  <a:latin typeface="Cambria Math"/>
+                                  <a:latin typeface="Cambria Math" panose="02040503050406030204" pitchFamily="18" charset="0"/>
                                 </a:rPr>
                               </m:ctrlPr>
                             </m:fPr>
@@ -10466,7 +9963,7 @@
                                 <m:sSupPr>
                                   <m:ctrlPr>
                                     <a:rPr lang="en-US" altLang="zh-CN" i="1" smtClean="0">
-                                      <a:latin typeface="Cambria Math"/>
+                                      <a:latin typeface="Cambria Math" panose="02040503050406030204" pitchFamily="18" charset="0"/>
                                     </a:rPr>
                                   </m:ctrlPr>
                                 </m:sSupPr>
@@ -10497,7 +9994,7 @@
                                 <m:sSupPr>
                                   <m:ctrlPr>
                                     <a:rPr lang="en-US" altLang="zh-CN" b="0" i="1" smtClean="0">
-                                      <a:latin typeface="Cambria Math"/>
+                                      <a:latin typeface="Cambria Math" panose="02040503050406030204" pitchFamily="18" charset="0"/>
                                     </a:rPr>
                                   </m:ctrlPr>
                                 </m:sSupPr>
@@ -10552,7 +10049,7 @@
                         <m:sSupPr>
                           <m:ctrlPr>
                             <a:rPr lang="en-US" altLang="zh-CN" b="0" i="1" smtClean="0">
-                              <a:latin typeface="Cambria Math"/>
+                              <a:latin typeface="Cambria Math" panose="02040503050406030204" pitchFamily="18" charset="0"/>
                             </a:rPr>
                           </m:ctrlPr>
                         </m:sSupPr>
@@ -10636,13 +10133,6 @@
   <p:clrMapOvr>
     <a:masterClrMapping/>
   </p:clrMapOvr>
-  <p:timing>
-    <p:tnLst>
-      <p:par>
-        <p:cTn id="1" dur="indefinite" restart="never" nodeType="tmRoot"/>
-      </p:par>
-    </p:tnLst>
-  </p:timing>
 </p:sld>
 </file>
 
@@ -10687,7 +10177,7 @@
           <a:p>
             <a:pPr eaLnBrk="1" hangingPunct="1"/>
             <a:r>
-              <a:rPr lang="en-US" altLang="zh-CN" dirty="0" smtClean="0">
+              <a:rPr lang="en-US" altLang="zh-CN" dirty="0">
                 <a:solidFill>
                   <a:schemeClr val="accent1"/>
                 </a:solidFill>
@@ -10728,11 +10218,11 @@
               <a:buNone/>
             </a:pPr>
             <a:r>
-              <a:rPr lang="en-US" altLang="zh-CN" sz="2400" dirty="0" smtClean="0"/>
+              <a:rPr lang="en-US" altLang="zh-CN" sz="2400" dirty="0"/>
               <a:t> </a:t>
             </a:r>
             <a:r>
-              <a:rPr lang="en-US" altLang="zh-CN" sz="2000" dirty="0" smtClean="0">
+              <a:rPr lang="en-US" altLang="zh-CN" sz="2000" dirty="0">
                 <a:solidFill>
                   <a:schemeClr val="tx2"/>
                 </a:solidFill>
@@ -10740,7 +10230,7 @@
               <a:t>4</a:t>
             </a:r>
             <a:r>
-              <a:rPr lang="zh-CN" altLang="en-US" sz="2000" dirty="0" smtClean="0">
+              <a:rPr lang="zh-CN" altLang="en-US" sz="2000" dirty="0">
                 <a:solidFill>
                   <a:schemeClr val="tx2"/>
                 </a:solidFill>
@@ -10748,15 +10238,15 @@
               <a:t>.</a:t>
             </a:r>
             <a:r>
-              <a:rPr lang="zh-CN" altLang="en-US" sz="2400" dirty="0" smtClean="0"/>
+              <a:rPr lang="zh-CN" altLang="en-US" sz="2400" dirty="0"/>
               <a:t>  </a:t>
             </a:r>
             <a:r>
-              <a:rPr lang="zh-CN" altLang="en-US" sz="1800" dirty="0" smtClean="0"/>
+              <a:rPr lang="zh-CN" altLang="en-US" sz="1800" dirty="0"/>
               <a:t>设</a:t>
             </a:r>
             <a:r>
-              <a:rPr lang="zh-CN" altLang="zh-CN" sz="1800" dirty="0" smtClean="0"/>
+              <a:rPr lang="zh-CN" altLang="zh-CN" sz="1800" dirty="0"/>
               <a:t>n为正整数，分析下列各程序段中加下划线的语句的执行次数。</a:t>
             </a:r>
           </a:p>
@@ -10769,11 +10259,11 @@
               <a:buNone/>
             </a:pPr>
             <a:r>
-              <a:rPr lang="zh-CN" altLang="en-US" sz="1800" dirty="0" smtClean="0"/>
+              <a:rPr lang="zh-CN" altLang="en-US" sz="1800" dirty="0"/>
               <a:t>    </a:t>
             </a:r>
             <a:r>
-              <a:rPr lang="zh-CN" altLang="zh-CN" sz="1800" dirty="0" smtClean="0"/>
+              <a:rPr lang="zh-CN" altLang="zh-CN" sz="1800" dirty="0"/>
               <a:t>1) for (int i = 1; i &lt;= n;  i++)</a:t>
             </a:r>
           </a:p>
@@ -10786,15 +10276,15 @@
               <a:buNone/>
             </a:pPr>
             <a:r>
-              <a:rPr lang="zh-CN" altLang="zh-CN" sz="1800" dirty="0" smtClean="0"/>
+              <a:rPr lang="zh-CN" altLang="zh-CN" sz="1800" dirty="0"/>
               <a:t>       </a:t>
             </a:r>
             <a:r>
-              <a:rPr lang="zh-CN" altLang="en-US" sz="1800" dirty="0" smtClean="0"/>
+              <a:rPr lang="zh-CN" altLang="en-US" sz="1800" dirty="0"/>
               <a:t>   </a:t>
             </a:r>
             <a:r>
-              <a:rPr lang="zh-CN" altLang="zh-CN" sz="1800" dirty="0" smtClean="0"/>
+              <a:rPr lang="zh-CN" altLang="zh-CN" sz="1800" dirty="0"/>
               <a:t> for (int j = 1; j&lt;=n; j++)</a:t>
             </a:r>
           </a:p>
@@ -10807,15 +10297,15 @@
               <a:buNone/>
             </a:pPr>
             <a:r>
-              <a:rPr lang="zh-CN" altLang="zh-CN" sz="1800" dirty="0" smtClean="0"/>
+              <a:rPr lang="zh-CN" altLang="zh-CN" sz="1800" dirty="0"/>
               <a:t>          {  </a:t>
             </a:r>
             <a:r>
-              <a:rPr lang="zh-CN" altLang="en-US" sz="1800" dirty="0" smtClean="0"/>
+              <a:rPr lang="zh-CN" altLang="en-US" sz="1800" dirty="0"/>
               <a:t> </a:t>
             </a:r>
             <a:r>
-              <a:rPr lang="zh-CN" altLang="zh-CN" sz="1800" dirty="0" smtClean="0"/>
+              <a:rPr lang="zh-CN" altLang="zh-CN" sz="1800" dirty="0"/>
               <a:t>c[i][j] = 0.0;</a:t>
             </a:r>
           </a:p>
@@ -10828,15 +10318,15 @@
               <a:buNone/>
             </a:pPr>
             <a:r>
-              <a:rPr lang="zh-CN" altLang="zh-CN" sz="1800" dirty="0" smtClean="0"/>
+              <a:rPr lang="zh-CN" altLang="zh-CN" sz="1800" dirty="0"/>
               <a:t>              </a:t>
             </a:r>
             <a:r>
-              <a:rPr lang="zh-CN" altLang="en-US" sz="1800" dirty="0" smtClean="0"/>
+              <a:rPr lang="zh-CN" altLang="en-US" sz="1800" dirty="0"/>
               <a:t> </a:t>
             </a:r>
             <a:r>
-              <a:rPr lang="zh-CN" altLang="zh-CN" sz="1800" dirty="0" smtClean="0"/>
+              <a:rPr lang="zh-CN" altLang="zh-CN" sz="1800" dirty="0"/>
               <a:t>for ( int k = 1; k &lt;= n; k++)</a:t>
             </a:r>
           </a:p>
@@ -10849,15 +10339,15 @@
               <a:buNone/>
             </a:pPr>
             <a:r>
-              <a:rPr lang="zh-CN" altLang="zh-CN" sz="1800" dirty="0" smtClean="0"/>
+              <a:rPr lang="zh-CN" altLang="zh-CN" sz="1800" dirty="0"/>
               <a:t>                  </a:t>
             </a:r>
             <a:r>
-              <a:rPr lang="zh-CN" altLang="en-US" sz="1800" dirty="0" smtClean="0"/>
+              <a:rPr lang="zh-CN" altLang="en-US" sz="1800" dirty="0"/>
               <a:t>  </a:t>
             </a:r>
             <a:r>
-              <a:rPr lang="zh-CN" altLang="zh-CN" sz="1800" dirty="0" smtClean="0"/>
+              <a:rPr lang="zh-CN" altLang="zh-CN" sz="1800" dirty="0"/>
               <a:t>c[i][j] = c[i][j]+a[i][k]*b[k][j];</a:t>
             </a:r>
           </a:p>
@@ -10870,11 +10360,11 @@
               <a:buNone/>
             </a:pPr>
             <a:r>
-              <a:rPr lang="zh-CN" altLang="zh-CN" sz="1800" dirty="0" smtClean="0"/>
+              <a:rPr lang="zh-CN" altLang="zh-CN" sz="1800" dirty="0"/>
               <a:t>           }</a:t>
             </a:r>
             <a:r>
-              <a:rPr lang="en-US" altLang="zh-CN" sz="1800" dirty="0" smtClean="0"/>
+              <a:rPr lang="en-US" altLang="zh-CN" sz="1800" dirty="0"/>
               <a:t>  </a:t>
             </a:r>
           </a:p>
@@ -10887,11 +10377,11 @@
               <a:buNone/>
             </a:pPr>
             <a:r>
-              <a:rPr lang="zh-CN" altLang="en-US" sz="1800" dirty="0" smtClean="0"/>
+              <a:rPr lang="zh-CN" altLang="en-US" sz="1800" dirty="0"/>
               <a:t>    </a:t>
             </a:r>
             <a:r>
-              <a:rPr lang="zh-CN" altLang="zh-CN" sz="1800" dirty="0" smtClean="0"/>
+              <a:rPr lang="zh-CN" altLang="zh-CN" sz="1800" dirty="0"/>
               <a:t>2)  x = 0; y = 0;</a:t>
             </a:r>
           </a:p>
@@ -10904,15 +10394,15 @@
               <a:buNone/>
             </a:pPr>
             <a:r>
-              <a:rPr lang="zh-CN" altLang="zh-CN" sz="1800" dirty="0" smtClean="0"/>
+              <a:rPr lang="zh-CN" altLang="zh-CN" sz="1800" dirty="0"/>
               <a:t>    </a:t>
             </a:r>
             <a:r>
-              <a:rPr lang="zh-CN" altLang="en-US" sz="1800" dirty="0" smtClean="0"/>
+              <a:rPr lang="zh-CN" altLang="en-US" sz="1800" dirty="0"/>
               <a:t>     </a:t>
             </a:r>
             <a:r>
-              <a:rPr lang="zh-CN" altLang="zh-CN" sz="1800" dirty="0" smtClean="0"/>
+              <a:rPr lang="zh-CN" altLang="zh-CN" sz="1800" dirty="0"/>
               <a:t>for (int i = 1; i &lt;= n; i++)</a:t>
             </a:r>
           </a:p>
@@ -10925,15 +10415,15 @@
               <a:buNone/>
             </a:pPr>
             <a:r>
-              <a:rPr lang="zh-CN" altLang="zh-CN" sz="1800" dirty="0" smtClean="0"/>
+              <a:rPr lang="zh-CN" altLang="zh-CN" sz="1800" dirty="0"/>
               <a:t>       </a:t>
             </a:r>
             <a:r>
-              <a:rPr lang="zh-CN" altLang="en-US" sz="1800" dirty="0" smtClean="0"/>
+              <a:rPr lang="zh-CN" altLang="en-US" sz="1800" dirty="0"/>
               <a:t>    </a:t>
             </a:r>
             <a:r>
-              <a:rPr lang="zh-CN" altLang="zh-CN" sz="1800" dirty="0" smtClean="0"/>
+              <a:rPr lang="zh-CN" altLang="zh-CN" sz="1800" dirty="0"/>
               <a:t> for (int j = 1; j &lt;= i; j++)</a:t>
             </a:r>
           </a:p>
@@ -10946,11 +10436,11 @@
               <a:buNone/>
             </a:pPr>
             <a:r>
-              <a:rPr lang="zh-CN" altLang="en-US" sz="1800" dirty="0" smtClean="0"/>
+              <a:rPr lang="zh-CN" altLang="en-US" sz="1800" dirty="0"/>
               <a:t>    </a:t>
             </a:r>
             <a:r>
-              <a:rPr lang="zh-CN" altLang="zh-CN" sz="1800" dirty="0" smtClean="0"/>
+              <a:rPr lang="zh-CN" altLang="zh-CN" sz="1800" dirty="0"/>
               <a:t>           for (int k = 1; k &lt;= j; k++)</a:t>
             </a:r>
           </a:p>
@@ -10963,11 +10453,11 @@
               <a:buNone/>
             </a:pPr>
             <a:r>
-              <a:rPr lang="zh-CN" altLang="zh-CN" sz="1800" dirty="0" smtClean="0"/>
+              <a:rPr lang="zh-CN" altLang="zh-CN" sz="1800" dirty="0"/>
               <a:t>                 x = x+y;</a:t>
             </a:r>
             <a:r>
-              <a:rPr lang="en-US" altLang="zh-CN" sz="1800" dirty="0" smtClean="0"/>
+              <a:rPr lang="en-US" altLang="zh-CN" sz="1800" dirty="0"/>
               <a:t>  </a:t>
             </a:r>
           </a:p>
@@ -10977,23 +10467,23 @@
               <a:buNone/>
             </a:pPr>
             <a:r>
-              <a:rPr lang="en-US" altLang="zh-CN" sz="1800" dirty="0" smtClean="0"/>
+              <a:rPr lang="en-US" altLang="zh-CN" sz="1800" dirty="0"/>
               <a:t>     3)  </a:t>
             </a:r>
             <a:r>
-              <a:rPr lang="en-US" altLang="zh-CN" sz="1800" dirty="0" err="1" smtClean="0"/>
+              <a:rPr lang="en-US" altLang="zh-CN" sz="1800" dirty="0" err="1"/>
               <a:t>int</a:t>
             </a:r>
             <a:r>
-              <a:rPr lang="en-US" altLang="zh-CN" sz="1800" dirty="0" smtClean="0"/>
+              <a:rPr lang="en-US" altLang="zh-CN" sz="1800" dirty="0"/>
               <a:t> x = 91;  </a:t>
             </a:r>
             <a:r>
-              <a:rPr lang="en-US" altLang="zh-CN" sz="1800" dirty="0" err="1" smtClean="0"/>
+              <a:rPr lang="en-US" altLang="zh-CN" sz="1800" dirty="0" err="1"/>
               <a:t>int</a:t>
             </a:r>
             <a:r>
-              <a:rPr lang="en-US" altLang="zh-CN" sz="1800" dirty="0" smtClean="0"/>
+              <a:rPr lang="en-US" altLang="zh-CN" sz="1800" dirty="0"/>
               <a:t> y = 100;</a:t>
             </a:r>
           </a:p>
@@ -11003,7 +10493,7 @@
               <a:buNone/>
             </a:pPr>
             <a:r>
-              <a:rPr lang="en-US" altLang="zh-CN" sz="1800" dirty="0" smtClean="0"/>
+              <a:rPr lang="en-US" altLang="zh-CN" sz="1800" dirty="0"/>
               <a:t>            while(y&gt;0)</a:t>
             </a:r>
           </a:p>
@@ -11013,7 +10503,7 @@
               <a:buNone/>
             </a:pPr>
             <a:r>
-              <a:rPr lang="en-US" altLang="zh-CN" sz="1800" dirty="0" smtClean="0"/>
+              <a:rPr lang="en-US" altLang="zh-CN" sz="1800" dirty="0"/>
               <a:t>            {   if(x&gt;100) { x -= 10;  y--; } // (1)</a:t>
             </a:r>
           </a:p>
@@ -11023,7 +10513,7 @@
               <a:buNone/>
             </a:pPr>
             <a:r>
-              <a:rPr lang="en-US" altLang="zh-CN" sz="1800" dirty="0" smtClean="0"/>
+              <a:rPr lang="en-US" altLang="zh-CN" sz="1800" dirty="0"/>
               <a:t>                 else x++;  // (2)</a:t>
             </a:r>
           </a:p>
@@ -11033,7 +10523,7 @@
               <a:buNone/>
             </a:pPr>
             <a:r>
-              <a:rPr lang="en-US" altLang="zh-CN" sz="1800" dirty="0" smtClean="0"/>
+              <a:rPr lang="en-US" altLang="zh-CN" sz="1800" dirty="0"/>
               <a:t>             }</a:t>
             </a:r>
           </a:p>
@@ -11042,7 +10532,7 @@
               <a:buFontTx/>
               <a:buNone/>
             </a:pPr>
-            <a:endParaRPr lang="en-US" altLang="zh-CN" sz="2400" dirty="0" smtClean="0"/>
+            <a:endParaRPr lang="en-US" altLang="zh-CN" sz="2400" dirty="0"/>
           </a:p>
         </p:txBody>
       </p:sp>
@@ -11246,7 +10736,7 @@
                           <m:chr m:val="∑"/>
                           <m:ctrlPr>
                             <a:rPr lang="zh-CN" altLang="en-US" i="1" smtClean="0">
-                              <a:latin typeface="Cambria Math"/>
+                              <a:latin typeface="Cambria Math" panose="02040503050406030204" pitchFamily="18" charset="0"/>
                             </a:rPr>
                           </m:ctrlPr>
                         </m:naryPr>
@@ -11281,7 +10771,7 @@
                               <m:chr m:val="∑"/>
                               <m:ctrlPr>
                                 <a:rPr lang="en-US" altLang="zh-CN" i="1" smtClean="0">
-                                  <a:latin typeface="Cambria Math"/>
+                                  <a:latin typeface="Cambria Math" panose="02040503050406030204" pitchFamily="18" charset="0"/>
                                 </a:rPr>
                               </m:ctrlPr>
                             </m:naryPr>
@@ -11316,7 +10806,7 @@
                                   <m:chr m:val="∑"/>
                                   <m:ctrlPr>
                                     <a:rPr lang="en-US" altLang="zh-CN" i="1" smtClean="0">
-                                      <a:latin typeface="Cambria Math"/>
+                                      <a:latin typeface="Cambria Math" panose="02040503050406030204" pitchFamily="18" charset="0"/>
                                     </a:rPr>
                                   </m:ctrlPr>
                                 </m:naryPr>
@@ -11368,7 +10858,7 @@
                         <m:sSupPr>
                           <m:ctrlPr>
                             <a:rPr lang="en-US" altLang="zh-CN" b="0" i="1" smtClean="0">
-                              <a:latin typeface="Cambria Math"/>
+                              <a:latin typeface="Cambria Math" panose="02040503050406030204" pitchFamily="18" charset="0"/>
                             </a:rPr>
                           </m:ctrlPr>
                         </m:sSupPr>
@@ -11472,7 +10962,7 @@
                           <m:chr m:val="∑"/>
                           <m:ctrlPr>
                             <a:rPr lang="zh-CN" altLang="en-US" i="1" smtClean="0">
-                              <a:latin typeface="Cambria Math"/>
+                              <a:latin typeface="Cambria Math" panose="02040503050406030204" pitchFamily="18" charset="0"/>
                             </a:rPr>
                           </m:ctrlPr>
                         </m:naryPr>
@@ -11507,7 +10997,7 @@
                               <m:chr m:val="∑"/>
                               <m:ctrlPr>
                                 <a:rPr lang="en-US" altLang="zh-CN" i="1" smtClean="0">
-                                  <a:latin typeface="Cambria Math"/>
+                                  <a:latin typeface="Cambria Math" panose="02040503050406030204" pitchFamily="18" charset="0"/>
                                 </a:rPr>
                               </m:ctrlPr>
                             </m:naryPr>
@@ -11542,7 +11032,7 @@
                                   <m:chr m:val="∑"/>
                                   <m:ctrlPr>
                                     <a:rPr lang="en-US" altLang="zh-CN" i="1" smtClean="0">
-                                      <a:latin typeface="Cambria Math"/>
+                                      <a:latin typeface="Cambria Math" panose="02040503050406030204" pitchFamily="18" charset="0"/>
                                     </a:rPr>
                                   </m:ctrlPr>
                                 </m:naryPr>
@@ -11594,7 +11084,7 @@
                         <m:fPr>
                           <m:ctrlPr>
                             <a:rPr lang="en-US" altLang="zh-CN" b="0" i="1" smtClean="0">
-                              <a:latin typeface="Cambria Math"/>
+                              <a:latin typeface="Cambria Math" panose="02040503050406030204" pitchFamily="18" charset="0"/>
                             </a:rPr>
                           </m:ctrlPr>
                         </m:fPr>
@@ -11648,17 +11138,13 @@
                     </m:oMath>
                   </m:oMathPara>
                 </a14:m>
-                <a:endParaRPr lang="en-US" altLang="zh-CN" dirty="0" smtClean="0"/>
+                <a:endParaRPr lang="en-US" altLang="zh-CN" dirty="0"/>
               </a:p>
               <a:p>
                 <a:pPr algn="ctr"/>
                 <a:r>
                   <a:rPr lang="en-US" altLang="zh-CN" dirty="0"/>
-                  <a:t>1²+2²+3²+....+n²=n(n+1)(2n+1)/</a:t>
-                </a:r>
-                <a:r>
-                  <a:rPr lang="en-US" altLang="zh-CN" dirty="0" smtClean="0"/>
-                  <a:t>6</a:t>
+                  <a:t>1²+2²+3²+....+n²=n(n+1)(2n+1)/6</a:t>
                 </a:r>
                 <a:endParaRPr lang="zh-CN" altLang="en-US" dirty="0"/>
               </a:p>
@@ -11727,7 +11213,7 @@
           <a:lstStyle/>
           <a:p>
             <a:r>
-              <a:rPr lang="en-US" altLang="zh-CN" dirty="0" smtClean="0"/>
+              <a:rPr lang="en-US" altLang="zh-CN" dirty="0"/>
               <a:t>a</a:t>
             </a:r>
             <a:r>
@@ -11735,12 +11221,24 @@
               <a:t>：</a:t>
             </a:r>
             <a:r>
-              <a:rPr lang="en-US" altLang="zh-CN" dirty="0" smtClean="0"/>
+              <a:rPr lang="en-US" altLang="zh-CN" dirty="0"/>
               <a:t>(2)</a:t>
             </a:r>
             <a:r>
-              <a:rPr lang="zh-CN" altLang="en-US" dirty="0" smtClean="0"/>
-              <a:t>每</a:t>
+              <a:rPr lang="zh-CN" altLang="en-US" dirty="0"/>
+              <a:t>每执行</a:t>
+            </a:r>
+            <a:r>
+              <a:rPr lang="en-US" altLang="zh-CN" dirty="0"/>
+              <a:t>10</a:t>
+            </a:r>
+            <a:r>
+              <a:rPr lang="zh-CN" altLang="en-US" dirty="0"/>
+              <a:t>次，</a:t>
+            </a:r>
+            <a:r>
+              <a:rPr lang="en-US" altLang="zh-CN" dirty="0"/>
+              <a:t>(1)</a:t>
             </a:r>
             <a:r>
               <a:rPr lang="zh-CN" altLang="en-US" dirty="0"/>
@@ -11748,7 +11246,7 @@
             </a:r>
             <a:r>
               <a:rPr lang="en-US" altLang="zh-CN" dirty="0"/>
-              <a:t>10</a:t>
+              <a:t>1</a:t>
             </a:r>
             <a:r>
               <a:rPr lang="zh-CN" altLang="en-US" dirty="0"/>
@@ -11756,7 +11254,26 @@
             </a:r>
             <a:r>
               <a:rPr lang="en-US" altLang="zh-CN" dirty="0"/>
-              <a:t>(1)</a:t>
+              <a:t>y--1</a:t>
+            </a:r>
+            <a:r>
+              <a:rPr lang="zh-CN" altLang="en-US" dirty="0"/>
+              <a:t>次</a:t>
+            </a:r>
+            <a:endParaRPr lang="en-US" altLang="zh-CN" dirty="0"/>
+          </a:p>
+          <a:p>
+            <a:r>
+              <a:rPr lang="en-US" altLang="zh-CN" dirty="0"/>
+              <a:t>b</a:t>
+            </a:r>
+            <a:r>
+              <a:rPr lang="zh-CN" altLang="en-US" dirty="0"/>
+              <a:t>：</a:t>
+            </a:r>
+            <a:r>
+              <a:rPr lang="en-US" altLang="zh-CN" dirty="0"/>
+              <a:t>y--</a:t>
             </a:r>
             <a:r>
               <a:rPr lang="zh-CN" altLang="en-US" dirty="0"/>
@@ -11764,41 +11281,6 @@
             </a:r>
             <a:r>
               <a:rPr lang="en-US" altLang="zh-CN" dirty="0"/>
-              <a:t>1</a:t>
-            </a:r>
-            <a:r>
-              <a:rPr lang="zh-CN" altLang="en-US" dirty="0" smtClean="0"/>
-              <a:t>次，</a:t>
-            </a:r>
-            <a:r>
-              <a:rPr lang="en-US" altLang="zh-CN" dirty="0" smtClean="0"/>
-              <a:t>y--1</a:t>
-            </a:r>
-            <a:r>
-              <a:rPr lang="zh-CN" altLang="en-US" dirty="0" smtClean="0"/>
-              <a:t>次</a:t>
-            </a:r>
-            <a:endParaRPr lang="en-US" altLang="zh-CN" dirty="0"/>
-          </a:p>
-          <a:p>
-            <a:r>
-              <a:rPr lang="en-US" altLang="zh-CN" dirty="0" smtClean="0"/>
-              <a:t>b</a:t>
-            </a:r>
-            <a:r>
-              <a:rPr lang="zh-CN" altLang="en-US" dirty="0" smtClean="0"/>
-              <a:t>：</a:t>
-            </a:r>
-            <a:r>
-              <a:rPr lang="en-US" altLang="zh-CN" dirty="0" smtClean="0"/>
-              <a:t>y--</a:t>
-            </a:r>
-            <a:r>
-              <a:rPr lang="zh-CN" altLang="en-US" dirty="0" smtClean="0"/>
-              <a:t>执行</a:t>
-            </a:r>
-            <a:r>
-              <a:rPr lang="en-US" altLang="zh-CN" dirty="0"/>
               <a:t>100</a:t>
             </a:r>
             <a:r>
@@ -11809,54 +11291,53 @@
           </a:p>
           <a:p>
             <a:r>
-              <a:rPr lang="en-US" altLang="zh-CN" dirty="0" smtClean="0"/>
+              <a:rPr lang="en-US" altLang="zh-CN" dirty="0"/>
               <a:t>so</a:t>
             </a:r>
             <a:r>
-              <a:rPr lang="zh-CN" altLang="en-US" dirty="0" smtClean="0"/>
+              <a:rPr lang="zh-CN" altLang="en-US" dirty="0"/>
               <a:t>：</a:t>
             </a:r>
             <a:r>
-              <a:rPr lang="en-US" altLang="zh-CN" dirty="0" smtClean="0"/>
+              <a:rPr lang="en-US" altLang="zh-CN" dirty="0"/>
               <a:t>(1)</a:t>
             </a:r>
             <a:r>
-              <a:rPr lang="zh-CN" altLang="en-US" dirty="0" smtClean="0"/>
+              <a:rPr lang="zh-CN" altLang="en-US" dirty="0"/>
               <a:t>执行</a:t>
             </a:r>
             <a:r>
-              <a:rPr lang="en-US" altLang="zh-CN" dirty="0" smtClean="0"/>
+              <a:rPr lang="en-US" altLang="zh-CN" dirty="0"/>
               <a:t>100</a:t>
             </a:r>
             <a:r>
-              <a:rPr lang="zh-CN" altLang="en-US" dirty="0" smtClean="0"/>
+              <a:rPr lang="zh-CN" altLang="en-US" dirty="0"/>
               <a:t>次，</a:t>
             </a:r>
             <a:r>
-              <a:rPr lang="en-US" altLang="zh-CN" dirty="0" smtClean="0"/>
+              <a:rPr lang="en-US" altLang="zh-CN" dirty="0"/>
               <a:t>(2)</a:t>
             </a:r>
             <a:r>
-              <a:rPr lang="zh-CN" altLang="en-US" dirty="0" smtClean="0"/>
+              <a:rPr lang="zh-CN" altLang="en-US" dirty="0"/>
               <a:t>执行</a:t>
             </a:r>
             <a:r>
-              <a:rPr lang="en-US" altLang="zh-CN" dirty="0" smtClean="0"/>
+              <a:rPr lang="en-US" altLang="zh-CN" dirty="0"/>
               <a:t>100</a:t>
             </a:r>
             <a:r>
-              <a:rPr lang="zh-CN" altLang="en-US" dirty="0" smtClean="0"/>
+              <a:rPr lang="zh-CN" altLang="en-US" dirty="0"/>
               <a:t>*</a:t>
             </a:r>
             <a:r>
-              <a:rPr lang="en-US" altLang="zh-CN" dirty="0" smtClean="0"/>
+              <a:rPr lang="en-US" altLang="zh-CN" dirty="0"/>
               <a:t>10</a:t>
             </a:r>
             <a:r>
-              <a:rPr lang="zh-CN" altLang="en-US" dirty="0" smtClean="0"/>
+              <a:rPr lang="zh-CN" altLang="en-US" dirty="0"/>
               <a:t>次</a:t>
             </a:r>
-            <a:endParaRPr lang="zh-CN" altLang="en-US" dirty="0"/>
           </a:p>
         </p:txBody>
       </p:sp>
@@ -11870,13 +11351,6 @@
   <p:clrMapOvr>
     <a:masterClrMapping/>
   </p:clrMapOvr>
-  <p:timing>
-    <p:tnLst>
-      <p:par>
-        <p:cTn id="1" dur="indefinite" restart="never" nodeType="tmRoot"/>
-      </p:par>
-    </p:tnLst>
-  </p:timing>
 </p:sld>
 </file>
 
@@ -11913,10 +11387,9 @@
           <a:lstStyle/>
           <a:p>
             <a:r>
-              <a:rPr lang="zh-CN" altLang="en-US" dirty="0" smtClean="0"/>
+              <a:rPr lang="zh-CN" altLang="en-US" dirty="0"/>
               <a:t>注意</a:t>
             </a:r>
-            <a:endParaRPr lang="zh-CN" altLang="en-US" dirty="0"/>
           </a:p>
         </p:txBody>
       </p:sp>
@@ -11936,28 +11409,23 @@
           <a:lstStyle/>
           <a:p>
             <a:r>
-              <a:rPr lang="zh-CN" altLang="en-US" dirty="0" smtClean="0"/>
+              <a:rPr lang="zh-CN" altLang="en-US" dirty="0"/>
               <a:t>要有注释</a:t>
             </a:r>
-            <a:endParaRPr lang="en-US" altLang="zh-CN" dirty="0" smtClean="0"/>
+            <a:endParaRPr lang="en-US" altLang="zh-CN" dirty="0"/>
           </a:p>
           <a:p>
             <a:r>
               <a:rPr lang="zh-CN" altLang="en-US" dirty="0"/>
-              <a:t>要有</a:t>
-            </a:r>
-            <a:r>
-              <a:rPr lang="zh-CN" altLang="en-US" dirty="0" smtClean="0"/>
-              <a:t>过程</a:t>
-            </a:r>
-            <a:endParaRPr lang="en-US" altLang="zh-CN" dirty="0" smtClean="0"/>
-          </a:p>
-          <a:p>
-            <a:r>
-              <a:rPr lang="zh-CN" altLang="en-US" dirty="0" smtClean="0"/>
+              <a:t>要有过程</a:t>
+            </a:r>
+            <a:endParaRPr lang="en-US" altLang="zh-CN" dirty="0"/>
+          </a:p>
+          <a:p>
+            <a:r>
+              <a:rPr lang="zh-CN" altLang="en-US" dirty="0"/>
               <a:t>字体整洁</a:t>
             </a:r>
-            <a:endParaRPr lang="zh-CN" altLang="en-US" dirty="0"/>
           </a:p>
         </p:txBody>
       </p:sp>
@@ -11971,13 +11439,6 @@
   <p:clrMapOvr>
     <a:masterClrMapping/>
   </p:clrMapOvr>
-  <p:timing>
-    <p:tnLst>
-      <p:par>
-        <p:cTn id="1" dur="indefinite" restart="never" nodeType="tmRoot"/>
-      </p:par>
-    </p:tnLst>
-  </p:timing>
 </p:sld>
 </file>
 
@@ -12046,23 +11507,23 @@
               <a:buNone/>
             </a:pPr>
             <a:r>
-              <a:rPr lang="en-US" altLang="zh-CN" dirty="0" smtClean="0"/>
+              <a:rPr lang="en-US" altLang="zh-CN" dirty="0"/>
               <a:t>public </a:t>
             </a:r>
             <a:r>
-              <a:rPr lang="en-US" altLang="zh-CN" dirty="0" err="1" smtClean="0"/>
+              <a:rPr lang="en-US" altLang="zh-CN" dirty="0" err="1"/>
               <a:t>int</a:t>
             </a:r>
             <a:r>
-              <a:rPr lang="en-US" altLang="zh-CN" dirty="0" smtClean="0"/>
+              <a:rPr lang="en-US" altLang="zh-CN" dirty="0"/>
               <a:t> count(</a:t>
             </a:r>
             <a:r>
-              <a:rPr lang="en-US" altLang="zh-CN" dirty="0" err="1" smtClean="0"/>
+              <a:rPr lang="en-US" altLang="zh-CN" dirty="0" err="1"/>
               <a:t>int</a:t>
             </a:r>
             <a:r>
-              <a:rPr lang="en-US" altLang="zh-CN" dirty="0" smtClean="0"/>
+              <a:rPr lang="en-US" altLang="zh-CN" dirty="0"/>
               <a:t> n) {</a:t>
             </a:r>
           </a:p>
@@ -12071,7 +11532,7 @@
               <a:buNone/>
             </a:pPr>
             <a:r>
-              <a:rPr lang="en-US" altLang="zh-CN" dirty="0" smtClean="0"/>
+              <a:rPr lang="en-US" altLang="zh-CN" dirty="0"/>
               <a:t>    if(n==0) {</a:t>
             </a:r>
           </a:p>
@@ -12080,7 +11541,7 @@
               <a:buNone/>
             </a:pPr>
             <a:r>
-              <a:rPr lang="en-US" altLang="zh-CN" dirty="0" smtClean="0"/>
+              <a:rPr lang="en-US" altLang="zh-CN" dirty="0"/>
               <a:t>        return 0;              </a:t>
             </a:r>
           </a:p>
@@ -12089,7 +11550,7 @@
               <a:buNone/>
             </a:pPr>
             <a:r>
-              <a:rPr lang="en-US" altLang="zh-CN" dirty="0" smtClean="0"/>
+              <a:rPr lang="en-US" altLang="zh-CN" dirty="0"/>
               <a:t>    }</a:t>
             </a:r>
           </a:p>
@@ -12098,7 +11559,7 @@
               <a:buNone/>
             </a:pPr>
             <a:r>
-              <a:rPr lang="en-US" altLang="zh-CN" dirty="0" smtClean="0"/>
+              <a:rPr lang="en-US" altLang="zh-CN" dirty="0"/>
               <a:t>    else {</a:t>
             </a:r>
           </a:p>
@@ -12107,7 +11568,7 @@
               <a:buNone/>
             </a:pPr>
             <a:r>
-              <a:rPr lang="en-US" altLang="zh-CN" dirty="0" smtClean="0"/>
+              <a:rPr lang="en-US" altLang="zh-CN" dirty="0"/>
               <a:t>        return n%2 +count(n/2);</a:t>
             </a:r>
           </a:p>
@@ -12116,7 +11577,7 @@
               <a:buNone/>
             </a:pPr>
             <a:r>
-              <a:rPr lang="en-US" altLang="zh-CN" dirty="0" smtClean="0"/>
+              <a:rPr lang="en-US" altLang="zh-CN" dirty="0"/>
               <a:t>    }</a:t>
             </a:r>
           </a:p>
@@ -12125,7 +11586,7 @@
               <a:buNone/>
             </a:pPr>
             <a:r>
-              <a:rPr lang="en-US" altLang="zh-CN" dirty="0" smtClean="0"/>
+              <a:rPr lang="en-US" altLang="zh-CN" dirty="0"/>
               <a:t>}</a:t>
             </a:r>
           </a:p>
@@ -12139,33 +11600,22 @@
                 <a:latin typeface="Consolas" pitchFamily="49" charset="0"/>
                 <a:cs typeface="Consolas" pitchFamily="49" charset="0"/>
               </a:rPr>
-              <a:t>n==</a:t>
-            </a:r>
-            <a:r>
-              <a:rPr lang="en-US" altLang="zh-CN" dirty="0" smtClean="0">
-                <a:latin typeface="Consolas" pitchFamily="49" charset="0"/>
-                <a:cs typeface="Consolas" pitchFamily="49" charset="0"/>
-              </a:rPr>
-              <a:t>1</a:t>
-            </a:r>
-            <a:r>
-              <a:rPr lang="zh-CN" altLang="en-US" smtClean="0"/>
+              <a:t>n==1</a:t>
+            </a:r>
+            <a:r>
+              <a:rPr lang="zh-CN" altLang="en-US"/>
               <a:t>不用作为</a:t>
             </a:r>
             <a:r>
               <a:rPr lang="zh-CN" altLang="en-US" dirty="0"/>
-              <a:t>边界条件</a:t>
-            </a:r>
-            <a:r>
-              <a:rPr lang="zh-CN" altLang="en-US" dirty="0" smtClean="0"/>
-              <a:t>，每</a:t>
-            </a:r>
-            <a:r>
-              <a:rPr lang="zh-CN" altLang="en-US" smtClean="0"/>
+              <a:t>边界条件，每</a:t>
+            </a:r>
+            <a:r>
+              <a:rPr lang="zh-CN" altLang="en-US"/>
               <a:t>一次会多一</a:t>
             </a:r>
             <a:r>
-              <a:rPr lang="zh-CN" altLang="en-US" dirty="0" smtClean="0"/>
+              <a:rPr lang="zh-CN" altLang="en-US" dirty="0"/>
               <a:t>次判断。</a:t>
             </a:r>
             <a:endParaRPr lang="en-US" altLang="zh-CN" dirty="0"/>
@@ -12181,13 +11631,9 @@
             </a:r>
             <a:r>
               <a:rPr lang="zh-CN" altLang="en-US" dirty="0"/>
-              <a:t>的奇偶性</a:t>
-            </a:r>
-            <a:r>
-              <a:rPr lang="zh-CN" altLang="en-US" dirty="0" smtClean="0"/>
-              <a:t>。</a:t>
-            </a:r>
-            <a:endParaRPr lang="en-US" altLang="zh-CN" dirty="0" smtClean="0"/>
+              <a:t>的奇偶性。</a:t>
+            </a:r>
+            <a:endParaRPr lang="en-US" altLang="zh-CN" dirty="0"/>
           </a:p>
           <a:p>
             <a:endParaRPr lang="zh-CN" altLang="en-US" dirty="0"/>
@@ -12204,13 +11650,6 @@
   <p:clrMapOvr>
     <a:masterClrMapping/>
   </p:clrMapOvr>
-  <p:timing>
-    <p:tnLst>
-      <p:par>
-        <p:cTn id="1" dur="indefinite" restart="never" nodeType="tmRoot"/>
-      </p:par>
-    </p:tnLst>
-  </p:timing>
 </p:sld>
 </file>
 
@@ -12247,7 +11686,7 @@
           <a:lstStyle/>
           <a:p>
             <a:r>
-              <a:rPr lang="en-US" altLang="zh-CN" dirty="0" smtClean="0"/>
+              <a:rPr lang="en-US" altLang="zh-CN" dirty="0"/>
               <a:t>Exercises 2</a:t>
             </a:r>
             <a:endParaRPr lang="zh-CN" altLang="en-US" dirty="0"/>
@@ -12272,23 +11711,15 @@
           <a:lstStyle/>
           <a:p>
             <a:r>
-              <a:rPr lang="en-US" altLang="zh-CN" sz="2400" dirty="0" smtClean="0"/>
-              <a:t>Write </a:t>
-            </a:r>
-            <a:r>
               <a:rPr lang="en-US" altLang="zh-CN" sz="2400" dirty="0"/>
-              <a:t>the routines wise the following declarations:</a:t>
+              <a:t>Write the routines wise the following declarations:</a:t>
             </a:r>
           </a:p>
           <a:p>
             <a:pPr lvl="1"/>
             <a:r>
-              <a:rPr lang="en-US" altLang="zh-CN" sz="2400" dirty="0" smtClean="0"/>
-              <a:t>public </a:t>
-            </a:r>
-            <a:r>
               <a:rPr lang="en-US" altLang="zh-CN" sz="2400" dirty="0"/>
-              <a:t>void permute( String </a:t>
+              <a:t>public void permute( String </a:t>
             </a:r>
             <a:r>
               <a:rPr lang="en-US" altLang="zh-CN" sz="2400" dirty="0" err="1"/>
@@ -12302,12 +11733,8 @@
           <a:p>
             <a:pPr lvl="1"/>
             <a:r>
-              <a:rPr lang="en-US" altLang="zh-CN" sz="2400" dirty="0" smtClean="0"/>
-              <a:t>private </a:t>
-            </a:r>
-            <a:r>
               <a:rPr lang="en-US" altLang="zh-CN" sz="2400" dirty="0"/>
-              <a:t>void permute( char [ ] </a:t>
+              <a:t>private void permute( char [ ] </a:t>
             </a:r>
             <a:r>
               <a:rPr lang="en-US" altLang="zh-CN" sz="2400" dirty="0" err="1"/>
@@ -12331,30 +11758,14 @@
             </a:r>
             <a:r>
               <a:rPr lang="en-US" altLang="zh-CN" sz="2400" dirty="0"/>
-              <a:t> high </a:t>
-            </a:r>
-            <a:r>
-              <a:rPr lang="en-US" altLang="zh-CN" sz="2400" dirty="0" smtClean="0"/>
-              <a:t>)</a:t>
+              <a:t> high )</a:t>
             </a:r>
           </a:p>
           <a:p>
             <a:pPr lvl="1"/>
             <a:r>
-              <a:rPr lang="en-US" altLang="zh-CN" sz="2400" dirty="0" smtClean="0"/>
-              <a:t>The </a:t>
-            </a:r>
-            <a:r>
               <a:rPr lang="en-US" altLang="zh-CN" sz="2400" dirty="0"/>
-              <a:t>first routine is a driver that calls the second and prints all the </a:t>
-            </a:r>
-            <a:r>
-              <a:rPr lang="en-US" altLang="zh-CN" sz="2400" dirty="0" smtClean="0"/>
-              <a:t>permutations </a:t>
-            </a:r>
-            <a:r>
-              <a:rPr lang="en-US" altLang="zh-CN" sz="2400" dirty="0"/>
-              <a:t>of the characters in String str. If </a:t>
+              <a:t>The first routine is a driver that calls the second and prints all the permutations of the characters in String str. If </a:t>
             </a:r>
             <a:r>
               <a:rPr lang="en-US" altLang="zh-CN" sz="2400" dirty="0" err="1"/>
@@ -12418,25 +11829,21 @@
             </a:r>
             <a:r>
               <a:rPr lang="en-US" altLang="zh-CN" sz="2400" dirty="0"/>
-              <a:t>. Use recursion for the second routine</a:t>
-            </a:r>
-            <a:r>
-              <a:rPr lang="en-US" altLang="zh-CN" sz="2400" dirty="0" smtClean="0"/>
-              <a:t>.</a:t>
+              <a:t>. Use recursion for the second routine.</a:t>
             </a:r>
           </a:p>
           <a:p>
             <a:pPr marL="0" indent="0">
               <a:buNone/>
             </a:pPr>
-            <a:endParaRPr lang="en-US" altLang="zh-CN" sz="2400" dirty="0" smtClean="0"/>
-          </a:p>
-          <a:p>
-            <a:r>
-              <a:rPr lang="zh-CN" altLang="en-US" sz="2400" dirty="0" smtClean="0"/>
+            <a:endParaRPr lang="en-US" altLang="zh-CN" sz="2400" dirty="0"/>
+          </a:p>
+          <a:p>
+            <a:r>
+              <a:rPr lang="zh-CN" altLang="en-US" sz="2400" dirty="0"/>
               <a:t>全排列</a:t>
             </a:r>
-            <a:endParaRPr lang="en-US" altLang="zh-CN" sz="2400" dirty="0" smtClean="0"/>
+            <a:endParaRPr lang="en-US" altLang="zh-CN" sz="2400" dirty="0"/>
           </a:p>
           <a:p>
             <a:pPr lvl="1"/>
@@ -12524,7 +11931,7 @@
           <a:lstStyle/>
           <a:p>
             <a:r>
-              <a:rPr lang="en-US" altLang="zh-CN" dirty="0" err="1" smtClean="0"/>
+              <a:rPr lang="en-US" altLang="zh-CN" dirty="0" err="1"/>
               <a:t>abc</a:t>
             </a:r>
             <a:endParaRPr lang="zh-CN" altLang="en-US" dirty="0"/>
@@ -12554,7 +11961,7 @@
           <a:lstStyle/>
           <a:p>
             <a:r>
-              <a:rPr lang="en-US" altLang="zh-CN" dirty="0" err="1" smtClean="0">
+              <a:rPr lang="en-US" altLang="zh-CN" dirty="0" err="1">
                 <a:solidFill>
                   <a:srgbClr val="FF0000"/>
                 </a:solidFill>
@@ -12562,7 +11969,7 @@
               <a:t>a</a:t>
             </a:r>
             <a:r>
-              <a:rPr lang="en-US" altLang="zh-CN" dirty="0" err="1" smtClean="0"/>
+              <a:rPr lang="en-US" altLang="zh-CN" dirty="0" err="1"/>
               <a:t>bc</a:t>
             </a:r>
             <a:endParaRPr lang="zh-CN" altLang="en-US" dirty="0"/>
@@ -12592,7 +11999,7 @@
           <a:lstStyle/>
           <a:p>
             <a:r>
-              <a:rPr lang="en-US" altLang="zh-CN" dirty="0" err="1" smtClean="0">
+              <a:rPr lang="en-US" altLang="zh-CN" dirty="0" err="1">
                 <a:solidFill>
                   <a:srgbClr val="FF0000"/>
                 </a:solidFill>
@@ -12600,7 +12007,7 @@
               <a:t>b</a:t>
             </a:r>
             <a:r>
-              <a:rPr lang="en-US" altLang="zh-CN" dirty="0" err="1" smtClean="0"/>
+              <a:rPr lang="en-US" altLang="zh-CN" dirty="0" err="1"/>
               <a:t>ac</a:t>
             </a:r>
             <a:endParaRPr lang="zh-CN" altLang="en-US" dirty="0"/>
@@ -12630,7 +12037,7 @@
           <a:lstStyle/>
           <a:p>
             <a:r>
-              <a:rPr lang="en-US" altLang="zh-CN" dirty="0" err="1" smtClean="0">
+              <a:rPr lang="en-US" altLang="zh-CN" dirty="0" err="1">
                 <a:solidFill>
                   <a:srgbClr val="FF0000"/>
                 </a:solidFill>
@@ -12638,7 +12045,7 @@
               <a:t>c</a:t>
             </a:r>
             <a:r>
-              <a:rPr lang="en-US" altLang="zh-CN" dirty="0" err="1" smtClean="0"/>
+              <a:rPr lang="en-US" altLang="zh-CN" dirty="0" err="1"/>
               <a:t>ba</a:t>
             </a:r>
             <a:endParaRPr lang="zh-CN" altLang="en-US" dirty="0"/>
@@ -12668,7 +12075,7 @@
           <a:lstStyle/>
           <a:p>
             <a:r>
-              <a:rPr lang="en-US" altLang="zh-CN" dirty="0" err="1" smtClean="0">
+              <a:rPr lang="en-US" altLang="zh-CN" dirty="0" err="1">
                 <a:solidFill>
                   <a:srgbClr val="FF0000"/>
                 </a:solidFill>
@@ -12676,7 +12083,7 @@
               <a:t>a</a:t>
             </a:r>
             <a:r>
-              <a:rPr lang="en-US" altLang="zh-CN" dirty="0" err="1" smtClean="0">
+              <a:rPr lang="en-US" altLang="zh-CN" dirty="0" err="1">
                 <a:solidFill>
                   <a:srgbClr val="FFFF00"/>
                 </a:solidFill>
@@ -12684,7 +12091,7 @@
               <a:t>b</a:t>
             </a:r>
             <a:r>
-              <a:rPr lang="en-US" altLang="zh-CN" dirty="0" err="1" smtClean="0"/>
+              <a:rPr lang="en-US" altLang="zh-CN" dirty="0" err="1"/>
               <a:t>c</a:t>
             </a:r>
             <a:endParaRPr lang="zh-CN" altLang="en-US" dirty="0"/>
@@ -12714,7 +12121,7 @@
           <a:lstStyle/>
           <a:p>
             <a:r>
-              <a:rPr lang="en-US" altLang="zh-CN" dirty="0" err="1" smtClean="0">
+              <a:rPr lang="en-US" altLang="zh-CN" dirty="0" err="1">
                 <a:solidFill>
                   <a:srgbClr val="FF0000"/>
                 </a:solidFill>
@@ -12722,7 +12129,7 @@
               <a:t>a</a:t>
             </a:r>
             <a:r>
-              <a:rPr lang="en-US" altLang="zh-CN" dirty="0" err="1" smtClean="0">
+              <a:rPr lang="en-US" altLang="zh-CN" dirty="0" err="1">
                 <a:solidFill>
                   <a:srgbClr val="FFFF00"/>
                 </a:solidFill>
@@ -12730,7 +12137,7 @@
               <a:t>c</a:t>
             </a:r>
             <a:r>
-              <a:rPr lang="en-US" altLang="zh-CN" dirty="0" err="1" smtClean="0"/>
+              <a:rPr lang="en-US" altLang="zh-CN" dirty="0" err="1"/>
               <a:t>b</a:t>
             </a:r>
             <a:endParaRPr lang="zh-CN" altLang="en-US" dirty="0"/>
@@ -12996,7 +12403,7 @@
           <a:lstStyle/>
           <a:p>
             <a:r>
-              <a:rPr lang="en-US" altLang="zh-CN" dirty="0" err="1" smtClean="0">
+              <a:rPr lang="en-US" altLang="zh-CN" dirty="0" err="1">
                 <a:solidFill>
                   <a:srgbClr val="FF0000"/>
                 </a:solidFill>
@@ -13004,7 +12411,7 @@
               <a:t>a</a:t>
             </a:r>
             <a:r>
-              <a:rPr lang="en-US" altLang="zh-CN" dirty="0" err="1" smtClean="0">
+              <a:rPr lang="en-US" altLang="zh-CN" dirty="0" err="1">
                 <a:solidFill>
                   <a:srgbClr val="FFFF00"/>
                 </a:solidFill>
@@ -13012,7 +12419,7 @@
               <a:t>b</a:t>
             </a:r>
             <a:r>
-              <a:rPr lang="en-US" altLang="zh-CN" dirty="0" err="1" smtClean="0">
+              <a:rPr lang="en-US" altLang="zh-CN" dirty="0" err="1">
                 <a:solidFill>
                   <a:srgbClr val="00B050"/>
                 </a:solidFill>
@@ -13050,7 +12457,7 @@
           <a:lstStyle/>
           <a:p>
             <a:r>
-              <a:rPr lang="en-US" altLang="zh-CN" dirty="0" err="1" smtClean="0">
+              <a:rPr lang="en-US" altLang="zh-CN" dirty="0" err="1">
                 <a:solidFill>
                   <a:srgbClr val="FF0000"/>
                 </a:solidFill>
@@ -13058,7 +12465,7 @@
               <a:t>a</a:t>
             </a:r>
             <a:r>
-              <a:rPr lang="en-US" altLang="zh-CN" dirty="0" err="1" smtClean="0">
+              <a:rPr lang="en-US" altLang="zh-CN" dirty="0" err="1">
                 <a:solidFill>
                   <a:srgbClr val="FFFF00"/>
                 </a:solidFill>
@@ -13066,7 +12473,7 @@
               <a:t>c</a:t>
             </a:r>
             <a:r>
-              <a:rPr lang="en-US" altLang="zh-CN" dirty="0" err="1" smtClean="0">
+              <a:rPr lang="en-US" altLang="zh-CN" dirty="0" err="1">
                 <a:solidFill>
                   <a:srgbClr val="00B050"/>
                 </a:solidFill>
@@ -13185,13 +12592,6 @@
   <p:clrMapOvr>
     <a:masterClrMapping/>
   </p:clrMapOvr>
-  <p:timing>
-    <p:tnLst>
-      <p:par>
-        <p:cTn id="1" dur="indefinite" restart="never" nodeType="tmRoot"/>
-      </p:par>
-    </p:tnLst>
-  </p:timing>
 </p:sld>
 </file>
 
@@ -13239,22 +12639,22 @@
               <a:buNone/>
             </a:pPr>
             <a:r>
-              <a:rPr lang="en-US" altLang="zh-CN" sz="2800" dirty="0" smtClean="0"/>
+              <a:rPr lang="en-US" altLang="zh-CN" sz="2800" dirty="0"/>
               <a:t>// low</a:t>
             </a:r>
             <a:r>
-              <a:rPr lang="zh-CN" altLang="en-US" sz="2800" dirty="0" smtClean="0"/>
+              <a:rPr lang="zh-CN" altLang="en-US" sz="2800" dirty="0"/>
               <a:t>和</a:t>
             </a:r>
             <a:r>
-              <a:rPr lang="en-US" altLang="zh-CN" sz="2800" dirty="0" smtClean="0"/>
+              <a:rPr lang="en-US" altLang="zh-CN" sz="2800" dirty="0"/>
               <a:t>high</a:t>
             </a:r>
             <a:r>
-              <a:rPr lang="zh-CN" altLang="en-US" sz="2800" dirty="0" smtClean="0"/>
+              <a:rPr lang="zh-CN" altLang="en-US" sz="2800" dirty="0"/>
               <a:t>标记进行全排列的字母的范围</a:t>
             </a:r>
-            <a:endParaRPr lang="en-US" altLang="zh-CN" sz="2800" dirty="0" smtClean="0"/>
+            <a:endParaRPr lang="en-US" altLang="zh-CN" sz="2800" dirty="0"/>
           </a:p>
           <a:p>
             <a:pPr eaLnBrk="1" hangingPunct="1">
@@ -13262,12 +12662,8 @@
               <a:buNone/>
             </a:pPr>
             <a:r>
-              <a:rPr lang="en-US" altLang="zh-CN" sz="2800" dirty="0" smtClean="0"/>
-              <a:t>public </a:t>
-            </a:r>
-            <a:r>
               <a:rPr lang="en-US" altLang="zh-CN" sz="2800" dirty="0"/>
-              <a:t>void perm(char[] </a:t>
+              <a:t>public void perm(char[] </a:t>
             </a:r>
             <a:r>
               <a:rPr lang="en-US" altLang="zh-CN" sz="2800" dirty="0" err="1"/>
@@ -13300,12 +12696,8 @@
               <a:buNone/>
             </a:pPr>
             <a:r>
-              <a:rPr lang="en-US" altLang="zh-CN" sz="2800" dirty="0" smtClean="0"/>
-              <a:t>    if </a:t>
-            </a:r>
-            <a:r>
               <a:rPr lang="en-US" altLang="zh-CN" sz="2800" dirty="0"/>
-              <a:t>(low==high) {</a:t>
+              <a:t>    if (low==high) {</a:t>
             </a:r>
           </a:p>
           <a:p>
@@ -13314,18 +12706,17 @@
               <a:buNone/>
             </a:pPr>
             <a:r>
-              <a:rPr lang="en-US" altLang="zh-CN" sz="2800" dirty="0" smtClean="0"/>
+              <a:rPr lang="en-US" altLang="zh-CN" sz="2800" dirty="0"/>
               <a:t>        for (char c : </a:t>
             </a:r>
             <a:r>
-              <a:rPr lang="en-US" altLang="zh-CN" sz="2800" dirty="0" err="1" smtClean="0"/>
+              <a:rPr lang="en-US" altLang="zh-CN" sz="2800" dirty="0" err="1"/>
               <a:t>str</a:t>
             </a:r>
             <a:r>
-              <a:rPr lang="en-US" altLang="zh-CN" sz="2800" dirty="0" smtClean="0"/>
+              <a:rPr lang="en-US" altLang="zh-CN" sz="2800" dirty="0"/>
               <a:t>)</a:t>
             </a:r>
-            <a:endParaRPr lang="en-US" altLang="zh-CN" sz="2800" dirty="0"/>
           </a:p>
           <a:p>
             <a:pPr eaLnBrk="1" hangingPunct="1">
@@ -13333,26 +12724,17 @@
               <a:buNone/>
             </a:pPr>
             <a:r>
-              <a:rPr lang="en-US" altLang="zh-CN" sz="2800" dirty="0" smtClean="0"/>
+              <a:rPr lang="en-US" altLang="zh-CN" sz="2800" dirty="0"/>
               <a:t>            </a:t>
             </a:r>
             <a:r>
-              <a:rPr lang="en-US" altLang="zh-CN" sz="2800" dirty="0" err="1" smtClean="0"/>
+              <a:rPr lang="en-US" altLang="zh-CN" sz="2800" dirty="0" err="1"/>
               <a:t>cout</a:t>
             </a:r>
             <a:r>
-              <a:rPr lang="en-US" altLang="zh-CN" sz="2800" dirty="0" smtClean="0"/>
-              <a:t> </a:t>
-            </a:r>
-            <a:r>
               <a:rPr lang="en-US" altLang="zh-CN" sz="2800" dirty="0"/>
-              <a:t>&lt;&lt; </a:t>
-            </a:r>
-            <a:r>
-              <a:rPr lang="en-US" altLang="zh-CN" sz="2800" dirty="0" smtClean="0"/>
-              <a:t>c;</a:t>
-            </a:r>
-            <a:endParaRPr lang="en-US" altLang="zh-CN" sz="2800" dirty="0"/>
+              <a:t> &lt;&lt; c;</a:t>
+            </a:r>
           </a:p>
           <a:p>
             <a:pPr eaLnBrk="1" hangingPunct="1">
@@ -13360,27 +12742,23 @@
               <a:buNone/>
             </a:pPr>
             <a:r>
-              <a:rPr lang="en-US" altLang="zh-CN" sz="2800" dirty="0" smtClean="0"/>
+              <a:rPr lang="en-US" altLang="zh-CN" sz="2800" dirty="0"/>
               <a:t>        </a:t>
             </a:r>
             <a:r>
-              <a:rPr lang="en-US" altLang="zh-CN" sz="2800" dirty="0" err="1" smtClean="0"/>
+              <a:rPr lang="en-US" altLang="zh-CN" sz="2800" dirty="0" err="1"/>
               <a:t>cout</a:t>
             </a:r>
             <a:r>
-              <a:rPr lang="en-US" altLang="zh-CN" sz="2800" dirty="0" smtClean="0"/>
-              <a:t> </a:t>
-            </a:r>
-            <a:r>
               <a:rPr lang="en-US" altLang="zh-CN" sz="2800" dirty="0"/>
-              <a:t>&lt;&lt; </a:t>
+              <a:t> &lt;&lt; </a:t>
             </a:r>
             <a:r>
               <a:rPr lang="en-US" altLang="zh-CN" sz="2800" dirty="0" err="1"/>
               <a:t>endl</a:t>
             </a:r>
             <a:r>
-              <a:rPr lang="en-US" altLang="zh-CN" sz="2800" dirty="0" smtClean="0"/>
+              <a:rPr lang="en-US" altLang="zh-CN" sz="2800" dirty="0"/>
               <a:t>;</a:t>
             </a:r>
           </a:p>
@@ -13390,12 +12768,8 @@
               <a:buNone/>
             </a:pPr>
             <a:r>
-              <a:rPr lang="en-US" altLang="zh-CN" sz="2800" dirty="0" smtClean="0"/>
-              <a:t>    } else </a:t>
-            </a:r>
-            <a:r>
               <a:rPr lang="en-US" altLang="zh-CN" sz="2800" dirty="0"/>
-              <a:t>{</a:t>
+              <a:t>    } else {</a:t>
             </a:r>
           </a:p>
           <a:p>
@@ -13404,12 +12778,8 @@
               <a:buNone/>
             </a:pPr>
             <a:r>
-              <a:rPr lang="en-US" altLang="zh-CN" sz="2800" dirty="0" smtClean="0"/>
-              <a:t>        for </a:t>
-            </a:r>
-            <a:r>
               <a:rPr lang="en-US" altLang="zh-CN" sz="2800" dirty="0"/>
-              <a:t>(</a:t>
+              <a:t>        for (</a:t>
             </a:r>
             <a:r>
               <a:rPr lang="en-US" altLang="zh-CN" sz="2800" dirty="0" err="1"/>
@@ -13441,11 +12811,7 @@
             </a:r>
             <a:r>
               <a:rPr lang="en-US" altLang="zh-CN" sz="2800" dirty="0"/>
-              <a:t>++) </a:t>
-            </a:r>
-            <a:r>
-              <a:rPr lang="en-US" altLang="zh-CN" sz="2800" dirty="0" smtClean="0"/>
-              <a:t>{</a:t>
+              <a:t>++) {</a:t>
             </a:r>
           </a:p>
           <a:p>
@@ -13454,11 +12820,11 @@
               <a:buNone/>
             </a:pPr>
             <a:r>
-              <a:rPr lang="en-US" altLang="zh-CN" sz="2800" dirty="0" smtClean="0"/>
+              <a:rPr lang="en-US" altLang="zh-CN" sz="2800" dirty="0"/>
               <a:t>            swap(</a:t>
             </a:r>
             <a:r>
-              <a:rPr lang="en-US" altLang="zh-CN" sz="2800" dirty="0" err="1" smtClean="0"/>
+              <a:rPr lang="en-US" altLang="zh-CN" sz="2800" dirty="0" err="1"/>
               <a:t>str</a:t>
             </a:r>
             <a:r>
@@ -13473,7 +12839,6 @@
               <a:rPr lang="en-US" altLang="zh-CN" sz="2800" dirty="0"/>
               <a:t>); </a:t>
             </a:r>
-            <a:endParaRPr lang="en-US" altLang="zh-CN" sz="2800" dirty="0" smtClean="0"/>
           </a:p>
           <a:p>
             <a:pPr eaLnBrk="1" hangingPunct="1">
@@ -13481,22 +12846,17 @@
               <a:buNone/>
             </a:pPr>
             <a:r>
-              <a:rPr lang="en-US" altLang="zh-CN" sz="2800" dirty="0" smtClean="0"/>
+              <a:rPr lang="en-US" altLang="zh-CN" sz="2800" dirty="0"/>
               <a:t>            permute(</a:t>
             </a:r>
             <a:r>
-              <a:rPr lang="en-US" altLang="zh-CN" sz="2800" dirty="0" err="1" smtClean="0"/>
+              <a:rPr lang="en-US" altLang="zh-CN" sz="2800" dirty="0" err="1"/>
               <a:t>str</a:t>
             </a:r>
             <a:r>
               <a:rPr lang="en-US" altLang="zh-CN" sz="2800" dirty="0"/>
-              <a:t>, low+1, high</a:t>
-            </a:r>
-            <a:r>
-              <a:rPr lang="en-US" altLang="zh-CN" sz="2800" dirty="0" smtClean="0"/>
-              <a:t>);</a:t>
-            </a:r>
-            <a:endParaRPr lang="en-US" altLang="zh-CN" sz="2800" dirty="0"/>
+              <a:t>, low+1, high);</a:t>
+            </a:r>
           </a:p>
           <a:p>
             <a:pPr eaLnBrk="1" hangingPunct="1">
@@ -13504,11 +12864,11 @@
               <a:buNone/>
             </a:pPr>
             <a:r>
-              <a:rPr lang="en-US" altLang="zh-CN" sz="2800" dirty="0" smtClean="0"/>
+              <a:rPr lang="en-US" altLang="zh-CN" sz="2800" dirty="0"/>
               <a:t>            swap(</a:t>
             </a:r>
             <a:r>
-              <a:rPr lang="en-US" altLang="zh-CN" sz="2800" dirty="0" err="1" smtClean="0"/>
+              <a:rPr lang="en-US" altLang="zh-CN" sz="2800" dirty="0" err="1"/>
               <a:t>str</a:t>
             </a:r>
             <a:r>
@@ -13520,7 +12880,7 @@
               <a:t>i</a:t>
             </a:r>
             <a:r>
-              <a:rPr lang="en-US" altLang="zh-CN" sz="2800" dirty="0" smtClean="0"/>
+              <a:rPr lang="en-US" altLang="zh-CN" sz="2800" dirty="0"/>
               <a:t>);</a:t>
             </a:r>
           </a:p>
@@ -13530,7 +12890,7 @@
               <a:buNone/>
             </a:pPr>
             <a:r>
-              <a:rPr lang="en-US" altLang="zh-CN" sz="2800" dirty="0" smtClean="0"/>
+              <a:rPr lang="en-US" altLang="zh-CN" sz="2800" dirty="0"/>
               <a:t>        }</a:t>
             </a:r>
           </a:p>
@@ -13540,10 +12900,9 @@
               <a:buNone/>
             </a:pPr>
             <a:r>
-              <a:rPr lang="en-US" altLang="zh-CN" sz="2800" dirty="0" smtClean="0"/>
+              <a:rPr lang="en-US" altLang="zh-CN" sz="2800" dirty="0"/>
               <a:t>    }</a:t>
             </a:r>
-            <a:endParaRPr lang="en-US" altLang="zh-CN" sz="2800" dirty="0"/>
           </a:p>
           <a:p>
             <a:pPr eaLnBrk="1" hangingPunct="1">
@@ -13568,13 +12927,6 @@
   <p:clrMapOvr>
     <a:masterClrMapping/>
   </p:clrMapOvr>
-  <p:timing>
-    <p:tnLst>
-      <p:par>
-        <p:cTn id="1" dur="indefinite" restart="never" nodeType="tmRoot"/>
-      </p:par>
-    </p:tnLst>
-  </p:timing>
 </p:sld>
 </file>
 
@@ -13611,10 +12963,9 @@
           <a:lstStyle/>
           <a:p>
             <a:r>
-              <a:rPr lang="zh-CN" altLang="en-US" dirty="0" smtClean="0"/>
+              <a:rPr lang="zh-CN" altLang="en-US" dirty="0"/>
               <a:t>交换函数</a:t>
             </a:r>
-            <a:endParaRPr lang="zh-CN" altLang="en-US" dirty="0"/>
           </a:p>
         </p:txBody>
       </p:sp>
@@ -13637,7 +12988,7 @@
               <a:buNone/>
             </a:pPr>
             <a:r>
-              <a:rPr lang="en-US" altLang="zh-CN" dirty="0" smtClean="0"/>
+              <a:rPr lang="en-US" altLang="zh-CN" dirty="0"/>
               <a:t>//</a:t>
             </a:r>
             <a:r>
@@ -13652,19 +13003,14 @@
               <a:rPr lang="en-US" altLang="zh-CN" dirty="0"/>
               <a:t>(passed by reference) </a:t>
             </a:r>
-            <a:endParaRPr lang="en-US" altLang="zh-CN" dirty="0" smtClean="0"/>
           </a:p>
           <a:p>
             <a:pPr marL="0" indent="0">
               <a:buNone/>
             </a:pPr>
             <a:r>
-              <a:rPr lang="en-US" altLang="zh-CN" dirty="0" smtClean="0"/>
-              <a:t>void </a:t>
-            </a:r>
-            <a:r>
-              <a:rPr lang="en-US" altLang="zh-CN" dirty="0"/>
-              <a:t>swap(char[] </a:t>
+              <a:rPr lang="en-US" altLang="zh-CN" dirty="0"/>
+              <a:t>void swap(char[] </a:t>
             </a:r>
             <a:r>
               <a:rPr lang="en-US" altLang="zh-CN" dirty="0" err="1"/>
@@ -13696,25 +13042,16 @@
             </a:r>
             <a:r>
               <a:rPr lang="en-US" altLang="zh-CN" dirty="0"/>
-              <a:t> j</a:t>
-            </a:r>
-            <a:r>
-              <a:rPr lang="en-US" altLang="zh-CN" dirty="0" smtClean="0"/>
-              <a:t>) {</a:t>
-            </a:r>
-            <a:endParaRPr lang="en-US" altLang="zh-CN" dirty="0"/>
+              <a:t> j) {</a:t>
+            </a:r>
           </a:p>
           <a:p>
             <a:pPr marL="0" indent="0">
               <a:buNone/>
             </a:pPr>
             <a:r>
-              <a:rPr lang="en-US" altLang="zh-CN" dirty="0" smtClean="0"/>
-              <a:t>    char </a:t>
-            </a:r>
-            <a:r>
-              <a:rPr lang="en-US" altLang="zh-CN" dirty="0"/>
-              <a:t>temp=</a:t>
+              <a:rPr lang="en-US" altLang="zh-CN" dirty="0"/>
+              <a:t>    char temp=</a:t>
             </a:r>
             <a:r>
               <a:rPr lang="en-US" altLang="zh-CN" dirty="0" err="1"/>
@@ -13738,24 +13075,8 @@
               <a:buNone/>
             </a:pPr>
             <a:r>
-              <a:rPr lang="en-US" altLang="zh-CN" dirty="0" smtClean="0"/>
+              <a:rPr lang="en-US" altLang="zh-CN" dirty="0"/>
               <a:t>    </a:t>
-            </a:r>
-            <a:r>
-              <a:rPr lang="en-US" altLang="zh-CN" dirty="0" err="1" smtClean="0"/>
-              <a:t>str</a:t>
-            </a:r>
-            <a:r>
-              <a:rPr lang="en-US" altLang="zh-CN" dirty="0" smtClean="0"/>
-              <a:t>[</a:t>
-            </a:r>
-            <a:r>
-              <a:rPr lang="en-US" altLang="zh-CN" dirty="0" err="1" smtClean="0"/>
-              <a:t>i</a:t>
-            </a:r>
-            <a:r>
-              <a:rPr lang="en-US" altLang="zh-CN" dirty="0"/>
-              <a:t>]=</a:t>
             </a:r>
             <a:r>
               <a:rPr lang="en-US" altLang="zh-CN" dirty="0" err="1"/>
@@ -13763,6 +13084,22 @@
             </a:r>
             <a:r>
               <a:rPr lang="en-US" altLang="zh-CN" dirty="0"/>
+              <a:t>[</a:t>
+            </a:r>
+            <a:r>
+              <a:rPr lang="en-US" altLang="zh-CN" dirty="0" err="1"/>
+              <a:t>i</a:t>
+            </a:r>
+            <a:r>
+              <a:rPr lang="en-US" altLang="zh-CN" dirty="0"/>
+              <a:t>]=</a:t>
+            </a:r>
+            <a:r>
+              <a:rPr lang="en-US" altLang="zh-CN" dirty="0" err="1"/>
+              <a:t>str</a:t>
+            </a:r>
+            <a:r>
+              <a:rPr lang="en-US" altLang="zh-CN" dirty="0"/>
               <a:t>[j];</a:t>
             </a:r>
           </a:p>
@@ -13771,20 +13108,16 @@
               <a:buNone/>
             </a:pPr>
             <a:r>
-              <a:rPr lang="en-US" altLang="zh-CN" dirty="0" smtClean="0"/>
+              <a:rPr lang="en-US" altLang="zh-CN" dirty="0"/>
               <a:t>    </a:t>
             </a:r>
             <a:r>
-              <a:rPr lang="en-US" altLang="zh-CN" dirty="0" err="1" smtClean="0"/>
+              <a:rPr lang="en-US" altLang="zh-CN" dirty="0" err="1"/>
               <a:t>str</a:t>
             </a:r>
             <a:r>
-              <a:rPr lang="en-US" altLang="zh-CN" dirty="0" smtClean="0"/>
-              <a:t>[j</a:t>
-            </a:r>
-            <a:r>
-              <a:rPr lang="en-US" altLang="zh-CN" dirty="0"/>
-              <a:t>]=temp;</a:t>
+              <a:rPr lang="en-US" altLang="zh-CN" dirty="0"/>
+              <a:t>[j]=temp;</a:t>
             </a:r>
           </a:p>
           <a:p>
@@ -13792,10 +13125,9 @@
               <a:buNone/>
             </a:pPr>
             <a:r>
-              <a:rPr lang="en-US" altLang="zh-CN" dirty="0" smtClean="0"/>
+              <a:rPr lang="en-US" altLang="zh-CN" dirty="0"/>
               <a:t>}</a:t>
             </a:r>
-            <a:endParaRPr lang="en-US" altLang="zh-CN" dirty="0"/>
           </a:p>
         </p:txBody>
       </p:sp>
@@ -13809,13 +13141,6 @@
   <p:clrMapOvr>
     <a:masterClrMapping/>
   </p:clrMapOvr>
-  <p:timing>
-    <p:tnLst>
-      <p:par>
-        <p:cTn id="1" dur="indefinite" restart="never" nodeType="tmRoot"/>
-      </p:par>
-    </p:tnLst>
-  </p:timing>
 </p:sld>
 </file>
 
@@ -13852,7 +13177,7 @@
           <a:lstStyle/>
           <a:p>
             <a:r>
-              <a:rPr lang="en-US" altLang="zh-CN" dirty="0" smtClean="0"/>
+              <a:rPr lang="en-US" altLang="zh-CN" dirty="0"/>
               <a:t>Exercises 3</a:t>
             </a:r>
             <a:endParaRPr lang="zh-CN" altLang="en-US" dirty="0"/>
@@ -13880,7 +13205,7 @@
               <a:buNone/>
             </a:pPr>
             <a:r>
-              <a:rPr lang="zh-CN" altLang="en-US" sz="2400" dirty="0" smtClean="0"/>
+              <a:rPr lang="zh-CN" altLang="en-US" sz="2400" dirty="0"/>
               <a:t>已知</a:t>
             </a:r>
             <a:r>
@@ -13897,7 +13222,7 @@
               <a:buNone/>
             </a:pPr>
             <a:r>
-              <a:rPr lang="en-US" altLang="zh-CN" sz="2400" dirty="0" smtClean="0"/>
+              <a:rPr lang="en-US" altLang="zh-CN" sz="2400" dirty="0"/>
               <a:t>1</a:t>
             </a:r>
             <a:r>
@@ -13918,7 +13243,7 @@
               <a:buNone/>
             </a:pPr>
             <a:r>
-              <a:rPr lang="en-US" altLang="zh-CN" sz="2400" dirty="0" smtClean="0"/>
+              <a:rPr lang="en-US" altLang="zh-CN" sz="2400" dirty="0"/>
               <a:t>2</a:t>
             </a:r>
             <a:r>
@@ -13947,13 +13272,6 @@
   <p:clrMapOvr>
     <a:masterClrMapping/>
   </p:clrMapOvr>
-  <p:timing>
-    <p:tnLst>
-      <p:par>
-        <p:cTn id="1" dur="indefinite" restart="never" nodeType="tmRoot"/>
-      </p:par>
-    </p:tnLst>
-  </p:timing>
 </p:sld>
 </file>
 
@@ -13990,11 +13308,11 @@
           <a:lstStyle/>
           <a:p>
             <a:r>
-              <a:rPr lang="zh-CN" altLang="en-US" dirty="0" smtClean="0"/>
+              <a:rPr lang="zh-CN" altLang="en-US" dirty="0"/>
               <a:t>数组中最大整数</a:t>
             </a:r>
             <a:r>
-              <a:rPr lang="en-US" altLang="zh-CN" dirty="0" smtClean="0"/>
+              <a:rPr lang="en-US" altLang="zh-CN" dirty="0"/>
               <a:t>(1)</a:t>
             </a:r>
             <a:endParaRPr lang="zh-CN" altLang="en-US" dirty="0"/>
@@ -14017,51 +13335,51 @@
           <a:lstStyle/>
           <a:p>
             <a:r>
-              <a:rPr lang="zh-CN" altLang="en-US" dirty="0" smtClean="0"/>
+              <a:rPr lang="zh-CN" altLang="en-US" dirty="0"/>
               <a:t>将数组中前</a:t>
             </a:r>
             <a:r>
-              <a:rPr lang="en-US" altLang="zh-CN" dirty="0" smtClean="0"/>
+              <a:rPr lang="en-US" altLang="zh-CN" dirty="0"/>
               <a:t>n-1</a:t>
             </a:r>
             <a:r>
-              <a:rPr lang="zh-CN" altLang="en-US" dirty="0" smtClean="0"/>
+              <a:rPr lang="zh-CN" altLang="en-US" dirty="0"/>
               <a:t>个数的最大值与第</a:t>
             </a:r>
             <a:r>
-              <a:rPr lang="en-US" altLang="zh-CN" dirty="0" smtClean="0"/>
+              <a:rPr lang="en-US" altLang="zh-CN" dirty="0"/>
               <a:t>n</a:t>
             </a:r>
             <a:r>
-              <a:rPr lang="zh-CN" altLang="en-US" dirty="0" smtClean="0"/>
+              <a:rPr lang="zh-CN" altLang="en-US" dirty="0"/>
               <a:t>个数比较，返回较大的。</a:t>
             </a:r>
-            <a:endParaRPr lang="en-US" altLang="zh-CN" dirty="0" smtClean="0"/>
+            <a:endParaRPr lang="en-US" altLang="zh-CN" dirty="0"/>
           </a:p>
           <a:p>
             <a:pPr lvl="1"/>
             <a:r>
-              <a:rPr lang="zh-CN" altLang="en-US" dirty="0" smtClean="0"/>
+              <a:rPr lang="zh-CN" altLang="en-US" dirty="0"/>
               <a:t>边界条件</a:t>
             </a:r>
             <a:r>
-              <a:rPr lang="zh-CN" altLang="en-US" dirty="0" smtClean="0">
+              <a:rPr lang="zh-CN" altLang="en-US" dirty="0">
                 <a:sym typeface="Wingdings" pitchFamily="2" charset="2"/>
               </a:rPr>
               <a:t>：</a:t>
             </a:r>
             <a:r>
-              <a:rPr lang="en-US" altLang="zh-CN" dirty="0" smtClean="0">
+              <a:rPr lang="en-US" altLang="zh-CN" dirty="0">
                 <a:sym typeface="Wingdings" pitchFamily="2" charset="2"/>
               </a:rPr>
               <a:t>(</a:t>
             </a:r>
             <a:r>
-              <a:rPr lang="en-US" altLang="zh-CN" dirty="0" smtClean="0"/>
+              <a:rPr lang="en-US" altLang="zh-CN" dirty="0"/>
               <a:t>n==1)</a:t>
             </a:r>
             <a:r>
-              <a:rPr lang="zh-CN" altLang="en-US" dirty="0" smtClean="0"/>
+              <a:rPr lang="zh-CN" altLang="en-US" dirty="0"/>
               <a:t>。</a:t>
             </a:r>
             <a:endParaRPr lang="en-US" altLang="zh-CN" dirty="0">
@@ -14073,18 +13391,14 @@
             <a:pPr lvl="1"/>
             <a:r>
               <a:rPr lang="zh-CN" altLang="en-US" dirty="0"/>
-              <a:t>递归返回段</a:t>
-            </a:r>
-            <a:r>
-              <a:rPr lang="zh-CN" altLang="en-US" dirty="0" smtClean="0"/>
-              <a:t>：返回</a:t>
-            </a:r>
-            <a:r>
-              <a:rPr lang="en-US" altLang="zh-CN" dirty="0" smtClean="0"/>
+              <a:t>递归返回段：返回</a:t>
+            </a:r>
+            <a:r>
+              <a:rPr lang="en-US" altLang="zh-CN" dirty="0"/>
               <a:t>a[0]</a:t>
             </a:r>
             <a:r>
-              <a:rPr lang="zh-CN" altLang="en-US" dirty="0" smtClean="0"/>
+              <a:rPr lang="zh-CN" altLang="en-US" dirty="0"/>
               <a:t>。</a:t>
             </a:r>
             <a:endParaRPr lang="en-US" altLang="zh-CN" dirty="0">
@@ -14096,46 +13410,30 @@
             <a:pPr lvl="1"/>
             <a:r>
               <a:rPr lang="zh-CN" altLang="en-US" dirty="0"/>
-              <a:t>递归前进段</a:t>
-            </a:r>
-            <a:r>
-              <a:rPr lang="zh-CN" altLang="en-US" dirty="0" smtClean="0"/>
-              <a:t>：</a:t>
+              <a:t>递归前进段：将剩下的</a:t>
+            </a:r>
+            <a:r>
+              <a:rPr lang="en-US" altLang="zh-CN" dirty="0"/>
+              <a:t>n</a:t>
             </a:r>
             <a:r>
               <a:rPr lang="zh-CN" altLang="en-US" dirty="0"/>
-              <a:t>将</a:t>
-            </a:r>
-            <a:r>
-              <a:rPr lang="zh-CN" altLang="en-US" dirty="0" smtClean="0"/>
-              <a:t>剩下的</a:t>
+              <a:t>个数的前</a:t>
+            </a:r>
+            <a:r>
+              <a:rPr lang="en-US" altLang="zh-CN" dirty="0"/>
+              <a:t>n-1</a:t>
+            </a:r>
+            <a:r>
+              <a:rPr lang="zh-CN" altLang="en-US" dirty="0"/>
+              <a:t>个数的最大值与第</a:t>
             </a:r>
             <a:r>
               <a:rPr lang="en-US" altLang="zh-CN" dirty="0"/>
               <a:t>n</a:t>
             </a:r>
             <a:r>
-              <a:rPr lang="zh-CN" altLang="en-US" dirty="0" smtClean="0"/>
-              <a:t>个数的前</a:t>
-            </a:r>
-            <a:r>
-              <a:rPr lang="en-US" altLang="zh-CN" dirty="0"/>
-              <a:t>n</a:t>
-            </a:r>
-            <a:r>
-              <a:rPr lang="en-US" altLang="zh-CN" dirty="0" smtClean="0"/>
-              <a:t>-1</a:t>
-            </a:r>
-            <a:r>
-              <a:rPr lang="zh-CN" altLang="en-US" dirty="0" smtClean="0"/>
-              <a:t>个数的最大值与第</a:t>
-            </a:r>
-            <a:r>
-              <a:rPr lang="en-US" altLang="zh-CN" dirty="0"/>
-              <a:t>n</a:t>
-            </a:r>
-            <a:r>
-              <a:rPr lang="zh-CN" altLang="en-US" dirty="0" smtClean="0"/>
+              <a:rPr lang="zh-CN" altLang="en-US" dirty="0"/>
               <a:t>个数进行比较，返回较大的。</a:t>
             </a:r>
             <a:endParaRPr lang="en-US" altLang="zh-CN" dirty="0">
@@ -14158,13 +13456,6 @@
   <p:clrMapOvr>
     <a:masterClrMapping/>
   </p:clrMapOvr>
-  <p:timing>
-    <p:tnLst>
-      <p:par>
-        <p:cTn id="1" dur="indefinite" restart="never" nodeType="tmRoot"/>
-      </p:par>
-    </p:tnLst>
-  </p:timing>
 </p:sld>
 </file>
 
@@ -14217,11 +13508,11 @@
               <a:t>public </a:t>
             </a:r>
             <a:r>
-              <a:rPr kumimoji="1" lang="en-US" altLang="zh-CN" sz="2800" dirty="0" err="1" smtClean="0"/>
+              <a:rPr kumimoji="1" lang="en-US" altLang="zh-CN" sz="2800" dirty="0" err="1"/>
               <a:t>int</a:t>
             </a:r>
             <a:r>
-              <a:rPr kumimoji="1" lang="en-US" altLang="zh-CN" sz="2800" dirty="0" smtClean="0"/>
+              <a:rPr kumimoji="1" lang="en-US" altLang="zh-CN" sz="2800" dirty="0"/>
               <a:t> </a:t>
             </a:r>
             <a:r>
@@ -14246,13 +13537,8 @@
             </a:r>
             <a:r>
               <a:rPr kumimoji="1" lang="en-US" altLang="zh-CN" sz="2800" dirty="0"/>
-              <a:t> n</a:t>
-            </a:r>
-            <a:r>
-              <a:rPr kumimoji="1" lang="en-US" altLang="zh-CN" sz="2800" dirty="0" smtClean="0"/>
-              <a:t>) {</a:t>
-            </a:r>
-            <a:endParaRPr kumimoji="1" lang="en-US" altLang="zh-CN" sz="2800" dirty="0"/>
+              <a:t> n) {</a:t>
+            </a:r>
           </a:p>
           <a:p>
             <a:pPr eaLnBrk="1" hangingPunct="1">
@@ -14263,8 +13549,12 @@
               <a:buNone/>
             </a:pPr>
             <a:r>
-              <a:rPr kumimoji="1" lang="en-US" altLang="zh-CN" sz="2800" dirty="0" smtClean="0"/>
-              <a:t>    //</a:t>
+              <a:rPr kumimoji="1" lang="en-US" altLang="zh-CN" sz="2800" dirty="0"/>
+              <a:t>    //n</a:t>
+            </a:r>
+            <a:r>
+              <a:rPr kumimoji="1" lang="zh-CN" altLang="en-US" sz="2800" dirty="0"/>
+              <a:t>表示第</a:t>
             </a:r>
             <a:r>
               <a:rPr kumimoji="1" lang="en-US" altLang="zh-CN" sz="2800" dirty="0"/>
@@ -14272,22 +13562,10 @@
             </a:r>
             <a:r>
               <a:rPr kumimoji="1" lang="zh-CN" altLang="en-US" sz="2800" dirty="0"/>
-              <a:t>表示第</a:t>
+              <a:t>个元素，对应数组</a:t>
             </a:r>
             <a:r>
               <a:rPr kumimoji="1" lang="en-US" altLang="zh-CN" sz="2800" dirty="0"/>
-              <a:t>n</a:t>
-            </a:r>
-            <a:r>
-              <a:rPr kumimoji="1" lang="zh-CN" altLang="en-US" sz="2800" dirty="0"/>
-              <a:t>个元素</a:t>
-            </a:r>
-            <a:r>
-              <a:rPr kumimoji="1" lang="zh-CN" altLang="en-US" sz="2800" dirty="0" smtClean="0"/>
-              <a:t>，对应数组</a:t>
-            </a:r>
-            <a:r>
-              <a:rPr kumimoji="1" lang="en-US" altLang="zh-CN" sz="2800" dirty="0" smtClean="0"/>
               <a:t>a[n-1]</a:t>
             </a:r>
           </a:p>
@@ -14300,12 +13578,8 @@
               <a:buNone/>
             </a:pPr>
             <a:r>
-              <a:rPr kumimoji="1" lang="en-US" altLang="zh-CN" sz="2800" dirty="0" smtClean="0"/>
-              <a:t>    if(n</a:t>
-            </a:r>
-            <a:r>
               <a:rPr kumimoji="1" lang="en-US" altLang="zh-CN" sz="2800" dirty="0"/>
-              <a:t>==1){</a:t>
+              <a:t>    if(n==1){</a:t>
             </a:r>
           </a:p>
           <a:p>
@@ -14317,12 +13591,8 @@
               <a:buNone/>
             </a:pPr>
             <a:r>
-              <a:rPr kumimoji="1" lang="en-US" altLang="zh-CN" sz="2800" dirty="0" smtClean="0"/>
-              <a:t>        return </a:t>
-            </a:r>
-            <a:r>
               <a:rPr kumimoji="1" lang="en-US" altLang="zh-CN" sz="2800" dirty="0"/>
-              <a:t>a [0];</a:t>
+              <a:t>        return a [0];</a:t>
             </a:r>
           </a:p>
           <a:p>
@@ -14334,10 +13604,9 @@
               <a:buNone/>
             </a:pPr>
             <a:r>
-              <a:rPr kumimoji="1" lang="en-US" altLang="zh-CN" sz="2800" dirty="0" smtClean="0"/>
+              <a:rPr kumimoji="1" lang="en-US" altLang="zh-CN" sz="2800" dirty="0"/>
               <a:t>    } else {</a:t>
             </a:r>
-            <a:endParaRPr kumimoji="1" lang="en-US" altLang="zh-CN" sz="2800" dirty="0"/>
           </a:p>
           <a:p>
             <a:pPr eaLnBrk="1" hangingPunct="1">
@@ -14348,28 +13617,24 @@
               <a:buNone/>
             </a:pPr>
             <a:r>
-              <a:rPr kumimoji="1" lang="en-US" altLang="zh-CN" sz="2800" dirty="0" smtClean="0"/>
+              <a:rPr kumimoji="1" lang="en-US" altLang="zh-CN" sz="2800" dirty="0"/>
               <a:t>        </a:t>
             </a:r>
             <a:r>
-              <a:rPr kumimoji="1" lang="en-US" altLang="zh-CN" sz="2800" dirty="0" err="1" smtClean="0"/>
+              <a:rPr kumimoji="1" lang="en-US" altLang="zh-CN" sz="2800" dirty="0" err="1"/>
               <a:t>int</a:t>
             </a:r>
             <a:r>
-              <a:rPr kumimoji="1" lang="en-US" altLang="zh-CN" sz="2800" dirty="0" smtClean="0"/>
+              <a:rPr kumimoji="1" lang="en-US" altLang="zh-CN" sz="2800" dirty="0"/>
               <a:t> temp = </a:t>
             </a:r>
             <a:r>
-              <a:rPr kumimoji="1" lang="en-US" altLang="zh-CN" sz="2800" dirty="0" err="1" smtClean="0"/>
+              <a:rPr kumimoji="1" lang="en-US" altLang="zh-CN" sz="2800" dirty="0" err="1"/>
               <a:t>findMax</a:t>
             </a:r>
             <a:r>
-              <a:rPr kumimoji="1" lang="en-US" altLang="zh-CN" sz="2800" dirty="0" smtClean="0"/>
-              <a:t>(a, n-1</a:t>
-            </a:r>
-            <a:r>
               <a:rPr kumimoji="1" lang="en-US" altLang="zh-CN" sz="2800" dirty="0"/>
-              <a:t>);</a:t>
+              <a:t>(a, n-1);</a:t>
             </a:r>
           </a:p>
           <a:p>
@@ -14381,12 +13646,8 @@
               <a:buNone/>
             </a:pPr>
             <a:r>
-              <a:rPr kumimoji="1" lang="en-US" altLang="zh-CN" sz="2800" dirty="0" smtClean="0"/>
-              <a:t>        return temp &gt; a[n-1] ? temp : a[n-1</a:t>
-            </a:r>
-            <a:r>
               <a:rPr kumimoji="1" lang="en-US" altLang="zh-CN" sz="2800" dirty="0"/>
-              <a:t>];</a:t>
+              <a:t>        return temp &gt; a[n-1] ? temp : a[n-1];</a:t>
             </a:r>
           </a:p>
           <a:p>
@@ -14398,7 +13659,7 @@
               <a:buNone/>
             </a:pPr>
             <a:r>
-              <a:rPr kumimoji="1" lang="en-US" altLang="zh-CN" sz="2800" dirty="0" smtClean="0"/>
+              <a:rPr kumimoji="1" lang="en-US" altLang="zh-CN" sz="2800" dirty="0"/>
               <a:t>    }</a:t>
             </a:r>
           </a:p>
@@ -14411,10 +13672,9 @@
               <a:buNone/>
             </a:pPr>
             <a:r>
-              <a:rPr kumimoji="1" lang="en-US" altLang="zh-CN" sz="2800" dirty="0" smtClean="0"/>
+              <a:rPr kumimoji="1" lang="en-US" altLang="zh-CN" sz="2800" dirty="0"/>
               <a:t>}</a:t>
             </a:r>
-            <a:endParaRPr kumimoji="1" lang="en-US" altLang="zh-CN" sz="2800" dirty="0"/>
           </a:p>
         </p:txBody>
       </p:sp>
@@ -14428,13 +13688,6 @@
   <p:clrMapOvr>
     <a:masterClrMapping/>
   </p:clrMapOvr>
-  <p:timing>
-    <p:tnLst>
-      <p:par>
-        <p:cTn id="1" dur="indefinite" restart="never" nodeType="tmRoot"/>
-      </p:par>
-    </p:tnLst>
-  </p:timing>
 </p:sld>
 </file>
 
